--- a/Documentation/Orale/Présentation Furnigo.pptx
+++ b/Documentation/Orale/Présentation Furnigo.pptx
@@ -5,25 +5,20 @@
     <p:sldMasterId id="2147483648" r:id="rId2"/>
   </p:sldMasterIdLst>
   <p:notesMasterIdLst>
-    <p:notesMasterId r:id="rId16"/>
+    <p:notesMasterId r:id="rId11"/>
   </p:notesMasterIdLst>
   <p:handoutMasterIdLst>
-    <p:handoutMasterId r:id="rId17"/>
+    <p:handoutMasterId r:id="rId12"/>
   </p:handoutMasterIdLst>
   <p:sldIdLst>
     <p:sldId id="257" r:id="rId3"/>
     <p:sldId id="258" r:id="rId4"/>
     <p:sldId id="259" r:id="rId5"/>
-    <p:sldId id="260" r:id="rId6"/>
-    <p:sldId id="261" r:id="rId7"/>
-    <p:sldId id="262" r:id="rId8"/>
-    <p:sldId id="263" r:id="rId9"/>
-    <p:sldId id="264" r:id="rId10"/>
-    <p:sldId id="265" r:id="rId11"/>
-    <p:sldId id="266" r:id="rId12"/>
-    <p:sldId id="267" r:id="rId13"/>
-    <p:sldId id="268" r:id="rId14"/>
-    <p:sldId id="269" r:id="rId15"/>
+    <p:sldId id="270" r:id="rId6"/>
+    <p:sldId id="271" r:id="rId7"/>
+    <p:sldId id="272" r:id="rId8"/>
+    <p:sldId id="274" r:id="rId9"/>
+    <p:sldId id="273" r:id="rId10"/>
   </p:sldIdLst>
   <p:sldSz cx="12192000" cy="6858000"/>
   <p:notesSz cx="6858000" cy="9144000"/>
@@ -133,3514 +128,6 @@
 </p:presentation>
 </file>
 
-<file path=ppt/charts/chart1.xml><?xml version="1.0" encoding="utf-8"?>
-<c:chartSpace xmlns:c="http://schemas.openxmlformats.org/drawingml/2006/chart" xmlns:a="http://schemas.openxmlformats.org/drawingml/2006/main" xmlns:r="http://schemas.openxmlformats.org/officeDocument/2006/relationships">
-  <c:date1904 val="0"/>
-  <c:lang val="fr-FR"/>
-  <c:roundedCorners val="0"/>
-  <mc:AlternateContent xmlns:mc="http://schemas.openxmlformats.org/markup-compatibility/2006">
-    <mc:Choice xmlns:c14="http://schemas.microsoft.com/office/drawing/2007/8/2/chart" Requires="c14">
-      <c14:style val="102"/>
-    </mc:Choice>
-    <mc:Fallback>
-      <c:style val="2"/>
-    </mc:Fallback>
-  </mc:AlternateContent>
-  <c:chart>
-    <c:autoTitleDeleted val="1"/>
-    <c:plotArea>
-      <c:layout/>
-      <c:barChart>
-        <c:barDir val="col"/>
-        <c:grouping val="clustered"/>
-        <c:varyColors val="0"/>
-        <c:ser>
-          <c:idx val="0"/>
-          <c:order val="0"/>
-          <c:tx>
-            <c:strRef>
-              <c:f>Sheet1!$B$1</c:f>
-              <c:strCache>
-                <c:ptCount val="1"/>
-                <c:pt idx="0">
-                  <c:v>Série 1</c:v>
-                </c:pt>
-              </c:strCache>
-            </c:strRef>
-          </c:tx>
-          <c:spPr>
-            <a:gradFill rotWithShape="1">
-              <a:gsLst>
-                <a:gs pos="0">
-                  <a:schemeClr val="accent1">
-                    <a:satMod val="103000"/>
-                    <a:lumMod val="102000"/>
-                    <a:tint val="94000"/>
-                  </a:schemeClr>
-                </a:gs>
-                <a:gs pos="50000">
-                  <a:schemeClr val="accent1">
-                    <a:satMod val="110000"/>
-                    <a:lumMod val="100000"/>
-                    <a:shade val="100000"/>
-                  </a:schemeClr>
-                </a:gs>
-                <a:gs pos="100000">
-                  <a:schemeClr val="accent1">
-                    <a:lumMod val="99000"/>
-                    <a:satMod val="120000"/>
-                    <a:shade val="78000"/>
-                  </a:schemeClr>
-                </a:gs>
-              </a:gsLst>
-              <a:lin ang="5400000" scaled="0"/>
-            </a:gradFill>
-            <a:ln>
-              <a:noFill/>
-            </a:ln>
-            <a:effectLst/>
-          </c:spPr>
-          <c:invertIfNegative val="0"/>
-          <c:cat>
-            <c:strRef>
-              <c:f>Sheet1!$A$2:$A$5</c:f>
-              <c:strCache>
-                <c:ptCount val="4"/>
-                <c:pt idx="0">
-                  <c:v>Catégorie 1</c:v>
-                </c:pt>
-                <c:pt idx="1">
-                  <c:v>Catégorie 2</c:v>
-                </c:pt>
-                <c:pt idx="2">
-                  <c:v>Catégorie 3</c:v>
-                </c:pt>
-                <c:pt idx="3">
-                  <c:v>Catégorie 4</c:v>
-                </c:pt>
-              </c:strCache>
-            </c:strRef>
-          </c:cat>
-          <c:val>
-            <c:numRef>
-              <c:f>Sheet1!$B$2:$B$5</c:f>
-              <c:numCache>
-                <c:formatCode>General</c:formatCode>
-                <c:ptCount val="4"/>
-                <c:pt idx="0">
-                  <c:v>4.3</c:v>
-                </c:pt>
-                <c:pt idx="1">
-                  <c:v>2.5</c:v>
-                </c:pt>
-                <c:pt idx="2">
-                  <c:v>3.5</c:v>
-                </c:pt>
-                <c:pt idx="3">
-                  <c:v>4.5</c:v>
-                </c:pt>
-              </c:numCache>
-            </c:numRef>
-          </c:val>
-        </c:ser>
-        <c:ser>
-          <c:idx val="1"/>
-          <c:order val="1"/>
-          <c:tx>
-            <c:strRef>
-              <c:f>Sheet1!$C$1</c:f>
-              <c:strCache>
-                <c:ptCount val="1"/>
-                <c:pt idx="0">
-                  <c:v>Série 2</c:v>
-                </c:pt>
-              </c:strCache>
-            </c:strRef>
-          </c:tx>
-          <c:spPr>
-            <a:gradFill rotWithShape="1">
-              <a:gsLst>
-                <a:gs pos="0">
-                  <a:schemeClr val="accent2">
-                    <a:satMod val="103000"/>
-                    <a:lumMod val="102000"/>
-                    <a:tint val="94000"/>
-                  </a:schemeClr>
-                </a:gs>
-                <a:gs pos="50000">
-                  <a:schemeClr val="accent2">
-                    <a:satMod val="110000"/>
-                    <a:lumMod val="100000"/>
-                    <a:shade val="100000"/>
-                  </a:schemeClr>
-                </a:gs>
-                <a:gs pos="100000">
-                  <a:schemeClr val="accent2">
-                    <a:lumMod val="99000"/>
-                    <a:satMod val="120000"/>
-                    <a:shade val="78000"/>
-                  </a:schemeClr>
-                </a:gs>
-              </a:gsLst>
-              <a:lin ang="5400000" scaled="0"/>
-            </a:gradFill>
-            <a:ln>
-              <a:noFill/>
-            </a:ln>
-            <a:effectLst/>
-          </c:spPr>
-          <c:invertIfNegative val="0"/>
-          <c:cat>
-            <c:strRef>
-              <c:f>Sheet1!$A$2:$A$5</c:f>
-              <c:strCache>
-                <c:ptCount val="4"/>
-                <c:pt idx="0">
-                  <c:v>Catégorie 1</c:v>
-                </c:pt>
-                <c:pt idx="1">
-                  <c:v>Catégorie 2</c:v>
-                </c:pt>
-                <c:pt idx="2">
-                  <c:v>Catégorie 3</c:v>
-                </c:pt>
-                <c:pt idx="3">
-                  <c:v>Catégorie 4</c:v>
-                </c:pt>
-              </c:strCache>
-            </c:strRef>
-          </c:cat>
-          <c:val>
-            <c:numRef>
-              <c:f>Sheet1!$C$2:$C$5</c:f>
-              <c:numCache>
-                <c:formatCode>General</c:formatCode>
-                <c:ptCount val="4"/>
-                <c:pt idx="0">
-                  <c:v>2.4</c:v>
-                </c:pt>
-                <c:pt idx="1">
-                  <c:v>4.4000000000000004</c:v>
-                </c:pt>
-                <c:pt idx="2">
-                  <c:v>1.8</c:v>
-                </c:pt>
-                <c:pt idx="3">
-                  <c:v>2.8</c:v>
-                </c:pt>
-              </c:numCache>
-            </c:numRef>
-          </c:val>
-        </c:ser>
-        <c:ser>
-          <c:idx val="2"/>
-          <c:order val="2"/>
-          <c:tx>
-            <c:strRef>
-              <c:f>Sheet1!$D$1</c:f>
-              <c:strCache>
-                <c:ptCount val="1"/>
-                <c:pt idx="0">
-                  <c:v>Série 3</c:v>
-                </c:pt>
-              </c:strCache>
-            </c:strRef>
-          </c:tx>
-          <c:spPr>
-            <a:gradFill rotWithShape="1">
-              <a:gsLst>
-                <a:gs pos="0">
-                  <a:schemeClr val="accent3">
-                    <a:satMod val="103000"/>
-                    <a:lumMod val="102000"/>
-                    <a:tint val="94000"/>
-                  </a:schemeClr>
-                </a:gs>
-                <a:gs pos="50000">
-                  <a:schemeClr val="accent3">
-                    <a:satMod val="110000"/>
-                    <a:lumMod val="100000"/>
-                    <a:shade val="100000"/>
-                  </a:schemeClr>
-                </a:gs>
-                <a:gs pos="100000">
-                  <a:schemeClr val="accent3">
-                    <a:lumMod val="99000"/>
-                    <a:satMod val="120000"/>
-                    <a:shade val="78000"/>
-                  </a:schemeClr>
-                </a:gs>
-              </a:gsLst>
-              <a:lin ang="5400000" scaled="0"/>
-            </a:gradFill>
-            <a:ln>
-              <a:noFill/>
-            </a:ln>
-            <a:effectLst/>
-          </c:spPr>
-          <c:invertIfNegative val="0"/>
-          <c:cat>
-            <c:strRef>
-              <c:f>Sheet1!$A$2:$A$5</c:f>
-              <c:strCache>
-                <c:ptCount val="4"/>
-                <c:pt idx="0">
-                  <c:v>Catégorie 1</c:v>
-                </c:pt>
-                <c:pt idx="1">
-                  <c:v>Catégorie 2</c:v>
-                </c:pt>
-                <c:pt idx="2">
-                  <c:v>Catégorie 3</c:v>
-                </c:pt>
-                <c:pt idx="3">
-                  <c:v>Catégorie 4</c:v>
-                </c:pt>
-              </c:strCache>
-            </c:strRef>
-          </c:cat>
-          <c:val>
-            <c:numRef>
-              <c:f>Sheet1!$D$2:$D$5</c:f>
-              <c:numCache>
-                <c:formatCode>General</c:formatCode>
-                <c:ptCount val="4"/>
-                <c:pt idx="0">
-                  <c:v>2</c:v>
-                </c:pt>
-                <c:pt idx="1">
-                  <c:v>2</c:v>
-                </c:pt>
-                <c:pt idx="2">
-                  <c:v>3</c:v>
-                </c:pt>
-                <c:pt idx="3">
-                  <c:v>5</c:v>
-                </c:pt>
-              </c:numCache>
-            </c:numRef>
-          </c:val>
-        </c:ser>
-        <c:dLbls>
-          <c:showLegendKey val="0"/>
-          <c:showVal val="0"/>
-          <c:showCatName val="0"/>
-          <c:showSerName val="0"/>
-          <c:showPercent val="0"/>
-          <c:showBubbleSize val="0"/>
-        </c:dLbls>
-        <c:gapWidth val="100"/>
-        <c:overlap val="-24"/>
-        <c:axId val="146934576"/>
-        <c:axId val="294780592"/>
-      </c:barChart>
-      <c:catAx>
-        <c:axId val="146934576"/>
-        <c:scaling>
-          <c:orientation val="minMax"/>
-        </c:scaling>
-        <c:delete val="0"/>
-        <c:axPos val="b"/>
-        <c:numFmt formatCode="General" sourceLinked="1"/>
-        <c:majorTickMark val="none"/>
-        <c:minorTickMark val="none"/>
-        <c:tickLblPos val="nextTo"/>
-        <c:spPr>
-          <a:noFill/>
-          <a:ln w="9525" cap="flat" cmpd="sng" algn="ctr">
-            <a:solidFill>
-              <a:schemeClr val="tx2">
-                <a:lumMod val="15000"/>
-                <a:lumOff val="85000"/>
-              </a:schemeClr>
-            </a:solidFill>
-            <a:round/>
-          </a:ln>
-          <a:effectLst/>
-        </c:spPr>
-        <c:txPr>
-          <a:bodyPr rot="-60000000" spcFirstLastPara="1" vertOverflow="ellipsis" vert="horz" wrap="square" anchor="ctr" anchorCtr="1"/>
-          <a:lstStyle/>
-          <a:p>
-            <a:pPr>
-              <a:defRPr sz="1197" b="0" i="0" u="none" strike="noStrike" kern="1200" baseline="0">
-                <a:solidFill>
-                  <a:schemeClr val="tx2"/>
-                </a:solidFill>
-                <a:latin typeface="+mn-lt"/>
-                <a:ea typeface="+mn-ea"/>
-                <a:cs typeface="+mn-cs"/>
-              </a:defRPr>
-            </a:pPr>
-            <a:endParaRPr lang="fr-FR"/>
-          </a:p>
-        </c:txPr>
-        <c:crossAx val="294780592"/>
-        <c:crosses val="autoZero"/>
-        <c:auto val="1"/>
-        <c:lblAlgn val="ctr"/>
-        <c:lblOffset val="100"/>
-        <c:noMultiLvlLbl val="0"/>
-      </c:catAx>
-      <c:valAx>
-        <c:axId val="294780592"/>
-        <c:scaling>
-          <c:orientation val="minMax"/>
-        </c:scaling>
-        <c:delete val="0"/>
-        <c:axPos val="l"/>
-        <c:majorGridlines>
-          <c:spPr>
-            <a:ln w="9525" cap="flat" cmpd="sng" algn="ctr">
-              <a:solidFill>
-                <a:schemeClr val="tx2">
-                  <a:lumMod val="15000"/>
-                  <a:lumOff val="85000"/>
-                </a:schemeClr>
-              </a:solidFill>
-              <a:round/>
-            </a:ln>
-            <a:effectLst/>
-          </c:spPr>
-        </c:majorGridlines>
-        <c:numFmt formatCode="General" sourceLinked="1"/>
-        <c:majorTickMark val="none"/>
-        <c:minorTickMark val="none"/>
-        <c:tickLblPos val="nextTo"/>
-        <c:spPr>
-          <a:noFill/>
-          <a:ln>
-            <a:noFill/>
-          </a:ln>
-          <a:effectLst/>
-        </c:spPr>
-        <c:txPr>
-          <a:bodyPr rot="-60000000" spcFirstLastPara="1" vertOverflow="ellipsis" vert="horz" wrap="square" anchor="ctr" anchorCtr="1"/>
-          <a:lstStyle/>
-          <a:p>
-            <a:pPr>
-              <a:defRPr sz="1197" b="0" i="0" u="none" strike="noStrike" kern="1200" baseline="0">
-                <a:solidFill>
-                  <a:schemeClr val="tx2"/>
-                </a:solidFill>
-                <a:latin typeface="+mn-lt"/>
-                <a:ea typeface="+mn-ea"/>
-                <a:cs typeface="+mn-cs"/>
-              </a:defRPr>
-            </a:pPr>
-            <a:endParaRPr lang="fr-FR"/>
-          </a:p>
-        </c:txPr>
-        <c:crossAx val="146934576"/>
-        <c:crosses val="autoZero"/>
-        <c:crossBetween val="between"/>
-      </c:valAx>
-      <c:spPr>
-        <a:noFill/>
-        <a:ln>
-          <a:noFill/>
-        </a:ln>
-        <a:effectLst/>
-      </c:spPr>
-    </c:plotArea>
-    <c:legend>
-      <c:legendPos val="b"/>
-      <c:overlay val="0"/>
-      <c:spPr>
-        <a:noFill/>
-        <a:ln>
-          <a:noFill/>
-        </a:ln>
-        <a:effectLst/>
-      </c:spPr>
-      <c:txPr>
-        <a:bodyPr rot="0" spcFirstLastPara="1" vertOverflow="ellipsis" vert="horz" wrap="square" anchor="ctr" anchorCtr="1"/>
-        <a:lstStyle/>
-        <a:p>
-          <a:pPr>
-            <a:defRPr sz="1197" b="0" i="0" u="none" strike="noStrike" kern="1200" baseline="0">
-              <a:solidFill>
-                <a:schemeClr val="tx2"/>
-              </a:solidFill>
-              <a:latin typeface="+mn-lt"/>
-              <a:ea typeface="+mn-ea"/>
-              <a:cs typeface="+mn-cs"/>
-            </a:defRPr>
-          </a:pPr>
-          <a:endParaRPr lang="fr-FR"/>
-        </a:p>
-      </c:txPr>
-    </c:legend>
-    <c:plotVisOnly val="1"/>
-    <c:dispBlanksAs val="gap"/>
-    <c:showDLblsOverMax val="0"/>
-  </c:chart>
-  <c:spPr>
-    <a:noFill/>
-    <a:ln>
-      <a:noFill/>
-    </a:ln>
-    <a:effectLst/>
-  </c:spPr>
-  <c:txPr>
-    <a:bodyPr/>
-    <a:lstStyle/>
-    <a:p>
-      <a:pPr>
-        <a:defRPr/>
-      </a:pPr>
-      <a:endParaRPr lang="fr-FR"/>
-    </a:p>
-  </c:txPr>
-  <c:externalData r:id="rId3">
-    <c:autoUpdate val="0"/>
-  </c:externalData>
-</c:chartSpace>
-</file>
-
-<file path=ppt/charts/colors1.xml><?xml version="1.0" encoding="utf-8"?>
-<cs:colorStyle xmlns:cs="http://schemas.microsoft.com/office/drawing/2012/chartStyle" xmlns:a="http://schemas.openxmlformats.org/drawingml/2006/main" meth="cycle" id="10">
-  <a:schemeClr val="accent1"/>
-  <a:schemeClr val="accent2"/>
-  <a:schemeClr val="accent3"/>
-  <a:schemeClr val="accent4"/>
-  <a:schemeClr val="accent5"/>
-  <a:schemeClr val="accent6"/>
-  <cs:variation/>
-  <cs:variation>
-    <a:lumMod val="60000"/>
-  </cs:variation>
-  <cs:variation>
-    <a:lumMod val="80000"/>
-    <a:lumOff val="20000"/>
-  </cs:variation>
-  <cs:variation>
-    <a:lumMod val="80000"/>
-  </cs:variation>
-  <cs:variation>
-    <a:lumMod val="60000"/>
-    <a:lumOff val="40000"/>
-  </cs:variation>
-  <cs:variation>
-    <a:lumMod val="50000"/>
-  </cs:variation>
-  <cs:variation>
-    <a:lumMod val="70000"/>
-    <a:lumOff val="30000"/>
-  </cs:variation>
-  <cs:variation>
-    <a:lumMod val="70000"/>
-  </cs:variation>
-  <cs:variation>
-    <a:lumMod val="50000"/>
-    <a:lumOff val="50000"/>
-  </cs:variation>
-</cs:colorStyle>
-</file>
-
-<file path=ppt/charts/style1.xml><?xml version="1.0" encoding="utf-8"?>
-<cs:chartStyle xmlns:cs="http://schemas.microsoft.com/office/drawing/2012/chartStyle" xmlns:a="http://schemas.openxmlformats.org/drawingml/2006/main" id="207">
-  <cs:axisTitle>
-    <cs:lnRef idx="0"/>
-    <cs:fillRef idx="0"/>
-    <cs:effectRef idx="0"/>
-    <cs:fontRef idx="minor">
-      <a:schemeClr val="tx2"/>
-    </cs:fontRef>
-    <cs:defRPr sz="1197" b="1" kern="1200"/>
-  </cs:axisTitle>
-  <cs:categoryAxis>
-    <cs:lnRef idx="0"/>
-    <cs:fillRef idx="0"/>
-    <cs:effectRef idx="0"/>
-    <cs:fontRef idx="minor">
-      <a:schemeClr val="tx2"/>
-    </cs:fontRef>
-    <cs:spPr>
-      <a:ln w="9525" cap="flat" cmpd="sng" algn="ctr">
-        <a:solidFill>
-          <a:schemeClr val="tx2">
-            <a:lumMod val="15000"/>
-            <a:lumOff val="85000"/>
-          </a:schemeClr>
-        </a:solidFill>
-        <a:round/>
-      </a:ln>
-    </cs:spPr>
-    <cs:defRPr sz="1197" kern="1200"/>
-  </cs:categoryAxis>
-  <cs:chartArea mods="allowNoFillOverride allowNoLineOverride">
-    <cs:lnRef idx="0"/>
-    <cs:fillRef idx="0"/>
-    <cs:effectRef idx="0"/>
-    <cs:fontRef idx="minor">
-      <a:schemeClr val="tx2"/>
-    </cs:fontRef>
-    <cs:spPr>
-      <a:solidFill>
-        <a:schemeClr val="bg1"/>
-      </a:solidFill>
-      <a:ln w="9525" cap="flat" cmpd="sng" algn="ctr">
-        <a:solidFill>
-          <a:schemeClr val="tx2">
-            <a:lumMod val="15000"/>
-            <a:lumOff val="85000"/>
-          </a:schemeClr>
-        </a:solidFill>
-        <a:round/>
-      </a:ln>
-    </cs:spPr>
-    <cs:defRPr sz="1197" kern="1200"/>
-  </cs:chartArea>
-  <cs:dataLabel>
-    <cs:lnRef idx="0"/>
-    <cs:fillRef idx="0"/>
-    <cs:effectRef idx="0"/>
-    <cs:fontRef idx="minor">
-      <a:schemeClr val="tx2"/>
-    </cs:fontRef>
-    <cs:defRPr sz="1197" kern="1200"/>
-  </cs:dataLabel>
-  <cs:dataLabelCallout>
-    <cs:lnRef idx="0"/>
-    <cs:fillRef idx="0"/>
-    <cs:effectRef idx="0"/>
-    <cs:fontRef idx="minor">
-      <a:schemeClr val="dk2">
-        <a:lumMod val="75000"/>
-      </a:schemeClr>
-    </cs:fontRef>
-    <cs:spPr>
-      <a:solidFill>
-        <a:schemeClr val="lt1"/>
-      </a:solidFill>
-      <a:ln>
-        <a:solidFill>
-          <a:schemeClr val="dk1">
-            <a:lumMod val="25000"/>
-            <a:lumOff val="75000"/>
-          </a:schemeClr>
-        </a:solidFill>
-      </a:ln>
-    </cs:spPr>
-    <cs:defRPr sz="1197" kern="1200"/>
-    <cs:bodyPr rot="0" spcFirstLastPara="1" vertOverflow="clip" horzOverflow="clip" vert="horz" wrap="square" lIns="36576" tIns="18288" rIns="36576" bIns="18288" anchor="ctr" anchorCtr="1">
-      <a:spAutoFit/>
-    </cs:bodyPr>
-  </cs:dataLabelCallout>
-  <cs:dataPoint>
-    <cs:lnRef idx="0"/>
-    <cs:fillRef idx="3">
-      <cs:styleClr val="auto"/>
-    </cs:fillRef>
-    <cs:effectRef idx="2"/>
-    <cs:fontRef idx="minor">
-      <a:schemeClr val="tx2"/>
-    </cs:fontRef>
-  </cs:dataPoint>
-  <cs:dataPoint3D>
-    <cs:lnRef idx="0"/>
-    <cs:fillRef idx="3">
-      <cs:styleClr val="auto"/>
-    </cs:fillRef>
-    <cs:effectRef idx="2"/>
-    <cs:fontRef idx="minor">
-      <a:schemeClr val="tx2"/>
-    </cs:fontRef>
-  </cs:dataPoint3D>
-  <cs:dataPointLine>
-    <cs:lnRef idx="0">
-      <cs:styleClr val="auto"/>
-    </cs:lnRef>
-    <cs:fillRef idx="3"/>
-    <cs:effectRef idx="2"/>
-    <cs:fontRef idx="minor">
-      <a:schemeClr val="tx2"/>
-    </cs:fontRef>
-    <cs:spPr>
-      <a:ln w="31750" cap="rnd">
-        <a:solidFill>
-          <a:schemeClr val="phClr"/>
-        </a:solidFill>
-        <a:round/>
-      </a:ln>
-    </cs:spPr>
-  </cs:dataPointLine>
-  <cs:dataPointMarker>
-    <cs:lnRef idx="0"/>
-    <cs:fillRef idx="3">
-      <cs:styleClr val="auto"/>
-    </cs:fillRef>
-    <cs:effectRef idx="2"/>
-    <cs:fontRef idx="minor">
-      <a:schemeClr val="tx2"/>
-    </cs:fontRef>
-    <cs:spPr>
-      <a:ln w="12700">
-        <a:solidFill>
-          <a:schemeClr val="lt2"/>
-        </a:solidFill>
-        <a:round/>
-      </a:ln>
-    </cs:spPr>
-  </cs:dataPointMarker>
-  <cs:dataPointMarkerLayout symbol="circle" size="6"/>
-  <cs:dataPointWireframe>
-    <cs:lnRef idx="0">
-      <cs:styleClr val="auto"/>
-    </cs:lnRef>
-    <cs:fillRef idx="3"/>
-    <cs:effectRef idx="2"/>
-    <cs:fontRef idx="minor">
-      <a:schemeClr val="tx2"/>
-    </cs:fontRef>
-    <cs:spPr>
-      <a:ln w="9525" cap="rnd">
-        <a:solidFill>
-          <a:schemeClr val="phClr"/>
-        </a:solidFill>
-        <a:round/>
-      </a:ln>
-    </cs:spPr>
-  </cs:dataPointWireframe>
-  <cs:dataTable>
-    <cs:lnRef idx="0"/>
-    <cs:fillRef idx="0"/>
-    <cs:effectRef idx="0"/>
-    <cs:fontRef idx="minor">
-      <a:schemeClr val="tx2"/>
-    </cs:fontRef>
-    <cs:spPr>
-      <a:ln w="9525">
-        <a:solidFill>
-          <a:schemeClr val="tx2">
-            <a:lumMod val="15000"/>
-            <a:lumOff val="85000"/>
-          </a:schemeClr>
-        </a:solidFill>
-      </a:ln>
-    </cs:spPr>
-    <cs:defRPr sz="1197" kern="1200"/>
-  </cs:dataTable>
-  <cs:downBar>
-    <cs:lnRef idx="0"/>
-    <cs:fillRef idx="0"/>
-    <cs:effectRef idx="0"/>
-    <cs:fontRef idx="minor">
-      <a:schemeClr val="dk1"/>
-    </cs:fontRef>
-    <cs:spPr>
-      <a:solidFill>
-        <a:schemeClr val="dk1">
-          <a:lumMod val="65000"/>
-          <a:lumOff val="35000"/>
-        </a:schemeClr>
-      </a:solidFill>
-      <a:ln w="9525">
-        <a:solidFill>
-          <a:schemeClr val="tx1">
-            <a:lumMod val="65000"/>
-            <a:lumOff val="35000"/>
-          </a:schemeClr>
-        </a:solidFill>
-      </a:ln>
-    </cs:spPr>
-  </cs:downBar>
-  <cs:dropLine>
-    <cs:lnRef idx="0"/>
-    <cs:fillRef idx="0"/>
-    <cs:effectRef idx="0"/>
-    <cs:fontRef idx="minor">
-      <a:schemeClr val="tx2"/>
-    </cs:fontRef>
-    <cs:spPr>
-      <a:ln w="9525">
-        <a:solidFill>
-          <a:schemeClr val="tx2">
-            <a:lumMod val="60000"/>
-            <a:lumOff val="40000"/>
-          </a:schemeClr>
-        </a:solidFill>
-        <a:prstDash val="dash"/>
-      </a:ln>
-    </cs:spPr>
-  </cs:dropLine>
-  <cs:errorBar>
-    <cs:lnRef idx="0"/>
-    <cs:fillRef idx="0"/>
-    <cs:effectRef idx="0"/>
-    <cs:fontRef idx="minor">
-      <a:schemeClr val="tx2"/>
-    </cs:fontRef>
-    <cs:spPr>
-      <a:ln w="9525">
-        <a:solidFill>
-          <a:schemeClr val="tx2">
-            <a:lumMod val="75000"/>
-            <a:lumOff val="25000"/>
-          </a:schemeClr>
-        </a:solidFill>
-        <a:round/>
-      </a:ln>
-    </cs:spPr>
-  </cs:errorBar>
-  <cs:floor>
-    <cs:lnRef idx="0"/>
-    <cs:fillRef idx="0"/>
-    <cs:effectRef idx="0"/>
-    <cs:fontRef idx="minor">
-      <a:schemeClr val="tx2"/>
-    </cs:fontRef>
-  </cs:floor>
-  <cs:gridlineMajor>
-    <cs:lnRef idx="0"/>
-    <cs:fillRef idx="0"/>
-    <cs:effectRef idx="0"/>
-    <cs:fontRef idx="minor">
-      <a:schemeClr val="tx2"/>
-    </cs:fontRef>
-    <cs:spPr>
-      <a:ln w="9525" cap="flat" cmpd="sng" algn="ctr">
-        <a:solidFill>
-          <a:schemeClr val="tx2">
-            <a:lumMod val="15000"/>
-            <a:lumOff val="85000"/>
-          </a:schemeClr>
-        </a:solidFill>
-        <a:round/>
-      </a:ln>
-    </cs:spPr>
-  </cs:gridlineMajor>
-  <cs:gridlineMinor>
-    <cs:lnRef idx="0"/>
-    <cs:fillRef idx="0"/>
-    <cs:effectRef idx="0"/>
-    <cs:fontRef idx="minor">
-      <a:schemeClr val="tx2"/>
-    </cs:fontRef>
-    <cs:spPr>
-      <a:ln>
-        <a:solidFill>
-          <a:schemeClr val="tx2">
-            <a:lumMod val="5000"/>
-            <a:lumOff val="95000"/>
-          </a:schemeClr>
-        </a:solidFill>
-      </a:ln>
-    </cs:spPr>
-  </cs:gridlineMinor>
-  <cs:hiLoLine>
-    <cs:lnRef idx="0"/>
-    <cs:fillRef idx="0"/>
-    <cs:effectRef idx="0"/>
-    <cs:fontRef idx="minor">
-      <a:schemeClr val="tx2"/>
-    </cs:fontRef>
-    <cs:spPr>
-      <a:ln w="9525">
-        <a:solidFill>
-          <a:schemeClr val="tx2">
-            <a:lumMod val="60000"/>
-            <a:lumOff val="40000"/>
-          </a:schemeClr>
-        </a:solidFill>
-        <a:prstDash val="dash"/>
-      </a:ln>
-    </cs:spPr>
-  </cs:hiLoLine>
-  <cs:leaderLine>
-    <cs:lnRef idx="0"/>
-    <cs:fillRef idx="0"/>
-    <cs:effectRef idx="0"/>
-    <cs:fontRef idx="minor">
-      <a:schemeClr val="tx2"/>
-    </cs:fontRef>
-    <cs:spPr>
-      <a:ln w="9525">
-        <a:solidFill>
-          <a:schemeClr val="tx2">
-            <a:lumMod val="35000"/>
-            <a:lumOff val="65000"/>
-          </a:schemeClr>
-        </a:solidFill>
-      </a:ln>
-    </cs:spPr>
-  </cs:leaderLine>
-  <cs:legend>
-    <cs:lnRef idx="0"/>
-    <cs:fillRef idx="0"/>
-    <cs:effectRef idx="0"/>
-    <cs:fontRef idx="minor">
-      <a:schemeClr val="tx2"/>
-    </cs:fontRef>
-    <cs:defRPr sz="1197" kern="1200"/>
-  </cs:legend>
-  <cs:plotArea>
-    <cs:lnRef idx="0"/>
-    <cs:fillRef idx="0"/>
-    <cs:effectRef idx="0"/>
-    <cs:fontRef idx="minor">
-      <a:schemeClr val="tx2"/>
-    </cs:fontRef>
-  </cs:plotArea>
-  <cs:plotArea3D>
-    <cs:lnRef idx="0"/>
-    <cs:fillRef idx="0"/>
-    <cs:effectRef idx="0"/>
-    <cs:fontRef idx="minor">
-      <a:schemeClr val="tx2"/>
-    </cs:fontRef>
-  </cs:plotArea3D>
-  <cs:seriesAxis>
-    <cs:lnRef idx="0"/>
-    <cs:fillRef idx="0"/>
-    <cs:effectRef idx="0"/>
-    <cs:fontRef idx="minor">
-      <a:schemeClr val="tx2"/>
-    </cs:fontRef>
-    <cs:spPr>
-      <a:ln w="9525" cap="flat" cmpd="sng" algn="ctr">
-        <a:solidFill>
-          <a:schemeClr val="tx2">
-            <a:lumMod val="15000"/>
-            <a:lumOff val="85000"/>
-          </a:schemeClr>
-        </a:solidFill>
-        <a:round/>
-      </a:ln>
-    </cs:spPr>
-    <cs:defRPr sz="1197" kern="1200"/>
-  </cs:seriesAxis>
-  <cs:seriesLine>
-    <cs:lnRef idx="0"/>
-    <cs:fillRef idx="0"/>
-    <cs:effectRef idx="0"/>
-    <cs:fontRef idx="minor">
-      <a:schemeClr val="tx2"/>
-    </cs:fontRef>
-    <cs:spPr>
-      <a:ln w="9525">
-        <a:solidFill>
-          <a:schemeClr val="tx2">
-            <a:lumMod val="60000"/>
-            <a:lumOff val="40000"/>
-          </a:schemeClr>
-        </a:solidFill>
-        <a:prstDash val="dash"/>
-      </a:ln>
-    </cs:spPr>
-  </cs:seriesLine>
-  <cs:title>
-    <cs:lnRef idx="0"/>
-    <cs:fillRef idx="0"/>
-    <cs:effectRef idx="0"/>
-    <cs:fontRef idx="minor">
-      <a:schemeClr val="tx2"/>
-    </cs:fontRef>
-    <cs:defRPr sz="2128" b="1" kern="1200"/>
-  </cs:title>
-  <cs:trendline>
-    <cs:lnRef idx="0">
-      <cs:styleClr val="auto"/>
-    </cs:lnRef>
-    <cs:fillRef idx="0"/>
-    <cs:effectRef idx="0"/>
-    <cs:fontRef idx="minor">
-      <a:schemeClr val="tx2"/>
-    </cs:fontRef>
-    <cs:spPr>
-      <a:ln w="19050" cap="rnd">
-        <a:solidFill>
-          <a:schemeClr val="phClr"/>
-        </a:solidFill>
-        <a:prstDash val="sysDash"/>
-      </a:ln>
-    </cs:spPr>
-  </cs:trendline>
-  <cs:trendlineLabel>
-    <cs:lnRef idx="0"/>
-    <cs:fillRef idx="0"/>
-    <cs:effectRef idx="0"/>
-    <cs:fontRef idx="minor">
-      <a:schemeClr val="tx2"/>
-    </cs:fontRef>
-    <cs:defRPr sz="1197" kern="1200"/>
-  </cs:trendlineLabel>
-  <cs:upBar>
-    <cs:lnRef idx="0"/>
-    <cs:fillRef idx="0"/>
-    <cs:effectRef idx="0"/>
-    <cs:fontRef idx="minor">
-      <a:schemeClr val="tx2"/>
-    </cs:fontRef>
-    <cs:spPr>
-      <a:solidFill>
-        <a:schemeClr val="lt1"/>
-      </a:solidFill>
-      <a:ln w="9525">
-        <a:solidFill>
-          <a:schemeClr val="tx1">
-            <a:lumMod val="15000"/>
-            <a:lumOff val="85000"/>
-          </a:schemeClr>
-        </a:solidFill>
-      </a:ln>
-    </cs:spPr>
-  </cs:upBar>
-  <cs:valueAxis>
-    <cs:lnRef idx="0"/>
-    <cs:fillRef idx="0"/>
-    <cs:effectRef idx="0"/>
-    <cs:fontRef idx="minor">
-      <a:schemeClr val="tx2"/>
-    </cs:fontRef>
-    <cs:defRPr sz="1197" kern="1200"/>
-  </cs:valueAxis>
-  <cs:wall>
-    <cs:lnRef idx="0"/>
-    <cs:fillRef idx="0"/>
-    <cs:effectRef idx="0"/>
-    <cs:fontRef idx="minor">
-      <a:schemeClr val="tx2"/>
-    </cs:fontRef>
-  </cs:wall>
-</cs:chartStyle>
-</file>
-
-<file path=ppt/diagrams/colors1.xml><?xml version="1.0" encoding="utf-8"?>
-<dgm:colorsDef xmlns:dgm="http://schemas.openxmlformats.org/drawingml/2006/diagram" xmlns:a="http://schemas.openxmlformats.org/drawingml/2006/main" uniqueId="urn:microsoft.com/office/officeart/2005/8/colors/colorful1">
-  <dgm:title val=""/>
-  <dgm:desc val=""/>
-  <dgm:catLst>
-    <dgm:cat type="colorful" pri="10100"/>
-  </dgm:catLst>
-  <dgm:styleLbl name="node0">
-    <dgm:fillClrLst meth="repeat">
-      <a:schemeClr val="accent1"/>
-    </dgm:fillClrLst>
-    <dgm:linClrLst meth="repeat">
-      <a:schemeClr val="lt1"/>
-    </dgm:linClrLst>
-    <dgm:effectClrLst/>
-    <dgm:txLinClrLst/>
-    <dgm:txFillClrLst/>
-    <dgm:txEffectClrLst/>
-  </dgm:styleLbl>
-  <dgm:styleLbl name="node1">
-    <dgm:fillClrLst meth="repeat">
-      <a:schemeClr val="accent2"/>
-      <a:schemeClr val="accent3"/>
-      <a:schemeClr val="accent4"/>
-      <a:schemeClr val="accent5"/>
-      <a:schemeClr val="accent6"/>
-    </dgm:fillClrLst>
-    <dgm:linClrLst meth="repeat">
-      <a:schemeClr val="lt1"/>
-    </dgm:linClrLst>
-    <dgm:effectClrLst/>
-    <dgm:txLinClrLst/>
-    <dgm:txFillClrLst/>
-    <dgm:txEffectClrLst/>
-  </dgm:styleLbl>
-  <dgm:styleLbl name="alignNode1">
-    <dgm:fillClrLst meth="repeat">
-      <a:schemeClr val="accent2"/>
-      <a:schemeClr val="accent3"/>
-      <a:schemeClr val="accent4"/>
-      <a:schemeClr val="accent5"/>
-      <a:schemeClr val="accent6"/>
-    </dgm:fillClrLst>
-    <dgm:linClrLst meth="repeat">
-      <a:schemeClr val="accent2"/>
-      <a:schemeClr val="accent3"/>
-      <a:schemeClr val="accent4"/>
-      <a:schemeClr val="accent5"/>
-      <a:schemeClr val="accent6"/>
-    </dgm:linClrLst>
-    <dgm:effectClrLst/>
-    <dgm:txLinClrLst/>
-    <dgm:txFillClrLst/>
-    <dgm:txEffectClrLst/>
-  </dgm:styleLbl>
-  <dgm:styleLbl name="lnNode1">
-    <dgm:fillClrLst meth="repeat">
-      <a:schemeClr val="accent2"/>
-      <a:schemeClr val="accent3"/>
-      <a:schemeClr val="accent4"/>
-      <a:schemeClr val="accent5"/>
-      <a:schemeClr val="accent6"/>
-    </dgm:fillClrLst>
-    <dgm:linClrLst meth="repeat">
-      <a:schemeClr val="lt1"/>
-    </dgm:linClrLst>
-    <dgm:effectClrLst/>
-    <dgm:txLinClrLst/>
-    <dgm:txFillClrLst/>
-    <dgm:txEffectClrLst/>
-  </dgm:styleLbl>
-  <dgm:styleLbl name="vennNode1">
-    <dgm:fillClrLst meth="repeat">
-      <a:schemeClr val="accent2">
-        <a:alpha val="50000"/>
-      </a:schemeClr>
-      <a:schemeClr val="accent3">
-        <a:alpha val="50000"/>
-      </a:schemeClr>
-      <a:schemeClr val="accent4">
-        <a:alpha val="50000"/>
-      </a:schemeClr>
-      <a:schemeClr val="accent5">
-        <a:alpha val="50000"/>
-      </a:schemeClr>
-      <a:schemeClr val="accent6">
-        <a:alpha val="50000"/>
-      </a:schemeClr>
-    </dgm:fillClrLst>
-    <dgm:linClrLst meth="repeat">
-      <a:schemeClr val="lt1"/>
-    </dgm:linClrLst>
-    <dgm:effectClrLst/>
-    <dgm:txLinClrLst/>
-    <dgm:txFillClrLst/>
-    <dgm:txEffectClrLst/>
-  </dgm:styleLbl>
-  <dgm:styleLbl name="node2">
-    <dgm:fillClrLst>
-      <a:schemeClr val="accent2"/>
-    </dgm:fillClrLst>
-    <dgm:linClrLst meth="repeat">
-      <a:schemeClr val="lt1"/>
-    </dgm:linClrLst>
-    <dgm:effectClrLst/>
-    <dgm:txLinClrLst/>
-    <dgm:txFillClrLst/>
-    <dgm:txEffectClrLst/>
-  </dgm:styleLbl>
-  <dgm:styleLbl name="node3">
-    <dgm:fillClrLst>
-      <a:schemeClr val="accent3"/>
-    </dgm:fillClrLst>
-    <dgm:linClrLst meth="repeat">
-      <a:schemeClr val="lt1"/>
-    </dgm:linClrLst>
-    <dgm:effectClrLst/>
-    <dgm:txLinClrLst/>
-    <dgm:txFillClrLst/>
-    <dgm:txEffectClrLst/>
-  </dgm:styleLbl>
-  <dgm:styleLbl name="node4">
-    <dgm:fillClrLst>
-      <a:schemeClr val="accent4"/>
-    </dgm:fillClrLst>
-    <dgm:linClrLst meth="repeat">
-      <a:schemeClr val="lt1"/>
-    </dgm:linClrLst>
-    <dgm:effectClrLst/>
-    <dgm:txLinClrLst/>
-    <dgm:txFillClrLst/>
-    <dgm:txEffectClrLst/>
-  </dgm:styleLbl>
-  <dgm:styleLbl name="fgImgPlace1">
-    <dgm:fillClrLst meth="repeat">
-      <a:schemeClr val="accent2">
-        <a:tint val="50000"/>
-      </a:schemeClr>
-      <a:schemeClr val="accent3">
-        <a:tint val="50000"/>
-      </a:schemeClr>
-      <a:schemeClr val="accent4">
-        <a:tint val="50000"/>
-      </a:schemeClr>
-      <a:schemeClr val="accent5">
-        <a:tint val="50000"/>
-      </a:schemeClr>
-      <a:schemeClr val="accent6">
-        <a:tint val="50000"/>
-      </a:schemeClr>
-    </dgm:fillClrLst>
-    <dgm:linClrLst meth="repeat">
-      <a:schemeClr val="lt1"/>
-    </dgm:linClrLst>
-    <dgm:effectClrLst/>
-    <dgm:txLinClrLst/>
-    <dgm:txFillClrLst meth="repeat">
-      <a:schemeClr val="lt1"/>
-    </dgm:txFillClrLst>
-    <dgm:txEffectClrLst/>
-  </dgm:styleLbl>
-  <dgm:styleLbl name="alignImgPlace1">
-    <dgm:fillClrLst>
-      <a:schemeClr val="accent1">
-        <a:tint val="50000"/>
-      </a:schemeClr>
-      <a:schemeClr val="accent2">
-        <a:tint val="20000"/>
-      </a:schemeClr>
-    </dgm:fillClrLst>
-    <dgm:linClrLst meth="repeat">
-      <a:schemeClr val="lt1"/>
-    </dgm:linClrLst>
-    <dgm:effectClrLst/>
-    <dgm:txLinClrLst/>
-    <dgm:txFillClrLst meth="repeat">
-      <a:schemeClr val="lt1"/>
-    </dgm:txFillClrLst>
-    <dgm:txEffectClrLst/>
-  </dgm:styleLbl>
-  <dgm:styleLbl name="bgImgPlace1">
-    <dgm:fillClrLst>
-      <a:schemeClr val="accent1">
-        <a:tint val="50000"/>
-      </a:schemeClr>
-      <a:schemeClr val="accent2">
-        <a:tint val="20000"/>
-      </a:schemeClr>
-    </dgm:fillClrLst>
-    <dgm:linClrLst meth="repeat">
-      <a:schemeClr val="lt1"/>
-    </dgm:linClrLst>
-    <dgm:effectClrLst/>
-    <dgm:txLinClrLst/>
-    <dgm:txFillClrLst meth="repeat">
-      <a:schemeClr val="lt1"/>
-    </dgm:txFillClrLst>
-    <dgm:txEffectClrLst/>
-  </dgm:styleLbl>
-  <dgm:styleLbl name="sibTrans2D1">
-    <dgm:fillClrLst meth="repeat">
-      <a:schemeClr val="accent2"/>
-      <a:schemeClr val="accent3"/>
-      <a:schemeClr val="accent4"/>
-      <a:schemeClr val="accent5"/>
-      <a:schemeClr val="accent6"/>
-    </dgm:fillClrLst>
-    <dgm:linClrLst meth="cycle">
-      <a:schemeClr val="lt1"/>
-    </dgm:linClrLst>
-    <dgm:effectClrLst/>
-    <dgm:txLinClrLst/>
-    <dgm:txFillClrLst/>
-    <dgm:txEffectClrLst/>
-  </dgm:styleLbl>
-  <dgm:styleLbl name="fgSibTrans2D1">
-    <dgm:fillClrLst meth="repeat">
-      <a:schemeClr val="accent2"/>
-      <a:schemeClr val="accent3"/>
-      <a:schemeClr val="accent4"/>
-      <a:schemeClr val="accent5"/>
-      <a:schemeClr val="accent6"/>
-    </dgm:fillClrLst>
-    <dgm:linClrLst meth="cycle">
-      <a:schemeClr val="lt1"/>
-    </dgm:linClrLst>
-    <dgm:effectClrLst/>
-    <dgm:txLinClrLst/>
-    <dgm:txFillClrLst meth="repeat">
-      <a:schemeClr val="lt1"/>
-    </dgm:txFillClrLst>
-    <dgm:txEffectClrLst/>
-  </dgm:styleLbl>
-  <dgm:styleLbl name="bgSibTrans2D1">
-    <dgm:fillClrLst meth="repeat">
-      <a:schemeClr val="accent2"/>
-      <a:schemeClr val="accent3"/>
-      <a:schemeClr val="accent4"/>
-      <a:schemeClr val="accent5"/>
-      <a:schemeClr val="accent6"/>
-    </dgm:fillClrLst>
-    <dgm:linClrLst meth="cycle">
-      <a:schemeClr val="lt1"/>
-    </dgm:linClrLst>
-    <dgm:effectClrLst/>
-    <dgm:txLinClrLst/>
-    <dgm:txFillClrLst meth="repeat">
-      <a:schemeClr val="lt1"/>
-    </dgm:txFillClrLst>
-    <dgm:txEffectClrLst/>
-  </dgm:styleLbl>
-  <dgm:styleLbl name="sibTrans1D1">
-    <dgm:fillClrLst meth="repeat">
-      <a:schemeClr val="accent2"/>
-      <a:schemeClr val="accent3"/>
-      <a:schemeClr val="accent4"/>
-      <a:schemeClr val="accent5"/>
-      <a:schemeClr val="accent6"/>
-    </dgm:fillClrLst>
-    <dgm:linClrLst meth="repeat">
-      <a:schemeClr val="accent2"/>
-      <a:schemeClr val="accent3"/>
-      <a:schemeClr val="accent4"/>
-      <a:schemeClr val="accent5"/>
-      <a:schemeClr val="accent6"/>
-    </dgm:linClrLst>
-    <dgm:effectClrLst/>
-    <dgm:txLinClrLst/>
-    <dgm:txFillClrLst meth="repeat">
-      <a:schemeClr val="tx1"/>
-    </dgm:txFillClrLst>
-    <dgm:txEffectClrLst/>
-  </dgm:styleLbl>
-  <dgm:styleLbl name="callout">
-    <dgm:fillClrLst meth="repeat">
-      <a:schemeClr val="accent2"/>
-    </dgm:fillClrLst>
-    <dgm:linClrLst meth="repeat">
-      <a:schemeClr val="accent2">
-        <a:tint val="50000"/>
-      </a:schemeClr>
-    </dgm:linClrLst>
-    <dgm:effectClrLst/>
-    <dgm:txLinClrLst/>
-    <dgm:txFillClrLst meth="repeat">
-      <a:schemeClr val="tx1"/>
-    </dgm:txFillClrLst>
-    <dgm:txEffectClrLst/>
-  </dgm:styleLbl>
-  <dgm:styleLbl name="asst0">
-    <dgm:fillClrLst meth="repeat">
-      <a:schemeClr val="accent1"/>
-    </dgm:fillClrLst>
-    <dgm:linClrLst meth="repeat">
-      <a:schemeClr val="lt1"/>
-    </dgm:linClrLst>
-    <dgm:effectClrLst/>
-    <dgm:txLinClrLst/>
-    <dgm:txFillClrLst/>
-    <dgm:txEffectClrLst/>
-  </dgm:styleLbl>
-  <dgm:styleLbl name="asst1">
-    <dgm:fillClrLst meth="repeat">
-      <a:schemeClr val="accent2"/>
-    </dgm:fillClrLst>
-    <dgm:linClrLst meth="repeat">
-      <a:schemeClr val="lt1"/>
-    </dgm:linClrLst>
-    <dgm:effectClrLst/>
-    <dgm:txLinClrLst/>
-    <dgm:txFillClrLst/>
-    <dgm:txEffectClrLst/>
-  </dgm:styleLbl>
-  <dgm:styleLbl name="asst2">
-    <dgm:fillClrLst>
-      <a:schemeClr val="accent3"/>
-    </dgm:fillClrLst>
-    <dgm:linClrLst meth="repeat">
-      <a:schemeClr val="lt1"/>
-    </dgm:linClrLst>
-    <dgm:effectClrLst/>
-    <dgm:txLinClrLst/>
-    <dgm:txFillClrLst/>
-    <dgm:txEffectClrLst/>
-  </dgm:styleLbl>
-  <dgm:styleLbl name="asst3">
-    <dgm:fillClrLst>
-      <a:schemeClr val="accent4"/>
-    </dgm:fillClrLst>
-    <dgm:linClrLst meth="repeat">
-      <a:schemeClr val="lt1"/>
-    </dgm:linClrLst>
-    <dgm:effectClrLst/>
-    <dgm:txLinClrLst/>
-    <dgm:txFillClrLst/>
-    <dgm:txEffectClrLst/>
-  </dgm:styleLbl>
-  <dgm:styleLbl name="asst4">
-    <dgm:fillClrLst>
-      <a:schemeClr val="accent5"/>
-    </dgm:fillClrLst>
-    <dgm:linClrLst meth="repeat">
-      <a:schemeClr val="lt1"/>
-    </dgm:linClrLst>
-    <dgm:effectClrLst/>
-    <dgm:txLinClrLst/>
-    <dgm:txFillClrLst/>
-    <dgm:txEffectClrLst/>
-  </dgm:styleLbl>
-  <dgm:styleLbl name="parChTrans2D1">
-    <dgm:fillClrLst meth="repeat">
-      <a:schemeClr val="accent2"/>
-    </dgm:fillClrLst>
-    <dgm:linClrLst meth="repeat">
-      <a:schemeClr val="lt1"/>
-    </dgm:linClrLst>
-    <dgm:effectClrLst/>
-    <dgm:txLinClrLst/>
-    <dgm:txFillClrLst meth="repeat">
-      <a:schemeClr val="lt1"/>
-    </dgm:txFillClrLst>
-    <dgm:txEffectClrLst/>
-  </dgm:styleLbl>
-  <dgm:styleLbl name="parChTrans2D2">
-    <dgm:fillClrLst meth="repeat">
-      <a:schemeClr val="accent3"/>
-    </dgm:fillClrLst>
-    <dgm:linClrLst meth="repeat">
-      <a:schemeClr val="lt1"/>
-    </dgm:linClrLst>
-    <dgm:effectClrLst/>
-    <dgm:txLinClrLst/>
-    <dgm:txFillClrLst/>
-    <dgm:txEffectClrLst/>
-  </dgm:styleLbl>
-  <dgm:styleLbl name="parChTrans2D3">
-    <dgm:fillClrLst meth="repeat">
-      <a:schemeClr val="accent4"/>
-    </dgm:fillClrLst>
-    <dgm:linClrLst meth="repeat">
-      <a:schemeClr val="lt1"/>
-    </dgm:linClrLst>
-    <dgm:effectClrLst/>
-    <dgm:txLinClrLst/>
-    <dgm:txFillClrLst/>
-    <dgm:txEffectClrLst/>
-  </dgm:styleLbl>
-  <dgm:styleLbl name="parChTrans2D4">
-    <dgm:fillClrLst meth="repeat">
-      <a:schemeClr val="accent5"/>
-    </dgm:fillClrLst>
-    <dgm:linClrLst meth="repeat">
-      <a:schemeClr val="lt1"/>
-    </dgm:linClrLst>
-    <dgm:effectClrLst/>
-    <dgm:txLinClrLst/>
-    <dgm:txFillClrLst meth="repeat">
-      <a:schemeClr val="lt1"/>
-    </dgm:txFillClrLst>
-    <dgm:txEffectClrLst/>
-  </dgm:styleLbl>
-  <dgm:styleLbl name="parChTrans1D1">
-    <dgm:fillClrLst meth="repeat">
-      <a:schemeClr val="accent2"/>
-    </dgm:fillClrLst>
-    <dgm:linClrLst meth="repeat">
-      <a:schemeClr val="accent1"/>
-    </dgm:linClrLst>
-    <dgm:effectClrLst/>
-    <dgm:txLinClrLst/>
-    <dgm:txFillClrLst meth="repeat">
-      <a:schemeClr val="tx1"/>
-    </dgm:txFillClrLst>
-    <dgm:txEffectClrLst/>
-  </dgm:styleLbl>
-  <dgm:styleLbl name="parChTrans1D2">
-    <dgm:fillClrLst meth="repeat">
-      <a:schemeClr val="accent3">
-        <a:tint val="90000"/>
-      </a:schemeClr>
-    </dgm:fillClrLst>
-    <dgm:linClrLst meth="repeat">
-      <a:schemeClr val="accent2"/>
-    </dgm:linClrLst>
-    <dgm:effectClrLst/>
-    <dgm:txLinClrLst/>
-    <dgm:txFillClrLst meth="repeat">
-      <a:schemeClr val="tx1"/>
-    </dgm:txFillClrLst>
-    <dgm:txEffectClrLst/>
-  </dgm:styleLbl>
-  <dgm:styleLbl name="parChTrans1D3">
-    <dgm:fillClrLst meth="repeat">
-      <a:schemeClr val="accent4">
-        <a:tint val="70000"/>
-      </a:schemeClr>
-    </dgm:fillClrLst>
-    <dgm:linClrLst meth="repeat">
-      <a:schemeClr val="accent3"/>
-    </dgm:linClrLst>
-    <dgm:effectClrLst/>
-    <dgm:txLinClrLst/>
-    <dgm:txFillClrLst meth="repeat">
-      <a:schemeClr val="tx1"/>
-    </dgm:txFillClrLst>
-    <dgm:txEffectClrLst/>
-  </dgm:styleLbl>
-  <dgm:styleLbl name="parChTrans1D4">
-    <dgm:fillClrLst meth="repeat">
-      <a:schemeClr val="accent5">
-        <a:tint val="50000"/>
-      </a:schemeClr>
-    </dgm:fillClrLst>
-    <dgm:linClrLst meth="repeat">
-      <a:schemeClr val="accent4"/>
-    </dgm:linClrLst>
-    <dgm:effectClrLst/>
-    <dgm:txLinClrLst/>
-    <dgm:txFillClrLst meth="repeat">
-      <a:schemeClr val="tx1"/>
-    </dgm:txFillClrLst>
-    <dgm:txEffectClrLst/>
-  </dgm:styleLbl>
-  <dgm:styleLbl name="fgAcc1">
-    <dgm:fillClrLst meth="repeat">
-      <a:schemeClr val="lt1">
-        <a:alpha val="90000"/>
-      </a:schemeClr>
-    </dgm:fillClrLst>
-    <dgm:linClrLst meth="repeat">
-      <a:schemeClr val="accent2"/>
-      <a:schemeClr val="accent3"/>
-      <a:schemeClr val="accent4"/>
-      <a:schemeClr val="accent5"/>
-      <a:schemeClr val="accent6"/>
-    </dgm:linClrLst>
-    <dgm:effectClrLst/>
-    <dgm:txLinClrLst/>
-    <dgm:txFillClrLst meth="repeat">
-      <a:schemeClr val="dk1"/>
-    </dgm:txFillClrLst>
-    <dgm:txEffectClrLst/>
-  </dgm:styleLbl>
-  <dgm:styleLbl name="conFgAcc1">
-    <dgm:fillClrLst meth="repeat">
-      <a:schemeClr val="lt1">
-        <a:alpha val="90000"/>
-      </a:schemeClr>
-    </dgm:fillClrLst>
-    <dgm:linClrLst meth="repeat">
-      <a:schemeClr val="accent2"/>
-      <a:schemeClr val="accent3"/>
-      <a:schemeClr val="accent4"/>
-      <a:schemeClr val="accent5"/>
-      <a:schemeClr val="accent6"/>
-    </dgm:linClrLst>
-    <dgm:effectClrLst/>
-    <dgm:txLinClrLst/>
-    <dgm:txFillClrLst meth="repeat">
-      <a:schemeClr val="dk1"/>
-    </dgm:txFillClrLst>
-    <dgm:txEffectClrLst/>
-  </dgm:styleLbl>
-  <dgm:styleLbl name="alignAcc1">
-    <dgm:fillClrLst meth="repeat">
-      <a:schemeClr val="lt1">
-        <a:alpha val="90000"/>
-      </a:schemeClr>
-    </dgm:fillClrLst>
-    <dgm:linClrLst meth="repeat">
-      <a:schemeClr val="accent2"/>
-      <a:schemeClr val="accent3"/>
-      <a:schemeClr val="accent4"/>
-      <a:schemeClr val="accent5"/>
-      <a:schemeClr val="accent6"/>
-    </dgm:linClrLst>
-    <dgm:effectClrLst/>
-    <dgm:txLinClrLst/>
-    <dgm:txFillClrLst meth="repeat">
-      <a:schemeClr val="dk1"/>
-    </dgm:txFillClrLst>
-    <dgm:txEffectClrLst/>
-  </dgm:styleLbl>
-  <dgm:styleLbl name="trAlignAcc1">
-    <dgm:fillClrLst meth="repeat">
-      <a:schemeClr val="lt1">
-        <a:alpha val="40000"/>
-      </a:schemeClr>
-    </dgm:fillClrLst>
-    <dgm:linClrLst meth="repeat">
-      <a:schemeClr val="accent1"/>
-    </dgm:linClrLst>
-    <dgm:effectClrLst/>
-    <dgm:txLinClrLst/>
-    <dgm:txFillClrLst meth="repeat">
-      <a:schemeClr val="dk1"/>
-    </dgm:txFillClrLst>
-    <dgm:txEffectClrLst/>
-  </dgm:styleLbl>
-  <dgm:styleLbl name="bgAcc1">
-    <dgm:fillClrLst meth="repeat">
-      <a:schemeClr val="lt1">
-        <a:alpha val="90000"/>
-      </a:schemeClr>
-    </dgm:fillClrLst>
-    <dgm:linClrLst meth="repeat">
-      <a:schemeClr val="accent2"/>
-      <a:schemeClr val="accent3"/>
-      <a:schemeClr val="accent4"/>
-      <a:schemeClr val="accent5"/>
-      <a:schemeClr val="accent6"/>
-    </dgm:linClrLst>
-    <dgm:effectClrLst/>
-    <dgm:txLinClrLst/>
-    <dgm:txFillClrLst meth="repeat">
-      <a:schemeClr val="dk1"/>
-    </dgm:txFillClrLst>
-    <dgm:txEffectClrLst/>
-  </dgm:styleLbl>
-  <dgm:styleLbl name="solidFgAcc1">
-    <dgm:fillClrLst meth="repeat">
-      <a:schemeClr val="lt1"/>
-    </dgm:fillClrLst>
-    <dgm:linClrLst meth="repeat">
-      <a:schemeClr val="accent2"/>
-      <a:schemeClr val="accent3"/>
-      <a:schemeClr val="accent4"/>
-      <a:schemeClr val="accent5"/>
-      <a:schemeClr val="accent6"/>
-    </dgm:linClrLst>
-    <dgm:effectClrLst/>
-    <dgm:txLinClrLst/>
-    <dgm:txFillClrLst meth="repeat">
-      <a:schemeClr val="dk1"/>
-    </dgm:txFillClrLst>
-    <dgm:txEffectClrLst/>
-  </dgm:styleLbl>
-  <dgm:styleLbl name="solidAlignAcc1">
-    <dgm:fillClrLst meth="repeat">
-      <a:schemeClr val="lt1"/>
-    </dgm:fillClrLst>
-    <dgm:linClrLst meth="repeat">
-      <a:schemeClr val="accent2"/>
-      <a:schemeClr val="accent3"/>
-      <a:schemeClr val="accent4"/>
-      <a:schemeClr val="accent5"/>
-      <a:schemeClr val="accent6"/>
-    </dgm:linClrLst>
-    <dgm:effectClrLst/>
-    <dgm:txLinClrLst/>
-    <dgm:txFillClrLst meth="repeat">
-      <a:schemeClr val="dk1"/>
-    </dgm:txFillClrLst>
-    <dgm:txEffectClrLst/>
-  </dgm:styleLbl>
-  <dgm:styleLbl name="solidBgAcc1">
-    <dgm:fillClrLst meth="repeat">
-      <a:schemeClr val="lt1"/>
-    </dgm:fillClrLst>
-    <dgm:linClrLst meth="repeat">
-      <a:schemeClr val="accent2"/>
-      <a:schemeClr val="accent3"/>
-      <a:schemeClr val="accent4"/>
-      <a:schemeClr val="accent5"/>
-      <a:schemeClr val="accent6"/>
-    </dgm:linClrLst>
-    <dgm:effectClrLst/>
-    <dgm:txLinClrLst/>
-    <dgm:txFillClrLst meth="repeat">
-      <a:schemeClr val="dk1"/>
-    </dgm:txFillClrLst>
-    <dgm:txEffectClrLst/>
-  </dgm:styleLbl>
-  <dgm:styleLbl name="fgAccFollowNode1">
-    <dgm:fillClrLst meth="repeat">
-      <a:schemeClr val="accent2">
-        <a:tint val="40000"/>
-        <a:alpha val="90000"/>
-      </a:schemeClr>
-      <a:schemeClr val="accent3">
-        <a:tint val="40000"/>
-        <a:alpha val="90000"/>
-      </a:schemeClr>
-      <a:schemeClr val="accent4">
-        <a:tint val="40000"/>
-        <a:alpha val="90000"/>
-      </a:schemeClr>
-      <a:schemeClr val="accent5">
-        <a:tint val="40000"/>
-        <a:alpha val="90000"/>
-      </a:schemeClr>
-      <a:schemeClr val="accent6">
-        <a:tint val="40000"/>
-        <a:alpha val="90000"/>
-      </a:schemeClr>
-    </dgm:fillClrLst>
-    <dgm:linClrLst meth="repeat">
-      <a:schemeClr val="accent2">
-        <a:tint val="40000"/>
-        <a:alpha val="90000"/>
-      </a:schemeClr>
-      <a:schemeClr val="accent3">
-        <a:tint val="40000"/>
-        <a:alpha val="90000"/>
-      </a:schemeClr>
-      <a:schemeClr val="accent4">
-        <a:tint val="40000"/>
-        <a:alpha val="90000"/>
-      </a:schemeClr>
-      <a:schemeClr val="accent5">
-        <a:tint val="40000"/>
-        <a:alpha val="90000"/>
-      </a:schemeClr>
-      <a:schemeClr val="accent6">
-        <a:tint val="40000"/>
-        <a:alpha val="90000"/>
-      </a:schemeClr>
-    </dgm:linClrLst>
-    <dgm:effectClrLst/>
-    <dgm:txLinClrLst/>
-    <dgm:txFillClrLst meth="repeat">
-      <a:schemeClr val="dk1"/>
-    </dgm:txFillClrLst>
-    <dgm:txEffectClrLst/>
-  </dgm:styleLbl>
-  <dgm:styleLbl name="alignAccFollowNode1">
-    <dgm:fillClrLst meth="repeat">
-      <a:schemeClr val="accent2">
-        <a:tint val="40000"/>
-        <a:alpha val="90000"/>
-      </a:schemeClr>
-      <a:schemeClr val="accent3">
-        <a:tint val="40000"/>
-        <a:alpha val="90000"/>
-      </a:schemeClr>
-      <a:schemeClr val="accent4">
-        <a:tint val="40000"/>
-        <a:alpha val="90000"/>
-      </a:schemeClr>
-      <a:schemeClr val="accent5">
-        <a:tint val="40000"/>
-        <a:alpha val="90000"/>
-      </a:schemeClr>
-      <a:schemeClr val="accent6">
-        <a:tint val="40000"/>
-        <a:alpha val="90000"/>
-      </a:schemeClr>
-    </dgm:fillClrLst>
-    <dgm:linClrLst meth="repeat">
-      <a:schemeClr val="accent2">
-        <a:tint val="40000"/>
-        <a:alpha val="90000"/>
-      </a:schemeClr>
-      <a:schemeClr val="accent3">
-        <a:tint val="40000"/>
-        <a:alpha val="90000"/>
-      </a:schemeClr>
-      <a:schemeClr val="accent4">
-        <a:tint val="40000"/>
-        <a:alpha val="90000"/>
-      </a:schemeClr>
-      <a:schemeClr val="accent5">
-        <a:tint val="40000"/>
-        <a:alpha val="90000"/>
-      </a:schemeClr>
-      <a:schemeClr val="accent6">
-        <a:tint val="40000"/>
-        <a:alpha val="90000"/>
-      </a:schemeClr>
-    </dgm:linClrLst>
-    <dgm:effectClrLst/>
-    <dgm:txLinClrLst/>
-    <dgm:txFillClrLst meth="repeat">
-      <a:schemeClr val="dk1"/>
-    </dgm:txFillClrLst>
-    <dgm:txEffectClrLst/>
-  </dgm:styleLbl>
-  <dgm:styleLbl name="bgAccFollowNode1">
-    <dgm:fillClrLst meth="repeat">
-      <a:schemeClr val="accent2">
-        <a:tint val="40000"/>
-        <a:alpha val="90000"/>
-      </a:schemeClr>
-      <a:schemeClr val="accent3">
-        <a:tint val="40000"/>
-        <a:alpha val="90000"/>
-      </a:schemeClr>
-      <a:schemeClr val="accent4">
-        <a:tint val="40000"/>
-        <a:alpha val="90000"/>
-      </a:schemeClr>
-      <a:schemeClr val="accent5">
-        <a:tint val="40000"/>
-        <a:alpha val="90000"/>
-      </a:schemeClr>
-      <a:schemeClr val="accent6">
-        <a:tint val="40000"/>
-        <a:alpha val="90000"/>
-      </a:schemeClr>
-    </dgm:fillClrLst>
-    <dgm:linClrLst meth="repeat">
-      <a:schemeClr val="accent2">
-        <a:tint val="40000"/>
-        <a:alpha val="90000"/>
-      </a:schemeClr>
-      <a:schemeClr val="accent3">
-        <a:tint val="40000"/>
-        <a:alpha val="90000"/>
-      </a:schemeClr>
-      <a:schemeClr val="accent4">
-        <a:tint val="40000"/>
-        <a:alpha val="90000"/>
-      </a:schemeClr>
-      <a:schemeClr val="accent5">
-        <a:tint val="40000"/>
-        <a:alpha val="90000"/>
-      </a:schemeClr>
-      <a:schemeClr val="accent6">
-        <a:tint val="40000"/>
-        <a:alpha val="90000"/>
-      </a:schemeClr>
-    </dgm:linClrLst>
-    <dgm:effectClrLst/>
-    <dgm:txLinClrLst/>
-    <dgm:txFillClrLst meth="repeat">
-      <a:schemeClr val="dk1"/>
-    </dgm:txFillClrLst>
-    <dgm:txEffectClrLst/>
-  </dgm:styleLbl>
-  <dgm:styleLbl name="fgAcc0">
-    <dgm:fillClrLst meth="repeat">
-      <a:schemeClr val="lt1">
-        <a:alpha val="90000"/>
-      </a:schemeClr>
-    </dgm:fillClrLst>
-    <dgm:linClrLst>
-      <a:schemeClr val="accent1"/>
-    </dgm:linClrLst>
-    <dgm:effectClrLst/>
-    <dgm:txLinClrLst/>
-    <dgm:txFillClrLst meth="repeat">
-      <a:schemeClr val="dk1"/>
-    </dgm:txFillClrLst>
-    <dgm:txEffectClrLst/>
-  </dgm:styleLbl>
-  <dgm:styleLbl name="fgAcc2">
-    <dgm:fillClrLst meth="repeat">
-      <a:schemeClr val="lt1">
-        <a:alpha val="90000"/>
-      </a:schemeClr>
-    </dgm:fillClrLst>
-    <dgm:linClrLst>
-      <a:schemeClr val="accent2"/>
-    </dgm:linClrLst>
-    <dgm:effectClrLst/>
-    <dgm:txLinClrLst/>
-    <dgm:txFillClrLst meth="repeat">
-      <a:schemeClr val="dk1"/>
-    </dgm:txFillClrLst>
-    <dgm:txEffectClrLst/>
-  </dgm:styleLbl>
-  <dgm:styleLbl name="fgAcc3">
-    <dgm:fillClrLst meth="repeat">
-      <a:schemeClr val="lt1">
-        <a:alpha val="90000"/>
-      </a:schemeClr>
-    </dgm:fillClrLst>
-    <dgm:linClrLst>
-      <a:schemeClr val="accent3"/>
-    </dgm:linClrLst>
-    <dgm:effectClrLst/>
-    <dgm:txLinClrLst/>
-    <dgm:txFillClrLst meth="repeat">
-      <a:schemeClr val="dk1"/>
-    </dgm:txFillClrLst>
-    <dgm:txEffectClrLst/>
-  </dgm:styleLbl>
-  <dgm:styleLbl name="fgAcc4">
-    <dgm:fillClrLst meth="repeat">
-      <a:schemeClr val="lt1">
-        <a:alpha val="90000"/>
-      </a:schemeClr>
-    </dgm:fillClrLst>
-    <dgm:linClrLst>
-      <a:schemeClr val="accent4"/>
-    </dgm:linClrLst>
-    <dgm:effectClrLst/>
-    <dgm:txLinClrLst/>
-    <dgm:txFillClrLst meth="repeat">
-      <a:schemeClr val="dk1"/>
-    </dgm:txFillClrLst>
-    <dgm:txEffectClrLst/>
-  </dgm:styleLbl>
-  <dgm:styleLbl name="bgShp">
-    <dgm:fillClrLst meth="repeat">
-      <a:schemeClr val="accent2">
-        <a:tint val="40000"/>
-      </a:schemeClr>
-    </dgm:fillClrLst>
-    <dgm:linClrLst meth="repeat">
-      <a:schemeClr val="dk1"/>
-    </dgm:linClrLst>
-    <dgm:effectClrLst/>
-    <dgm:txLinClrLst/>
-    <dgm:txFillClrLst meth="repeat">
-      <a:schemeClr val="dk1"/>
-    </dgm:txFillClrLst>
-    <dgm:txEffectClrLst/>
-  </dgm:styleLbl>
-  <dgm:styleLbl name="dkBgShp">
-    <dgm:fillClrLst meth="repeat">
-      <a:schemeClr val="accent2">
-        <a:shade val="90000"/>
-      </a:schemeClr>
-    </dgm:fillClrLst>
-    <dgm:linClrLst meth="repeat">
-      <a:schemeClr val="dk1"/>
-    </dgm:linClrLst>
-    <dgm:effectClrLst/>
-    <dgm:txLinClrLst/>
-    <dgm:txFillClrLst meth="repeat">
-      <a:schemeClr val="lt1"/>
-    </dgm:txFillClrLst>
-    <dgm:txEffectClrLst/>
-  </dgm:styleLbl>
-  <dgm:styleLbl name="trBgShp">
-    <dgm:fillClrLst meth="repeat">
-      <a:schemeClr val="accent1">
-        <a:tint val="50000"/>
-        <a:alpha val="40000"/>
-      </a:schemeClr>
-    </dgm:fillClrLst>
-    <dgm:linClrLst meth="repeat">
-      <a:schemeClr val="accent2"/>
-    </dgm:linClrLst>
-    <dgm:effectClrLst/>
-    <dgm:txLinClrLst/>
-    <dgm:txFillClrLst meth="repeat">
-      <a:schemeClr val="lt1"/>
-    </dgm:txFillClrLst>
-    <dgm:txEffectClrLst/>
-  </dgm:styleLbl>
-  <dgm:styleLbl name="fgShp">
-    <dgm:fillClrLst meth="repeat">
-      <a:schemeClr val="accent2">
-        <a:tint val="40000"/>
-      </a:schemeClr>
-    </dgm:fillClrLst>
-    <dgm:linClrLst meth="repeat">
-      <a:schemeClr val="lt1"/>
-    </dgm:linClrLst>
-    <dgm:effectClrLst/>
-    <dgm:txLinClrLst/>
-    <dgm:txFillClrLst meth="repeat">
-      <a:schemeClr val="dk1"/>
-    </dgm:txFillClrLst>
-    <dgm:txEffectClrLst/>
-  </dgm:styleLbl>
-  <dgm:styleLbl name="revTx">
-    <dgm:fillClrLst meth="repeat">
-      <a:schemeClr val="lt1">
-        <a:alpha val="0"/>
-      </a:schemeClr>
-    </dgm:fillClrLst>
-    <dgm:linClrLst meth="repeat">
-      <a:schemeClr val="dk1">
-        <a:alpha val="0"/>
-      </a:schemeClr>
-    </dgm:linClrLst>
-    <dgm:effectClrLst/>
-    <dgm:txLinClrLst/>
-    <dgm:txFillClrLst meth="repeat">
-      <a:schemeClr val="tx1"/>
-    </dgm:txFillClrLst>
-    <dgm:txEffectClrLst/>
-  </dgm:styleLbl>
-</dgm:colorsDef>
-</file>
-
-<file path=ppt/diagrams/data1.xml><?xml version="1.0" encoding="utf-8"?>
-<dgm:dataModel xmlns:dgm="http://schemas.openxmlformats.org/drawingml/2006/diagram" xmlns:a="http://schemas.openxmlformats.org/drawingml/2006/main">
-  <dgm:ptLst>
-    <dgm:pt modelId="{44156040-AF98-4F2C-9909-9F2439F6F588}" type="doc">
-      <dgm:prSet loTypeId="urn:microsoft.com/office/officeart/2005/8/layout/chevron1" loCatId="process" qsTypeId="urn:microsoft.com/office/officeart/2005/8/quickstyle/simple4" qsCatId="simple" csTypeId="urn:microsoft.com/office/officeart/2005/8/colors/colorful1" csCatId="colorful" phldr="1"/>
-      <dgm:spPr/>
-    </dgm:pt>
-    <dgm:pt modelId="{74020AF3-C700-4606-8917-C6A353D7963A}">
-      <dgm:prSet phldrT="[Text]"/>
-      <dgm:spPr/>
-      <dgm:t>
-        <a:bodyPr/>
-        <a:lstStyle/>
-        <a:p>
-          <a:pPr algn="ctr" defTabSz="914400">
-            <a:buNone/>
-          </a:pPr>
-          <a:r>
-            <a:rPr lang="fr-FR" noProof="1" smtClean="0"/>
-            <a:t>Titre Étape 1</a:t>
-          </a:r>
-          <a:endParaRPr lang="fr-FR" noProof="1"/>
-        </a:p>
-      </dgm:t>
-    </dgm:pt>
-    <dgm:pt modelId="{87D99D21-0B4A-4259-89FB-0E5941CB535C}" type="parTrans" cxnId="{B0E2386F-A443-4201-8130-FB9CC25AA154}">
-      <dgm:prSet/>
-      <dgm:spPr/>
-      <dgm:t>
-        <a:bodyPr/>
-        <a:lstStyle/>
-        <a:p>
-          <a:endParaRPr lang="fr-FR" noProof="1"/>
-        </a:p>
-      </dgm:t>
-    </dgm:pt>
-    <dgm:pt modelId="{6CFF1BD9-AE1F-4488-8B72-01186EADA6FF}" type="sibTrans" cxnId="{B0E2386F-A443-4201-8130-FB9CC25AA154}">
-      <dgm:prSet/>
-      <dgm:spPr/>
-      <dgm:t>
-        <a:bodyPr/>
-        <a:lstStyle/>
-        <a:p>
-          <a:endParaRPr lang="fr-FR" noProof="1"/>
-        </a:p>
-      </dgm:t>
-    </dgm:pt>
-    <dgm:pt modelId="{12E26E22-71B0-4386-A84F-ABF2FF66A99F}">
-      <dgm:prSet phldrT="[Text]"/>
-      <dgm:spPr/>
-      <dgm:t>
-        <a:bodyPr/>
-        <a:lstStyle/>
-        <a:p>
-          <a:pPr algn="ctr" defTabSz="914400">
-            <a:buNone/>
-          </a:pPr>
-          <a:r>
-            <a:rPr lang="fr-FR" noProof="1" smtClean="0"/>
-            <a:t>Titre Étape 2</a:t>
-          </a:r>
-          <a:endParaRPr lang="fr-FR" noProof="1"/>
-        </a:p>
-      </dgm:t>
-    </dgm:pt>
-    <dgm:pt modelId="{3A6CB3CB-0F71-4CA8-93AA-0E3E3D59D313}" type="parTrans" cxnId="{937639B3-2352-48E4-A96B-F63DF2119D92}">
-      <dgm:prSet/>
-      <dgm:spPr/>
-      <dgm:t>
-        <a:bodyPr/>
-        <a:lstStyle/>
-        <a:p>
-          <a:endParaRPr lang="fr-FR" noProof="1"/>
-        </a:p>
-      </dgm:t>
-    </dgm:pt>
-    <dgm:pt modelId="{E1826C46-15A2-4345-B986-53D05F21F155}" type="sibTrans" cxnId="{937639B3-2352-48E4-A96B-F63DF2119D92}">
-      <dgm:prSet/>
-      <dgm:spPr/>
-      <dgm:t>
-        <a:bodyPr/>
-        <a:lstStyle/>
-        <a:p>
-          <a:endParaRPr lang="fr-FR" noProof="1"/>
-        </a:p>
-      </dgm:t>
-    </dgm:pt>
-    <dgm:pt modelId="{A8B05E70-CCF1-4080-8EEE-6873C9D4B630}">
-      <dgm:prSet phldrT="[Text]"/>
-      <dgm:spPr/>
-      <dgm:t>
-        <a:bodyPr/>
-        <a:lstStyle/>
-        <a:p>
-          <a:pPr algn="ctr" defTabSz="914400">
-            <a:buNone/>
-          </a:pPr>
-          <a:r>
-            <a:rPr lang="fr-FR" noProof="1" smtClean="0"/>
-            <a:t>Titre Étape 3</a:t>
-          </a:r>
-          <a:endParaRPr lang="fr-FR" noProof="1"/>
-        </a:p>
-      </dgm:t>
-    </dgm:pt>
-    <dgm:pt modelId="{11D1F3D3-0002-4131-9F84-22FBF8692DA9}" type="parTrans" cxnId="{B8B909D0-D4F6-48D4-81DA-A58F34AE3646}">
-      <dgm:prSet/>
-      <dgm:spPr/>
-      <dgm:t>
-        <a:bodyPr/>
-        <a:lstStyle/>
-        <a:p>
-          <a:endParaRPr lang="fr-FR" noProof="1"/>
-        </a:p>
-      </dgm:t>
-    </dgm:pt>
-    <dgm:pt modelId="{B6438016-7365-4FC0-A372-D90585B4B6EE}" type="sibTrans" cxnId="{B8B909D0-D4F6-48D4-81DA-A58F34AE3646}">
-      <dgm:prSet/>
-      <dgm:spPr/>
-      <dgm:t>
-        <a:bodyPr/>
-        <a:lstStyle/>
-        <a:p>
-          <a:endParaRPr lang="fr-FR" noProof="1"/>
-        </a:p>
-      </dgm:t>
-    </dgm:pt>
-    <dgm:pt modelId="{42147153-A6C2-4177-BA7D-2ACCC2C1B2F7}">
-      <dgm:prSet phldrT="[Text]"/>
-      <dgm:spPr/>
-      <dgm:t>
-        <a:bodyPr/>
-        <a:lstStyle/>
-        <a:p>
-          <a:pPr algn="ctr" defTabSz="914400">
-            <a:buNone/>
-          </a:pPr>
-          <a:r>
-            <a:rPr lang="fr-FR" noProof="1" smtClean="0"/>
-            <a:t>Titre Étape 4</a:t>
-          </a:r>
-          <a:endParaRPr lang="fr-FR" noProof="1"/>
-        </a:p>
-      </dgm:t>
-    </dgm:pt>
-    <dgm:pt modelId="{C6F68745-4C20-4204-96A6-585691399C14}" type="parTrans" cxnId="{777DC3C6-D336-4C94-A624-E5582A07ECAA}">
-      <dgm:prSet/>
-      <dgm:spPr/>
-      <dgm:t>
-        <a:bodyPr/>
-        <a:lstStyle/>
-        <a:p>
-          <a:endParaRPr lang="fr-FR" noProof="1"/>
-        </a:p>
-      </dgm:t>
-    </dgm:pt>
-    <dgm:pt modelId="{0C6B132F-0347-46BA-86A4-3FAFB6676411}" type="sibTrans" cxnId="{777DC3C6-D336-4C94-A624-E5582A07ECAA}">
-      <dgm:prSet/>
-      <dgm:spPr/>
-      <dgm:t>
-        <a:bodyPr/>
-        <a:lstStyle/>
-        <a:p>
-          <a:endParaRPr lang="fr-FR" noProof="1"/>
-        </a:p>
-      </dgm:t>
-    </dgm:pt>
-    <dgm:pt modelId="{1C61A9A2-33F2-469B-8AC4-A104A5A98D78}" type="pres">
-      <dgm:prSet presAssocID="{44156040-AF98-4F2C-9909-9F2439F6F588}" presName="Name0" presStyleCnt="0">
-        <dgm:presLayoutVars>
-          <dgm:dir/>
-          <dgm:animLvl val="lvl"/>
-          <dgm:resizeHandles val="exact"/>
-        </dgm:presLayoutVars>
-      </dgm:prSet>
-      <dgm:spPr/>
-    </dgm:pt>
-    <dgm:pt modelId="{881B8FEC-9D20-4669-BB2E-FA9CEA0BE5A9}" type="pres">
-      <dgm:prSet presAssocID="{74020AF3-C700-4606-8917-C6A353D7963A}" presName="parTxOnly" presStyleLbl="node1" presStyleIdx="0" presStyleCnt="4">
-        <dgm:presLayoutVars>
-          <dgm:chMax val="0"/>
-          <dgm:chPref val="0"/>
-          <dgm:bulletEnabled val="1"/>
-        </dgm:presLayoutVars>
-      </dgm:prSet>
-      <dgm:spPr/>
-      <dgm:t>
-        <a:bodyPr/>
-        <a:lstStyle/>
-        <a:p>
-          <a:endParaRPr lang="en-US"/>
-        </a:p>
-      </dgm:t>
-    </dgm:pt>
-    <dgm:pt modelId="{705DFC51-4C30-4A07-9F0C-6EB770961C6F}" type="pres">
-      <dgm:prSet presAssocID="{6CFF1BD9-AE1F-4488-8B72-01186EADA6FF}" presName="parTxOnlySpace" presStyleCnt="0"/>
-      <dgm:spPr/>
-    </dgm:pt>
-    <dgm:pt modelId="{919A589F-F74A-40C3-BE88-AB8730BCAB04}" type="pres">
-      <dgm:prSet presAssocID="{12E26E22-71B0-4386-A84F-ABF2FF66A99F}" presName="parTxOnly" presStyleLbl="node1" presStyleIdx="1" presStyleCnt="4">
-        <dgm:presLayoutVars>
-          <dgm:chMax val="0"/>
-          <dgm:chPref val="0"/>
-          <dgm:bulletEnabled val="1"/>
-        </dgm:presLayoutVars>
-      </dgm:prSet>
-      <dgm:spPr/>
-      <dgm:t>
-        <a:bodyPr/>
-        <a:lstStyle/>
-        <a:p>
-          <a:endParaRPr lang="en-US"/>
-        </a:p>
-      </dgm:t>
-    </dgm:pt>
-    <dgm:pt modelId="{01C6BCDE-530E-4D03-9CF5-9AB36CDC1FE1}" type="pres">
-      <dgm:prSet presAssocID="{E1826C46-15A2-4345-B986-53D05F21F155}" presName="parTxOnlySpace" presStyleCnt="0"/>
-      <dgm:spPr/>
-    </dgm:pt>
-    <dgm:pt modelId="{268F2328-4548-422B-9C65-80797E16B241}" type="pres">
-      <dgm:prSet presAssocID="{A8B05E70-CCF1-4080-8EEE-6873C9D4B630}" presName="parTxOnly" presStyleLbl="node1" presStyleIdx="2" presStyleCnt="4">
-        <dgm:presLayoutVars>
-          <dgm:chMax val="0"/>
-          <dgm:chPref val="0"/>
-          <dgm:bulletEnabled val="1"/>
-        </dgm:presLayoutVars>
-      </dgm:prSet>
-      <dgm:spPr/>
-      <dgm:t>
-        <a:bodyPr/>
-        <a:lstStyle/>
-        <a:p>
-          <a:endParaRPr lang="en-US"/>
-        </a:p>
-      </dgm:t>
-    </dgm:pt>
-    <dgm:pt modelId="{8CB78EC1-7B74-4B6E-94C6-5F808A049A1F}" type="pres">
-      <dgm:prSet presAssocID="{B6438016-7365-4FC0-A372-D90585B4B6EE}" presName="parTxOnlySpace" presStyleCnt="0"/>
-      <dgm:spPr/>
-    </dgm:pt>
-    <dgm:pt modelId="{BDD0B0F7-A87C-4B5B-A4C3-4E4BE6EB0FE4}" type="pres">
-      <dgm:prSet presAssocID="{42147153-A6C2-4177-BA7D-2ACCC2C1B2F7}" presName="parTxOnly" presStyleLbl="node1" presStyleIdx="3" presStyleCnt="4">
-        <dgm:presLayoutVars>
-          <dgm:chMax val="0"/>
-          <dgm:chPref val="0"/>
-          <dgm:bulletEnabled val="1"/>
-        </dgm:presLayoutVars>
-      </dgm:prSet>
-      <dgm:spPr/>
-      <dgm:t>
-        <a:bodyPr/>
-        <a:lstStyle/>
-        <a:p>
-          <a:endParaRPr lang="en-US"/>
-        </a:p>
-      </dgm:t>
-    </dgm:pt>
-  </dgm:ptLst>
-  <dgm:cxnLst>
-    <dgm:cxn modelId="{B8B909D0-D4F6-48D4-81DA-A58F34AE3646}" srcId="{44156040-AF98-4F2C-9909-9F2439F6F588}" destId="{A8B05E70-CCF1-4080-8EEE-6873C9D4B630}" srcOrd="2" destOrd="0" parTransId="{11D1F3D3-0002-4131-9F84-22FBF8692DA9}" sibTransId="{B6438016-7365-4FC0-A372-D90585B4B6EE}"/>
-    <dgm:cxn modelId="{777DC3C6-D336-4C94-A624-E5582A07ECAA}" srcId="{44156040-AF98-4F2C-9909-9F2439F6F588}" destId="{42147153-A6C2-4177-BA7D-2ACCC2C1B2F7}" srcOrd="3" destOrd="0" parTransId="{C6F68745-4C20-4204-96A6-585691399C14}" sibTransId="{0C6B132F-0347-46BA-86A4-3FAFB6676411}"/>
-    <dgm:cxn modelId="{BF4A375F-A05B-45C3-9731-23DBACB9FC02}" type="presOf" srcId="{12E26E22-71B0-4386-A84F-ABF2FF66A99F}" destId="{919A589F-F74A-40C3-BE88-AB8730BCAB04}" srcOrd="0" destOrd="0" presId="urn:microsoft.com/office/officeart/2005/8/layout/chevron1"/>
-    <dgm:cxn modelId="{B0E2386F-A443-4201-8130-FB9CC25AA154}" srcId="{44156040-AF98-4F2C-9909-9F2439F6F588}" destId="{74020AF3-C700-4606-8917-C6A353D7963A}" srcOrd="0" destOrd="0" parTransId="{87D99D21-0B4A-4259-89FB-0E5941CB535C}" sibTransId="{6CFF1BD9-AE1F-4488-8B72-01186EADA6FF}"/>
-    <dgm:cxn modelId="{937639B3-2352-48E4-A96B-F63DF2119D92}" srcId="{44156040-AF98-4F2C-9909-9F2439F6F588}" destId="{12E26E22-71B0-4386-A84F-ABF2FF66A99F}" srcOrd="1" destOrd="0" parTransId="{3A6CB3CB-0F71-4CA8-93AA-0E3E3D59D313}" sibTransId="{E1826C46-15A2-4345-B986-53D05F21F155}"/>
-    <dgm:cxn modelId="{BB4F9699-C9DE-46C4-A04B-CD52EF57D4C5}" type="presOf" srcId="{74020AF3-C700-4606-8917-C6A353D7963A}" destId="{881B8FEC-9D20-4669-BB2E-FA9CEA0BE5A9}" srcOrd="0" destOrd="0" presId="urn:microsoft.com/office/officeart/2005/8/layout/chevron1"/>
-    <dgm:cxn modelId="{383A5CFE-2D64-4002-A7C0-1E621409BFD6}" type="presOf" srcId="{44156040-AF98-4F2C-9909-9F2439F6F588}" destId="{1C61A9A2-33F2-469B-8AC4-A104A5A98D78}" srcOrd="0" destOrd="0" presId="urn:microsoft.com/office/officeart/2005/8/layout/chevron1"/>
-    <dgm:cxn modelId="{9E75EA9C-2122-47C1-897A-5BBDE8D78AC4}" type="presOf" srcId="{A8B05E70-CCF1-4080-8EEE-6873C9D4B630}" destId="{268F2328-4548-422B-9C65-80797E16B241}" srcOrd="0" destOrd="0" presId="urn:microsoft.com/office/officeart/2005/8/layout/chevron1"/>
-    <dgm:cxn modelId="{37A858B6-D71C-4E86-A467-E8D17167DE19}" type="presOf" srcId="{42147153-A6C2-4177-BA7D-2ACCC2C1B2F7}" destId="{BDD0B0F7-A87C-4B5B-A4C3-4E4BE6EB0FE4}" srcOrd="0" destOrd="0" presId="urn:microsoft.com/office/officeart/2005/8/layout/chevron1"/>
-    <dgm:cxn modelId="{EDA037DE-3D60-46A9-9DDB-074A05981F8D}" type="presParOf" srcId="{1C61A9A2-33F2-469B-8AC4-A104A5A98D78}" destId="{881B8FEC-9D20-4669-BB2E-FA9CEA0BE5A9}" srcOrd="0" destOrd="0" presId="urn:microsoft.com/office/officeart/2005/8/layout/chevron1"/>
-    <dgm:cxn modelId="{8F2A48B2-4519-4F7D-931D-1EB2DDCF4663}" type="presParOf" srcId="{1C61A9A2-33F2-469B-8AC4-A104A5A98D78}" destId="{705DFC51-4C30-4A07-9F0C-6EB770961C6F}" srcOrd="1" destOrd="0" presId="urn:microsoft.com/office/officeart/2005/8/layout/chevron1"/>
-    <dgm:cxn modelId="{A8C49188-74D0-46A6-A671-569711775D6B}" type="presParOf" srcId="{1C61A9A2-33F2-469B-8AC4-A104A5A98D78}" destId="{919A589F-F74A-40C3-BE88-AB8730BCAB04}" srcOrd="2" destOrd="0" presId="urn:microsoft.com/office/officeart/2005/8/layout/chevron1"/>
-    <dgm:cxn modelId="{DF828B00-7F32-4A0D-9D43-9FD5AE3C854B}" type="presParOf" srcId="{1C61A9A2-33F2-469B-8AC4-A104A5A98D78}" destId="{01C6BCDE-530E-4D03-9CF5-9AB36CDC1FE1}" srcOrd="3" destOrd="0" presId="urn:microsoft.com/office/officeart/2005/8/layout/chevron1"/>
-    <dgm:cxn modelId="{2FC0E474-8734-4209-BD6D-C297DEE76CB4}" type="presParOf" srcId="{1C61A9A2-33F2-469B-8AC4-A104A5A98D78}" destId="{268F2328-4548-422B-9C65-80797E16B241}" srcOrd="4" destOrd="0" presId="urn:microsoft.com/office/officeart/2005/8/layout/chevron1"/>
-    <dgm:cxn modelId="{30A10B48-C159-4CE5-AFE2-9908BF17AD25}" type="presParOf" srcId="{1C61A9A2-33F2-469B-8AC4-A104A5A98D78}" destId="{8CB78EC1-7B74-4B6E-94C6-5F808A049A1F}" srcOrd="5" destOrd="0" presId="urn:microsoft.com/office/officeart/2005/8/layout/chevron1"/>
-    <dgm:cxn modelId="{3065F5B9-06B1-4353-A251-703F2693DE95}" type="presParOf" srcId="{1C61A9A2-33F2-469B-8AC4-A104A5A98D78}" destId="{BDD0B0F7-A87C-4B5B-A4C3-4E4BE6EB0FE4}" srcOrd="6" destOrd="0" presId="urn:microsoft.com/office/officeart/2005/8/layout/chevron1"/>
-  </dgm:cxnLst>
-  <dgm:bg/>
-  <dgm:whole/>
-  <dgm:extLst>
-    <a:ext uri="http://schemas.microsoft.com/office/drawing/2008/diagram">
-      <dsp:dataModelExt xmlns:dsp="http://schemas.microsoft.com/office/drawing/2008/diagram" relId="rId6" minVer="http://schemas.openxmlformats.org/drawingml/2006/diagram"/>
-    </a:ext>
-  </dgm:extLst>
-</dgm:dataModel>
-</file>
-
-<file path=ppt/diagrams/drawing1.xml><?xml version="1.0" encoding="utf-8"?>
-<dsp:drawing xmlns:dgm="http://schemas.openxmlformats.org/drawingml/2006/diagram" xmlns:dsp="http://schemas.microsoft.com/office/drawing/2008/diagram" xmlns:a="http://schemas.openxmlformats.org/drawingml/2006/main">
-  <dsp:spTree>
-    <dsp:nvGrpSpPr>
-      <dsp:cNvPr id="0" name=""/>
-      <dsp:cNvGrpSpPr/>
-    </dsp:nvGrpSpPr>
-    <dsp:grpSpPr/>
-  </dsp:spTree>
-</dsp:drawing>
-</file>
-
-<file path=ppt/diagrams/layout1.xml><?xml version="1.0" encoding="utf-8"?>
-<dgm:layoutDef xmlns:dgm="http://schemas.openxmlformats.org/drawingml/2006/diagram" xmlns:a="http://schemas.openxmlformats.org/drawingml/2006/main" uniqueId="urn:microsoft.com/office/officeart/2005/8/layout/chevron1">
-  <dgm:title val=""/>
-  <dgm:desc val=""/>
-  <dgm:catLst>
-    <dgm:cat type="process" pri="9000"/>
-  </dgm:catLst>
-  <dgm:sampData useDef="1">
-    <dgm:dataModel>
-      <dgm:ptLst/>
-      <dgm:bg/>
-      <dgm:whole/>
-    </dgm:dataModel>
-  </dgm:sampData>
-  <dgm:styleData>
-    <dgm:dataModel>
-      <dgm:ptLst>
-        <dgm:pt modelId="0" type="doc"/>
-        <dgm:pt modelId="1"/>
-        <dgm:pt modelId="2"/>
-      </dgm:ptLst>
-      <dgm:cxnLst>
-        <dgm:cxn modelId="3" srcId="0" destId="1" srcOrd="0" destOrd="0"/>
-        <dgm:cxn modelId="4" srcId="0" destId="2" srcOrd="1" destOrd="0"/>
-      </dgm:cxnLst>
-      <dgm:bg/>
-      <dgm:whole/>
-    </dgm:dataModel>
-  </dgm:styleData>
-  <dgm:clrData>
-    <dgm:dataModel>
-      <dgm:ptLst>
-        <dgm:pt modelId="0" type="doc"/>
-        <dgm:pt modelId="1"/>
-        <dgm:pt modelId="2"/>
-        <dgm:pt modelId="3"/>
-        <dgm:pt modelId="4"/>
-      </dgm:ptLst>
-      <dgm:cxnLst>
-        <dgm:cxn modelId="5" srcId="0" destId="1" srcOrd="0" destOrd="0"/>
-        <dgm:cxn modelId="6" srcId="0" destId="2" srcOrd="1" destOrd="0"/>
-        <dgm:cxn modelId="7" srcId="0" destId="3" srcOrd="2" destOrd="0"/>
-        <dgm:cxn modelId="8" srcId="0" destId="4" srcOrd="3" destOrd="0"/>
-      </dgm:cxnLst>
-      <dgm:bg/>
-      <dgm:whole/>
-    </dgm:dataModel>
-  </dgm:clrData>
-  <dgm:layoutNode name="Name0">
-    <dgm:varLst>
-      <dgm:dir/>
-      <dgm:animLvl val="lvl"/>
-      <dgm:resizeHandles val="exact"/>
-    </dgm:varLst>
-    <dgm:choose name="Name1">
-      <dgm:if name="Name2" func="var" arg="dir" op="equ" val="norm">
-        <dgm:alg type="lin"/>
-      </dgm:if>
-      <dgm:else name="Name3">
-        <dgm:alg type="lin">
-          <dgm:param type="linDir" val="fromR"/>
-        </dgm:alg>
-      </dgm:else>
-    </dgm:choose>
-    <dgm:shape xmlns:r="http://schemas.openxmlformats.org/officeDocument/2006/relationships" r:blip="">
-      <dgm:adjLst/>
-    </dgm:shape>
-    <dgm:presOf/>
-    <dgm:choose name="Name4">
-      <dgm:if name="Name5" axis="des" func="maxDepth" op="gte" val="2">
-        <dgm:constrLst>
-          <dgm:constr type="h" for="ch" forName="composite" refType="h"/>
-          <dgm:constr type="w" for="ch" forName="composite" refType="w"/>
-          <dgm:constr type="w" for="des" forName="parTx"/>
-          <dgm:constr type="h" for="des" forName="parTx" op="equ"/>
-          <dgm:constr type="w" for="des" forName="desTx"/>
-          <dgm:constr type="h" for="des" forName="desTx" op="equ"/>
-          <dgm:constr type="primFontSz" for="des" forName="parTx" val="65"/>
-          <dgm:constr type="secFontSz" for="des" forName="desTx" refType="primFontSz" refFor="des" refForName="parTx" op="equ"/>
-          <dgm:constr type="h" for="des" forName="parTx" refType="primFontSz" refFor="des" refForName="parTx" fact="1.5"/>
-          <dgm:constr type="h" for="des" forName="desTx" refType="primFontSz" refFor="des" refForName="parTx" fact="0.5"/>
-          <dgm:constr type="w" for="ch" forName="space" op="equ" val="-6"/>
-        </dgm:constrLst>
-        <dgm:ruleLst>
-          <dgm:rule type="w" for="ch" forName="composite" val="0" fact="NaN" max="NaN"/>
-          <dgm:rule type="primFontSz" for="des" forName="parTx" val="5" fact="NaN" max="NaN"/>
-        </dgm:ruleLst>
-        <dgm:forEach name="Name6" axis="ch" ptType="node">
-          <dgm:layoutNode name="composite">
-            <dgm:alg type="composite"/>
-            <dgm:shape xmlns:r="http://schemas.openxmlformats.org/officeDocument/2006/relationships" r:blip="">
-              <dgm:adjLst/>
-            </dgm:shape>
-            <dgm:presOf/>
-            <dgm:choose name="Name7">
-              <dgm:if name="Name8" func="var" arg="dir" op="equ" val="norm">
-                <dgm:constrLst>
-                  <dgm:constr type="l" for="ch" forName="parTx"/>
-                  <dgm:constr type="w" for="ch" forName="parTx" refType="w"/>
-                  <dgm:constr type="t" for="ch" forName="parTx"/>
-                  <dgm:constr type="l" for="ch" forName="desTx"/>
-                  <dgm:constr type="w" for="ch" forName="desTx" refType="w" refFor="ch" refForName="parTx" fact="0.8"/>
-                  <dgm:constr type="t" for="ch" forName="desTx" refType="h" refFor="ch" refForName="parTx" fact="1.125"/>
-                </dgm:constrLst>
-              </dgm:if>
-              <dgm:else name="Name9">
-                <dgm:constrLst>
-                  <dgm:constr type="l" for="ch" forName="parTx"/>
-                  <dgm:constr type="w" for="ch" forName="parTx" refType="w"/>
-                  <dgm:constr type="t" for="ch" forName="parTx"/>
-                  <dgm:constr type="l" for="ch" forName="desTx" refType="w" fact="0.2"/>
-                  <dgm:constr type="w" for="ch" forName="desTx" refType="w" refFor="ch" refForName="parTx" fact="0.8"/>
-                  <dgm:constr type="t" for="ch" forName="desTx" refType="h" refFor="ch" refForName="parTx" fact="1.125"/>
-                </dgm:constrLst>
-              </dgm:else>
-            </dgm:choose>
-            <dgm:ruleLst>
-              <dgm:rule type="h" val="INF" fact="NaN" max="NaN"/>
-            </dgm:ruleLst>
-            <dgm:layoutNode name="parTx">
-              <dgm:varLst>
-                <dgm:chMax val="0"/>
-                <dgm:chPref val="0"/>
-                <dgm:bulletEnabled val="1"/>
-              </dgm:varLst>
-              <dgm:alg type="tx"/>
-              <dgm:choose name="Name10">
-                <dgm:if name="Name11" func="var" arg="dir" op="equ" val="norm">
-                  <dgm:shape xmlns:r="http://schemas.openxmlformats.org/officeDocument/2006/relationships" type="chevron" r:blip="">
-                    <dgm:adjLst/>
-                  </dgm:shape>
-                </dgm:if>
-                <dgm:else name="Name12">
-                  <dgm:shape xmlns:r="http://schemas.openxmlformats.org/officeDocument/2006/relationships" rot="180" type="chevron" r:blip="">
-                    <dgm:adjLst/>
-                  </dgm:shape>
-                </dgm:else>
-              </dgm:choose>
-              <dgm:presOf axis="self" ptType="node"/>
-              <dgm:choose name="Name13">
-                <dgm:if name="Name14" func="var" arg="dir" op="equ" val="norm">
-                  <dgm:constrLst>
-                    <dgm:constr type="h" refType="w" op="lte" fact="0.4"/>
-                    <dgm:constr type="h"/>
-                    <dgm:constr type="tMarg" refType="primFontSz" fact="0.105"/>
-                    <dgm:constr type="bMarg" refType="primFontSz" fact="0.105"/>
-                    <dgm:constr type="lMarg" refType="primFontSz" fact="0.315"/>
-                    <dgm:constr type="rMarg" refType="primFontSz" fact="0.105"/>
-                  </dgm:constrLst>
-                </dgm:if>
-                <dgm:else name="Name15">
-                  <dgm:constrLst>
-                    <dgm:constr type="h" refType="w" op="lte" fact="0.4"/>
-                    <dgm:constr type="h"/>
-                    <dgm:constr type="tMarg" refType="primFontSz" fact="0.105"/>
-                    <dgm:constr type="bMarg" refType="primFontSz" fact="0.105"/>
-                    <dgm:constr type="lMarg" refType="primFontSz" fact="0.105"/>
-                    <dgm:constr type="rMarg" refType="primFontSz" fact="0.315"/>
-                  </dgm:constrLst>
-                </dgm:else>
-              </dgm:choose>
-              <dgm:ruleLst>
-                <dgm:rule type="h" val="INF" fact="NaN" max="NaN"/>
-              </dgm:ruleLst>
-            </dgm:layoutNode>
-            <dgm:layoutNode name="desTx" styleLbl="revTx">
-              <dgm:varLst>
-                <dgm:bulletEnabled val="1"/>
-              </dgm:varLst>
-              <dgm:alg type="tx">
-                <dgm:param type="stBulletLvl" val="1"/>
-              </dgm:alg>
-              <dgm:choose name="Name16">
-                <dgm:if name="Name17" axis="ch" ptType="node" func="cnt" op="gte" val="1">
-                  <dgm:shape xmlns:r="http://schemas.openxmlformats.org/officeDocument/2006/relationships" type="rect" r:blip="">
-                    <dgm:adjLst/>
-                  </dgm:shape>
-                </dgm:if>
-                <dgm:else name="Name18">
-                  <dgm:shape xmlns:r="http://schemas.openxmlformats.org/officeDocument/2006/relationships" type="rect" r:blip="" hideGeom="1">
-                    <dgm:adjLst/>
-                  </dgm:shape>
-                </dgm:else>
-              </dgm:choose>
-              <dgm:presOf axis="des" ptType="node"/>
-              <dgm:constrLst>
-                <dgm:constr type="secFontSz" val="65"/>
-                <dgm:constr type="primFontSz" refType="secFontSz"/>
-                <dgm:constr type="h"/>
-                <dgm:constr type="tMarg"/>
-                <dgm:constr type="bMarg"/>
-                <dgm:constr type="rMarg"/>
-                <dgm:constr type="lMarg"/>
-              </dgm:constrLst>
-              <dgm:ruleLst>
-                <dgm:rule type="h" val="INF" fact="NaN" max="NaN"/>
-              </dgm:ruleLst>
-            </dgm:layoutNode>
-          </dgm:layoutNode>
-          <dgm:forEach name="Name19" axis="followSib" ptType="sibTrans" cnt="1">
-            <dgm:layoutNode name="space">
-              <dgm:alg type="sp"/>
-              <dgm:shape xmlns:r="http://schemas.openxmlformats.org/officeDocument/2006/relationships" r:blip="">
-                <dgm:adjLst/>
-              </dgm:shape>
-              <dgm:presOf/>
-              <dgm:constrLst/>
-              <dgm:ruleLst/>
-            </dgm:layoutNode>
-          </dgm:forEach>
-        </dgm:forEach>
-      </dgm:if>
-      <dgm:else name="Name20">
-        <dgm:constrLst>
-          <dgm:constr type="w" for="ch" forName="parTxOnly" refType="w"/>
-          <dgm:constr type="h" for="des" forName="parTxOnly" op="equ"/>
-          <dgm:constr type="primFontSz" for="des" forName="parTxOnly" op="equ" val="65"/>
-          <dgm:constr type="w" for="ch" forName="parTxOnlySpace" refType="w" refFor="ch" refForName="parTxOnly" fact="-0.1"/>
-        </dgm:constrLst>
-        <dgm:ruleLst/>
-        <dgm:forEach name="Name21" axis="ch" ptType="node">
-          <dgm:layoutNode name="parTxOnly">
-            <dgm:varLst>
-              <dgm:chMax val="0"/>
-              <dgm:chPref val="0"/>
-              <dgm:bulletEnabled val="1"/>
-            </dgm:varLst>
-            <dgm:alg type="tx"/>
-            <dgm:choose name="Name22">
-              <dgm:if name="Name23" func="var" arg="dir" op="equ" val="norm">
-                <dgm:shape xmlns:r="http://schemas.openxmlformats.org/officeDocument/2006/relationships" type="chevron" r:blip="">
-                  <dgm:adjLst/>
-                </dgm:shape>
-              </dgm:if>
-              <dgm:else name="Name24">
-                <dgm:shape xmlns:r="http://schemas.openxmlformats.org/officeDocument/2006/relationships" rot="180" type="chevron" r:blip="">
-                  <dgm:adjLst/>
-                </dgm:shape>
-              </dgm:else>
-            </dgm:choose>
-            <dgm:presOf axis="self" ptType="node"/>
-            <dgm:choose name="Name25">
-              <dgm:if name="Name26" func="var" arg="dir" op="equ" val="norm">
-                <dgm:constrLst>
-                  <dgm:constr type="h" refType="w" op="equ" fact="0.4"/>
-                  <dgm:constr type="tMarg" refType="primFontSz" fact="0.105"/>
-                  <dgm:constr type="bMarg" refType="primFontSz" fact="0.105"/>
-                  <dgm:constr type="lMarg" refType="primFontSz" fact="0.315"/>
-                  <dgm:constr type="rMarg" refType="primFontSz" fact="0.105"/>
-                </dgm:constrLst>
-              </dgm:if>
-              <dgm:else name="Name27">
-                <dgm:constrLst>
-                  <dgm:constr type="h" refType="w" op="equ" fact="0.4"/>
-                  <dgm:constr type="tMarg" refType="primFontSz" fact="0.105"/>
-                  <dgm:constr type="bMarg" refType="primFontSz" fact="0.105"/>
-                  <dgm:constr type="lMarg" refType="primFontSz" fact="0.105"/>
-                  <dgm:constr type="rMarg" refType="primFontSz" fact="0.315"/>
-                </dgm:constrLst>
-              </dgm:else>
-            </dgm:choose>
-            <dgm:ruleLst>
-              <dgm:rule type="primFontSz" val="5" fact="NaN" max="NaN"/>
-            </dgm:ruleLst>
-          </dgm:layoutNode>
-          <dgm:forEach name="Name28" axis="followSib" ptType="sibTrans" cnt="1">
-            <dgm:layoutNode name="parTxOnlySpace">
-              <dgm:alg type="sp"/>
-              <dgm:shape xmlns:r="http://schemas.openxmlformats.org/officeDocument/2006/relationships" r:blip="">
-                <dgm:adjLst/>
-              </dgm:shape>
-              <dgm:presOf/>
-              <dgm:constrLst/>
-              <dgm:ruleLst/>
-            </dgm:layoutNode>
-          </dgm:forEach>
-        </dgm:forEach>
-      </dgm:else>
-    </dgm:choose>
-  </dgm:layoutNode>
-</dgm:layoutDef>
-</file>
-
-<file path=ppt/diagrams/quickStyle1.xml><?xml version="1.0" encoding="utf-8"?>
-<dgm:styleDef xmlns:dgm="http://schemas.openxmlformats.org/drawingml/2006/diagram" xmlns:a="http://schemas.openxmlformats.org/drawingml/2006/main" uniqueId="urn:microsoft.com/office/officeart/2005/8/quickstyle/simple4">
-  <dgm:title val=""/>
-  <dgm:desc val=""/>
-  <dgm:catLst>
-    <dgm:cat type="simple" pri="10400"/>
-  </dgm:catLst>
-  <dgm:scene3d>
-    <a:camera prst="orthographicFront"/>
-    <a:lightRig rig="threePt" dir="t"/>
-  </dgm:scene3d>
-  <dgm:styleLbl name="node0">
-    <dgm:scene3d>
-      <a:camera prst="orthographicFront"/>
-      <a:lightRig rig="threePt" dir="t"/>
-    </dgm:scene3d>
-    <dgm:sp3d/>
-    <dgm:txPr/>
-    <dgm:style>
-      <a:lnRef idx="0">
-        <a:scrgbClr r="0" g="0" b="0"/>
-      </a:lnRef>
-      <a:fillRef idx="3">
-        <a:scrgbClr r="0" g="0" b="0"/>
-      </a:fillRef>
-      <a:effectRef idx="2">
-        <a:scrgbClr r="0" g="0" b="0"/>
-      </a:effectRef>
-      <a:fontRef idx="minor">
-        <a:schemeClr val="lt1"/>
-      </a:fontRef>
-    </dgm:style>
-  </dgm:styleLbl>
-  <dgm:styleLbl name="lnNode1">
-    <dgm:scene3d>
-      <a:camera prst="orthographicFront"/>
-      <a:lightRig rig="threePt" dir="t"/>
-    </dgm:scene3d>
-    <dgm:sp3d/>
-    <dgm:txPr/>
-    <dgm:style>
-      <a:lnRef idx="1">
-        <a:scrgbClr r="0" g="0" b="0"/>
-      </a:lnRef>
-      <a:fillRef idx="3">
-        <a:scrgbClr r="0" g="0" b="0"/>
-      </a:fillRef>
-      <a:effectRef idx="2">
-        <a:scrgbClr r="0" g="0" b="0"/>
-      </a:effectRef>
-      <a:fontRef idx="minor">
-        <a:schemeClr val="lt1"/>
-      </a:fontRef>
-    </dgm:style>
-  </dgm:styleLbl>
-  <dgm:styleLbl name="vennNode1">
-    <dgm:scene3d>
-      <a:camera prst="orthographicFront"/>
-      <a:lightRig rig="threePt" dir="t"/>
-    </dgm:scene3d>
-    <dgm:sp3d/>
-    <dgm:txPr/>
-    <dgm:style>
-      <a:lnRef idx="0">
-        <a:scrgbClr r="0" g="0" b="0"/>
-      </a:lnRef>
-      <a:fillRef idx="3">
-        <a:scrgbClr r="0" g="0" b="0"/>
-      </a:fillRef>
-      <a:effectRef idx="0">
-        <a:scrgbClr r="0" g="0" b="0"/>
-      </a:effectRef>
-      <a:fontRef idx="minor">
-        <a:schemeClr val="tx1"/>
-      </a:fontRef>
-    </dgm:style>
-  </dgm:styleLbl>
-  <dgm:styleLbl name="alignNode1">
-    <dgm:scene3d>
-      <a:camera prst="orthographicFront"/>
-      <a:lightRig rig="threePt" dir="t"/>
-    </dgm:scene3d>
-    <dgm:sp3d/>
-    <dgm:txPr/>
-    <dgm:style>
-      <a:lnRef idx="1">
-        <a:scrgbClr r="0" g="0" b="0"/>
-      </a:lnRef>
-      <a:fillRef idx="3">
-        <a:scrgbClr r="0" g="0" b="0"/>
-      </a:fillRef>
-      <a:effectRef idx="2">
-        <a:scrgbClr r="0" g="0" b="0"/>
-      </a:effectRef>
-      <a:fontRef idx="minor">
-        <a:schemeClr val="lt1"/>
-      </a:fontRef>
-    </dgm:style>
-  </dgm:styleLbl>
-  <dgm:styleLbl name="node1">
-    <dgm:scene3d>
-      <a:camera prst="orthographicFront"/>
-      <a:lightRig rig="threePt" dir="t"/>
-    </dgm:scene3d>
-    <dgm:sp3d/>
-    <dgm:txPr/>
-    <dgm:style>
-      <a:lnRef idx="0">
-        <a:scrgbClr r="0" g="0" b="0"/>
-      </a:lnRef>
-      <a:fillRef idx="3">
-        <a:scrgbClr r="0" g="0" b="0"/>
-      </a:fillRef>
-      <a:effectRef idx="2">
-        <a:scrgbClr r="0" g="0" b="0"/>
-      </a:effectRef>
-      <a:fontRef idx="minor">
-        <a:schemeClr val="lt1"/>
-      </a:fontRef>
-    </dgm:style>
-  </dgm:styleLbl>
-  <dgm:styleLbl name="node2">
-    <dgm:scene3d>
-      <a:camera prst="orthographicFront"/>
-      <a:lightRig rig="threePt" dir="t"/>
-    </dgm:scene3d>
-    <dgm:sp3d/>
-    <dgm:txPr/>
-    <dgm:style>
-      <a:lnRef idx="0">
-        <a:scrgbClr r="0" g="0" b="0"/>
-      </a:lnRef>
-      <a:fillRef idx="3">
-        <a:scrgbClr r="0" g="0" b="0"/>
-      </a:fillRef>
-      <a:effectRef idx="2">
-        <a:scrgbClr r="0" g="0" b="0"/>
-      </a:effectRef>
-      <a:fontRef idx="minor">
-        <a:schemeClr val="lt1"/>
-      </a:fontRef>
-    </dgm:style>
-  </dgm:styleLbl>
-  <dgm:styleLbl name="node3">
-    <dgm:scene3d>
-      <a:camera prst="orthographicFront"/>
-      <a:lightRig rig="threePt" dir="t"/>
-    </dgm:scene3d>
-    <dgm:sp3d/>
-    <dgm:txPr/>
-    <dgm:style>
-      <a:lnRef idx="0">
-        <a:scrgbClr r="0" g="0" b="0"/>
-      </a:lnRef>
-      <a:fillRef idx="3">
-        <a:scrgbClr r="0" g="0" b="0"/>
-      </a:fillRef>
-      <a:effectRef idx="2">
-        <a:scrgbClr r="0" g="0" b="0"/>
-      </a:effectRef>
-      <a:fontRef idx="minor">
-        <a:schemeClr val="lt1"/>
-      </a:fontRef>
-    </dgm:style>
-  </dgm:styleLbl>
-  <dgm:styleLbl name="node4">
-    <dgm:scene3d>
-      <a:camera prst="orthographicFront"/>
-      <a:lightRig rig="threePt" dir="t"/>
-    </dgm:scene3d>
-    <dgm:sp3d/>
-    <dgm:txPr/>
-    <dgm:style>
-      <a:lnRef idx="0">
-        <a:scrgbClr r="0" g="0" b="0"/>
-      </a:lnRef>
-      <a:fillRef idx="3">
-        <a:scrgbClr r="0" g="0" b="0"/>
-      </a:fillRef>
-      <a:effectRef idx="2">
-        <a:scrgbClr r="0" g="0" b="0"/>
-      </a:effectRef>
-      <a:fontRef idx="minor">
-        <a:schemeClr val="lt1"/>
-      </a:fontRef>
-    </dgm:style>
-  </dgm:styleLbl>
-  <dgm:styleLbl name="fgImgPlace1">
-    <dgm:scene3d>
-      <a:camera prst="orthographicFront"/>
-      <a:lightRig rig="threePt" dir="t"/>
-    </dgm:scene3d>
-    <dgm:sp3d/>
-    <dgm:txPr/>
-    <dgm:style>
-      <a:lnRef idx="0">
-        <a:scrgbClr r="0" g="0" b="0"/>
-      </a:lnRef>
-      <a:fillRef idx="1">
-        <a:scrgbClr r="0" g="0" b="0"/>
-      </a:fillRef>
-      <a:effectRef idx="2">
-        <a:scrgbClr r="0" g="0" b="0"/>
-      </a:effectRef>
-      <a:fontRef idx="minor"/>
-    </dgm:style>
-  </dgm:styleLbl>
-  <dgm:styleLbl name="alignImgPlace1">
-    <dgm:scene3d>
-      <a:camera prst="orthographicFront"/>
-      <a:lightRig rig="threePt" dir="t"/>
-    </dgm:scene3d>
-    <dgm:sp3d/>
-    <dgm:txPr/>
-    <dgm:style>
-      <a:lnRef idx="0">
-        <a:scrgbClr r="0" g="0" b="0"/>
-      </a:lnRef>
-      <a:fillRef idx="1">
-        <a:scrgbClr r="0" g="0" b="0"/>
-      </a:fillRef>
-      <a:effectRef idx="2">
-        <a:scrgbClr r="0" g="0" b="0"/>
-      </a:effectRef>
-      <a:fontRef idx="minor"/>
-    </dgm:style>
-  </dgm:styleLbl>
-  <dgm:styleLbl name="bgImgPlace1">
-    <dgm:scene3d>
-      <a:camera prst="orthographicFront"/>
-      <a:lightRig rig="threePt" dir="t"/>
-    </dgm:scene3d>
-    <dgm:sp3d/>
-    <dgm:txPr/>
-    <dgm:style>
-      <a:lnRef idx="0">
-        <a:scrgbClr r="0" g="0" b="0"/>
-      </a:lnRef>
-      <a:fillRef idx="1">
-        <a:scrgbClr r="0" g="0" b="0"/>
-      </a:fillRef>
-      <a:effectRef idx="2">
-        <a:scrgbClr r="0" g="0" b="0"/>
-      </a:effectRef>
-      <a:fontRef idx="minor"/>
-    </dgm:style>
-  </dgm:styleLbl>
-  <dgm:styleLbl name="sibTrans2D1">
-    <dgm:scene3d>
-      <a:camera prst="orthographicFront"/>
-      <a:lightRig rig="threePt" dir="t"/>
-    </dgm:scene3d>
-    <dgm:sp3d/>
-    <dgm:txPr/>
-    <dgm:style>
-      <a:lnRef idx="0">
-        <a:scrgbClr r="0" g="0" b="0"/>
-      </a:lnRef>
-      <a:fillRef idx="3">
-        <a:scrgbClr r="0" g="0" b="0"/>
-      </a:fillRef>
-      <a:effectRef idx="2">
-        <a:scrgbClr r="0" g="0" b="0"/>
-      </a:effectRef>
-      <a:fontRef idx="minor">
-        <a:schemeClr val="lt1"/>
-      </a:fontRef>
-    </dgm:style>
-  </dgm:styleLbl>
-  <dgm:styleLbl name="fgSibTrans2D1">
-    <dgm:scene3d>
-      <a:camera prst="orthographicFront"/>
-      <a:lightRig rig="threePt" dir="t"/>
-    </dgm:scene3d>
-    <dgm:sp3d/>
-    <dgm:txPr/>
-    <dgm:style>
-      <a:lnRef idx="0">
-        <a:scrgbClr r="0" g="0" b="0"/>
-      </a:lnRef>
-      <a:fillRef idx="3">
-        <a:scrgbClr r="0" g="0" b="0"/>
-      </a:fillRef>
-      <a:effectRef idx="2">
-        <a:scrgbClr r="0" g="0" b="0"/>
-      </a:effectRef>
-      <a:fontRef idx="minor">
-        <a:schemeClr val="lt1"/>
-      </a:fontRef>
-    </dgm:style>
-  </dgm:styleLbl>
-  <dgm:styleLbl name="bgSibTrans2D1">
-    <dgm:scene3d>
-      <a:camera prst="orthographicFront"/>
-      <a:lightRig rig="threePt" dir="t"/>
-    </dgm:scene3d>
-    <dgm:sp3d/>
-    <dgm:txPr/>
-    <dgm:style>
-      <a:lnRef idx="0">
-        <a:scrgbClr r="0" g="0" b="0"/>
-      </a:lnRef>
-      <a:fillRef idx="3">
-        <a:scrgbClr r="0" g="0" b="0"/>
-      </a:fillRef>
-      <a:effectRef idx="2">
-        <a:scrgbClr r="0" g="0" b="0"/>
-      </a:effectRef>
-      <a:fontRef idx="minor">
-        <a:schemeClr val="lt1"/>
-      </a:fontRef>
-    </dgm:style>
-  </dgm:styleLbl>
-  <dgm:styleLbl name="sibTrans1D1">
-    <dgm:scene3d>
-      <a:camera prst="orthographicFront"/>
-      <a:lightRig rig="threePt" dir="t"/>
-    </dgm:scene3d>
-    <dgm:sp3d/>
-    <dgm:txPr/>
-    <dgm:style>
-      <a:lnRef idx="1">
-        <a:scrgbClr r="0" g="0" b="0"/>
-      </a:lnRef>
-      <a:fillRef idx="0">
-        <a:scrgbClr r="0" g="0" b="0"/>
-      </a:fillRef>
-      <a:effectRef idx="0">
-        <a:scrgbClr r="0" g="0" b="0"/>
-      </a:effectRef>
-      <a:fontRef idx="minor"/>
-    </dgm:style>
-  </dgm:styleLbl>
-  <dgm:styleLbl name="callout">
-    <dgm:scene3d>
-      <a:camera prst="orthographicFront"/>
-      <a:lightRig rig="threePt" dir="t"/>
-    </dgm:scene3d>
-    <dgm:sp3d/>
-    <dgm:txPr/>
-    <dgm:style>
-      <a:lnRef idx="2">
-        <a:scrgbClr r="0" g="0" b="0"/>
-      </a:lnRef>
-      <a:fillRef idx="1">
-        <a:scrgbClr r="0" g="0" b="0"/>
-      </a:fillRef>
-      <a:effectRef idx="1">
-        <a:scrgbClr r="0" g="0" b="0"/>
-      </a:effectRef>
-      <a:fontRef idx="minor"/>
-    </dgm:style>
-  </dgm:styleLbl>
-  <dgm:styleLbl name="asst0">
-    <dgm:scene3d>
-      <a:camera prst="orthographicFront"/>
-      <a:lightRig rig="threePt" dir="t"/>
-    </dgm:scene3d>
-    <dgm:sp3d/>
-    <dgm:txPr/>
-    <dgm:style>
-      <a:lnRef idx="0">
-        <a:scrgbClr r="0" g="0" b="0"/>
-      </a:lnRef>
-      <a:fillRef idx="3">
-        <a:scrgbClr r="0" g="0" b="0"/>
-      </a:fillRef>
-      <a:effectRef idx="2">
-        <a:scrgbClr r="0" g="0" b="0"/>
-      </a:effectRef>
-      <a:fontRef idx="minor">
-        <a:schemeClr val="lt1"/>
-      </a:fontRef>
-    </dgm:style>
-  </dgm:styleLbl>
-  <dgm:styleLbl name="asst1">
-    <dgm:scene3d>
-      <a:camera prst="orthographicFront"/>
-      <a:lightRig rig="threePt" dir="t"/>
-    </dgm:scene3d>
-    <dgm:sp3d/>
-    <dgm:txPr/>
-    <dgm:style>
-      <a:lnRef idx="0">
-        <a:scrgbClr r="0" g="0" b="0"/>
-      </a:lnRef>
-      <a:fillRef idx="3">
-        <a:scrgbClr r="0" g="0" b="0"/>
-      </a:fillRef>
-      <a:effectRef idx="2">
-        <a:scrgbClr r="0" g="0" b="0"/>
-      </a:effectRef>
-      <a:fontRef idx="minor">
-        <a:schemeClr val="lt1"/>
-      </a:fontRef>
-    </dgm:style>
-  </dgm:styleLbl>
-  <dgm:styleLbl name="asst2">
-    <dgm:scene3d>
-      <a:camera prst="orthographicFront"/>
-      <a:lightRig rig="threePt" dir="t"/>
-    </dgm:scene3d>
-    <dgm:sp3d/>
-    <dgm:txPr/>
-    <dgm:style>
-      <a:lnRef idx="0">
-        <a:scrgbClr r="0" g="0" b="0"/>
-      </a:lnRef>
-      <a:fillRef idx="3">
-        <a:scrgbClr r="0" g="0" b="0"/>
-      </a:fillRef>
-      <a:effectRef idx="2">
-        <a:scrgbClr r="0" g="0" b="0"/>
-      </a:effectRef>
-      <a:fontRef idx="minor">
-        <a:schemeClr val="lt1"/>
-      </a:fontRef>
-    </dgm:style>
-  </dgm:styleLbl>
-  <dgm:styleLbl name="asst3">
-    <dgm:scene3d>
-      <a:camera prst="orthographicFront"/>
-      <a:lightRig rig="threePt" dir="t"/>
-    </dgm:scene3d>
-    <dgm:sp3d/>
-    <dgm:txPr/>
-    <dgm:style>
-      <a:lnRef idx="0">
-        <a:scrgbClr r="0" g="0" b="0"/>
-      </a:lnRef>
-      <a:fillRef idx="3">
-        <a:scrgbClr r="0" g="0" b="0"/>
-      </a:fillRef>
-      <a:effectRef idx="2">
-        <a:scrgbClr r="0" g="0" b="0"/>
-      </a:effectRef>
-      <a:fontRef idx="minor">
-        <a:schemeClr val="lt1"/>
-      </a:fontRef>
-    </dgm:style>
-  </dgm:styleLbl>
-  <dgm:styleLbl name="asst4">
-    <dgm:scene3d>
-      <a:camera prst="orthographicFront"/>
-      <a:lightRig rig="threePt" dir="t"/>
-    </dgm:scene3d>
-    <dgm:sp3d/>
-    <dgm:txPr/>
-    <dgm:style>
-      <a:lnRef idx="0">
-        <a:scrgbClr r="0" g="0" b="0"/>
-      </a:lnRef>
-      <a:fillRef idx="3">
-        <a:scrgbClr r="0" g="0" b="0"/>
-      </a:fillRef>
-      <a:effectRef idx="2">
-        <a:scrgbClr r="0" g="0" b="0"/>
-      </a:effectRef>
-      <a:fontRef idx="minor">
-        <a:schemeClr val="lt1"/>
-      </a:fontRef>
-    </dgm:style>
-  </dgm:styleLbl>
-  <dgm:styleLbl name="parChTrans2D1">
-    <dgm:scene3d>
-      <a:camera prst="orthographicFront"/>
-      <a:lightRig rig="threePt" dir="t"/>
-    </dgm:scene3d>
-    <dgm:sp3d/>
-    <dgm:txPr/>
-    <dgm:style>
-      <a:lnRef idx="0">
-        <a:scrgbClr r="0" g="0" b="0"/>
-      </a:lnRef>
-      <a:fillRef idx="3">
-        <a:scrgbClr r="0" g="0" b="0"/>
-      </a:fillRef>
-      <a:effectRef idx="2">
-        <a:scrgbClr r="0" g="0" b="0"/>
-      </a:effectRef>
-      <a:fontRef idx="minor">
-        <a:schemeClr val="lt1"/>
-      </a:fontRef>
-    </dgm:style>
-  </dgm:styleLbl>
-  <dgm:styleLbl name="parChTrans2D2">
-    <dgm:scene3d>
-      <a:camera prst="orthographicFront"/>
-      <a:lightRig rig="threePt" dir="t"/>
-    </dgm:scene3d>
-    <dgm:sp3d/>
-    <dgm:txPr/>
-    <dgm:style>
-      <a:lnRef idx="0">
-        <a:scrgbClr r="0" g="0" b="0"/>
-      </a:lnRef>
-      <a:fillRef idx="3">
-        <a:scrgbClr r="0" g="0" b="0"/>
-      </a:fillRef>
-      <a:effectRef idx="2">
-        <a:scrgbClr r="0" g="0" b="0"/>
-      </a:effectRef>
-      <a:fontRef idx="minor">
-        <a:schemeClr val="lt1"/>
-      </a:fontRef>
-    </dgm:style>
-  </dgm:styleLbl>
-  <dgm:styleLbl name="parChTrans2D3">
-    <dgm:scene3d>
-      <a:camera prst="orthographicFront"/>
-      <a:lightRig rig="threePt" dir="t"/>
-    </dgm:scene3d>
-    <dgm:sp3d/>
-    <dgm:txPr/>
-    <dgm:style>
-      <a:lnRef idx="1">
-        <a:scrgbClr r="0" g="0" b="0"/>
-      </a:lnRef>
-      <a:fillRef idx="3">
-        <a:scrgbClr r="0" g="0" b="0"/>
-      </a:fillRef>
-      <a:effectRef idx="2">
-        <a:scrgbClr r="0" g="0" b="0"/>
-      </a:effectRef>
-      <a:fontRef idx="minor">
-        <a:schemeClr val="lt1"/>
-      </a:fontRef>
-    </dgm:style>
-  </dgm:styleLbl>
-  <dgm:styleLbl name="parChTrans2D4">
-    <dgm:scene3d>
-      <a:camera prst="orthographicFront"/>
-      <a:lightRig rig="threePt" dir="t"/>
-    </dgm:scene3d>
-    <dgm:sp3d/>
-    <dgm:txPr/>
-    <dgm:style>
-      <a:lnRef idx="1">
-        <a:scrgbClr r="0" g="0" b="0"/>
-      </a:lnRef>
-      <a:fillRef idx="3">
-        <a:scrgbClr r="0" g="0" b="0"/>
-      </a:fillRef>
-      <a:effectRef idx="2">
-        <a:scrgbClr r="0" g="0" b="0"/>
-      </a:effectRef>
-      <a:fontRef idx="minor">
-        <a:schemeClr val="lt1"/>
-      </a:fontRef>
-    </dgm:style>
-  </dgm:styleLbl>
-  <dgm:styleLbl name="parChTrans1D1">
-    <dgm:scene3d>
-      <a:camera prst="orthographicFront"/>
-      <a:lightRig rig="threePt" dir="t"/>
-    </dgm:scene3d>
-    <dgm:sp3d/>
-    <dgm:txPr/>
-    <dgm:style>
-      <a:lnRef idx="1">
-        <a:scrgbClr r="0" g="0" b="0"/>
-      </a:lnRef>
-      <a:fillRef idx="0">
-        <a:scrgbClr r="0" g="0" b="0"/>
-      </a:fillRef>
-      <a:effectRef idx="0">
-        <a:scrgbClr r="0" g="0" b="0"/>
-      </a:effectRef>
-      <a:fontRef idx="minor"/>
-    </dgm:style>
-  </dgm:styleLbl>
-  <dgm:styleLbl name="parChTrans1D2">
-    <dgm:scene3d>
-      <a:camera prst="orthographicFront"/>
-      <a:lightRig rig="threePt" dir="t"/>
-    </dgm:scene3d>
-    <dgm:sp3d/>
-    <dgm:txPr/>
-    <dgm:style>
-      <a:lnRef idx="1">
-        <a:scrgbClr r="0" g="0" b="0"/>
-      </a:lnRef>
-      <a:fillRef idx="0">
-        <a:scrgbClr r="0" g="0" b="0"/>
-      </a:fillRef>
-      <a:effectRef idx="0">
-        <a:scrgbClr r="0" g="0" b="0"/>
-      </a:effectRef>
-      <a:fontRef idx="minor"/>
-    </dgm:style>
-  </dgm:styleLbl>
-  <dgm:styleLbl name="parChTrans1D3">
-    <dgm:scene3d>
-      <a:camera prst="orthographicFront"/>
-      <a:lightRig rig="threePt" dir="t"/>
-    </dgm:scene3d>
-    <dgm:sp3d/>
-    <dgm:txPr/>
-    <dgm:style>
-      <a:lnRef idx="1">
-        <a:scrgbClr r="0" g="0" b="0"/>
-      </a:lnRef>
-      <a:fillRef idx="0">
-        <a:scrgbClr r="0" g="0" b="0"/>
-      </a:fillRef>
-      <a:effectRef idx="0">
-        <a:scrgbClr r="0" g="0" b="0"/>
-      </a:effectRef>
-      <a:fontRef idx="minor"/>
-    </dgm:style>
-  </dgm:styleLbl>
-  <dgm:styleLbl name="parChTrans1D4">
-    <dgm:scene3d>
-      <a:camera prst="orthographicFront"/>
-      <a:lightRig rig="threePt" dir="t"/>
-    </dgm:scene3d>
-    <dgm:sp3d/>
-    <dgm:txPr/>
-    <dgm:style>
-      <a:lnRef idx="1">
-        <a:scrgbClr r="0" g="0" b="0"/>
-      </a:lnRef>
-      <a:fillRef idx="0">
-        <a:scrgbClr r="0" g="0" b="0"/>
-      </a:fillRef>
-      <a:effectRef idx="0">
-        <a:scrgbClr r="0" g="0" b="0"/>
-      </a:effectRef>
-      <a:fontRef idx="minor"/>
-    </dgm:style>
-  </dgm:styleLbl>
-  <dgm:styleLbl name="fgAcc1">
-    <dgm:scene3d>
-      <a:camera prst="orthographicFront"/>
-      <a:lightRig rig="threePt" dir="t"/>
-    </dgm:scene3d>
-    <dgm:sp3d/>
-    <dgm:txPr/>
-    <dgm:style>
-      <a:lnRef idx="1">
-        <a:scrgbClr r="0" g="0" b="0"/>
-      </a:lnRef>
-      <a:fillRef idx="1">
-        <a:scrgbClr r="0" g="0" b="0"/>
-      </a:fillRef>
-      <a:effectRef idx="0">
-        <a:scrgbClr r="0" g="0" b="0"/>
-      </a:effectRef>
-      <a:fontRef idx="minor"/>
-    </dgm:style>
-  </dgm:styleLbl>
-  <dgm:styleLbl name="conFgAcc1">
-    <dgm:scene3d>
-      <a:camera prst="orthographicFront"/>
-      <a:lightRig rig="threePt" dir="t"/>
-    </dgm:scene3d>
-    <dgm:sp3d/>
-    <dgm:txPr/>
-    <dgm:style>
-      <a:lnRef idx="1">
-        <a:scrgbClr r="0" g="0" b="0"/>
-      </a:lnRef>
-      <a:fillRef idx="1">
-        <a:scrgbClr r="0" g="0" b="0"/>
-      </a:fillRef>
-      <a:effectRef idx="0">
-        <a:scrgbClr r="0" g="0" b="0"/>
-      </a:effectRef>
-      <a:fontRef idx="minor"/>
-    </dgm:style>
-  </dgm:styleLbl>
-  <dgm:styleLbl name="alignAcc1">
-    <dgm:scene3d>
-      <a:camera prst="orthographicFront"/>
-      <a:lightRig rig="threePt" dir="t"/>
-    </dgm:scene3d>
-    <dgm:sp3d/>
-    <dgm:txPr/>
-    <dgm:style>
-      <a:lnRef idx="1">
-        <a:scrgbClr r="0" g="0" b="0"/>
-      </a:lnRef>
-      <a:fillRef idx="1">
-        <a:scrgbClr r="0" g="0" b="0"/>
-      </a:fillRef>
-      <a:effectRef idx="0">
-        <a:scrgbClr r="0" g="0" b="0"/>
-      </a:effectRef>
-      <a:fontRef idx="minor"/>
-    </dgm:style>
-  </dgm:styleLbl>
-  <dgm:styleLbl name="trAlignAcc1">
-    <dgm:scene3d>
-      <a:camera prst="orthographicFront"/>
-      <a:lightRig rig="threePt" dir="t"/>
-    </dgm:scene3d>
-    <dgm:sp3d/>
-    <dgm:txPr/>
-    <dgm:style>
-      <a:lnRef idx="1">
-        <a:scrgbClr r="0" g="0" b="0"/>
-      </a:lnRef>
-      <a:fillRef idx="1">
-        <a:scrgbClr r="0" g="0" b="0"/>
-      </a:fillRef>
-      <a:effectRef idx="0">
-        <a:scrgbClr r="0" g="0" b="0"/>
-      </a:effectRef>
-      <a:fontRef idx="minor"/>
-    </dgm:style>
-  </dgm:styleLbl>
-  <dgm:styleLbl name="bgAcc1">
-    <dgm:scene3d>
-      <a:camera prst="orthographicFront"/>
-      <a:lightRig rig="threePt" dir="t"/>
-    </dgm:scene3d>
-    <dgm:sp3d/>
-    <dgm:txPr/>
-    <dgm:style>
-      <a:lnRef idx="1">
-        <a:scrgbClr r="0" g="0" b="0"/>
-      </a:lnRef>
-      <a:fillRef idx="1">
-        <a:scrgbClr r="0" g="0" b="0"/>
-      </a:fillRef>
-      <a:effectRef idx="0">
-        <a:scrgbClr r="0" g="0" b="0"/>
-      </a:effectRef>
-      <a:fontRef idx="minor"/>
-    </dgm:style>
-  </dgm:styleLbl>
-  <dgm:styleLbl name="solidFgAcc1">
-    <dgm:scene3d>
-      <a:camera prst="orthographicFront"/>
-      <a:lightRig rig="threePt" dir="t"/>
-    </dgm:scene3d>
-    <dgm:sp3d/>
-    <dgm:txPr/>
-    <dgm:style>
-      <a:lnRef idx="1">
-        <a:scrgbClr r="0" g="0" b="0"/>
-      </a:lnRef>
-      <a:fillRef idx="1">
-        <a:scrgbClr r="0" g="0" b="0"/>
-      </a:fillRef>
-      <a:effectRef idx="0">
-        <a:scrgbClr r="0" g="0" b="0"/>
-      </a:effectRef>
-      <a:fontRef idx="minor"/>
-    </dgm:style>
-  </dgm:styleLbl>
-  <dgm:styleLbl name="solidAlignAcc1">
-    <dgm:scene3d>
-      <a:camera prst="orthographicFront"/>
-      <a:lightRig rig="threePt" dir="t"/>
-    </dgm:scene3d>
-    <dgm:sp3d/>
-    <dgm:txPr/>
-    <dgm:style>
-      <a:lnRef idx="1">
-        <a:scrgbClr r="0" g="0" b="0"/>
-      </a:lnRef>
-      <a:fillRef idx="1">
-        <a:scrgbClr r="0" g="0" b="0"/>
-      </a:fillRef>
-      <a:effectRef idx="0">
-        <a:scrgbClr r="0" g="0" b="0"/>
-      </a:effectRef>
-      <a:fontRef idx="minor"/>
-    </dgm:style>
-  </dgm:styleLbl>
-  <dgm:styleLbl name="solidBgAcc1">
-    <dgm:scene3d>
-      <a:camera prst="orthographicFront"/>
-      <a:lightRig rig="threePt" dir="t"/>
-    </dgm:scene3d>
-    <dgm:sp3d/>
-    <dgm:txPr/>
-    <dgm:style>
-      <a:lnRef idx="1">
-        <a:scrgbClr r="0" g="0" b="0"/>
-      </a:lnRef>
-      <a:fillRef idx="1">
-        <a:scrgbClr r="0" g="0" b="0"/>
-      </a:fillRef>
-      <a:effectRef idx="0">
-        <a:scrgbClr r="0" g="0" b="0"/>
-      </a:effectRef>
-      <a:fontRef idx="minor"/>
-    </dgm:style>
-  </dgm:styleLbl>
-  <dgm:styleLbl name="fgAccFollowNode1">
-    <dgm:scene3d>
-      <a:camera prst="orthographicFront"/>
-      <a:lightRig rig="threePt" dir="t"/>
-    </dgm:scene3d>
-    <dgm:sp3d/>
-    <dgm:txPr/>
-    <dgm:style>
-      <a:lnRef idx="1">
-        <a:scrgbClr r="0" g="0" b="0"/>
-      </a:lnRef>
-      <a:fillRef idx="1">
-        <a:scrgbClr r="0" g="0" b="0"/>
-      </a:fillRef>
-      <a:effectRef idx="0">
-        <a:scrgbClr r="0" g="0" b="0"/>
-      </a:effectRef>
-      <a:fontRef idx="minor"/>
-    </dgm:style>
-  </dgm:styleLbl>
-  <dgm:styleLbl name="alignAccFollowNode1">
-    <dgm:scene3d>
-      <a:camera prst="orthographicFront"/>
-      <a:lightRig rig="threePt" dir="t"/>
-    </dgm:scene3d>
-    <dgm:sp3d/>
-    <dgm:txPr/>
-    <dgm:style>
-      <a:lnRef idx="1">
-        <a:scrgbClr r="0" g="0" b="0"/>
-      </a:lnRef>
-      <a:fillRef idx="1">
-        <a:scrgbClr r="0" g="0" b="0"/>
-      </a:fillRef>
-      <a:effectRef idx="0">
-        <a:scrgbClr r="0" g="0" b="0"/>
-      </a:effectRef>
-      <a:fontRef idx="minor"/>
-    </dgm:style>
-  </dgm:styleLbl>
-  <dgm:styleLbl name="bgAccFollowNode1">
-    <dgm:scene3d>
-      <a:camera prst="orthographicFront"/>
-      <a:lightRig rig="threePt" dir="t"/>
-    </dgm:scene3d>
-    <dgm:sp3d/>
-    <dgm:txPr/>
-    <dgm:style>
-      <a:lnRef idx="1">
-        <a:scrgbClr r="0" g="0" b="0"/>
-      </a:lnRef>
-      <a:fillRef idx="1">
-        <a:scrgbClr r="0" g="0" b="0"/>
-      </a:fillRef>
-      <a:effectRef idx="0">
-        <a:scrgbClr r="0" g="0" b="0"/>
-      </a:effectRef>
-      <a:fontRef idx="minor"/>
-    </dgm:style>
-  </dgm:styleLbl>
-  <dgm:styleLbl name="fgAcc0">
-    <dgm:scene3d>
-      <a:camera prst="orthographicFront"/>
-      <a:lightRig rig="threePt" dir="t"/>
-    </dgm:scene3d>
-    <dgm:sp3d/>
-    <dgm:txPr/>
-    <dgm:style>
-      <a:lnRef idx="1">
-        <a:scrgbClr r="0" g="0" b="0"/>
-      </a:lnRef>
-      <a:fillRef idx="1">
-        <a:scrgbClr r="0" g="0" b="0"/>
-      </a:fillRef>
-      <a:effectRef idx="0">
-        <a:scrgbClr r="0" g="0" b="0"/>
-      </a:effectRef>
-      <a:fontRef idx="minor"/>
-    </dgm:style>
-  </dgm:styleLbl>
-  <dgm:styleLbl name="fgAcc2">
-    <dgm:scene3d>
-      <a:camera prst="orthographicFront"/>
-      <a:lightRig rig="threePt" dir="t"/>
-    </dgm:scene3d>
-    <dgm:sp3d/>
-    <dgm:txPr/>
-    <dgm:style>
-      <a:lnRef idx="1">
-        <a:scrgbClr r="0" g="0" b="0"/>
-      </a:lnRef>
-      <a:fillRef idx="1">
-        <a:scrgbClr r="0" g="0" b="0"/>
-      </a:fillRef>
-      <a:effectRef idx="0">
-        <a:scrgbClr r="0" g="0" b="0"/>
-      </a:effectRef>
-      <a:fontRef idx="minor"/>
-    </dgm:style>
-  </dgm:styleLbl>
-  <dgm:styleLbl name="fgAcc3">
-    <dgm:scene3d>
-      <a:camera prst="orthographicFront"/>
-      <a:lightRig rig="threePt" dir="t"/>
-    </dgm:scene3d>
-    <dgm:sp3d/>
-    <dgm:txPr/>
-    <dgm:style>
-      <a:lnRef idx="1">
-        <a:scrgbClr r="0" g="0" b="0"/>
-      </a:lnRef>
-      <a:fillRef idx="1">
-        <a:scrgbClr r="0" g="0" b="0"/>
-      </a:fillRef>
-      <a:effectRef idx="0">
-        <a:scrgbClr r="0" g="0" b="0"/>
-      </a:effectRef>
-      <a:fontRef idx="minor"/>
-    </dgm:style>
-  </dgm:styleLbl>
-  <dgm:styleLbl name="fgAcc4">
-    <dgm:scene3d>
-      <a:camera prst="orthographicFront"/>
-      <a:lightRig rig="threePt" dir="t"/>
-    </dgm:scene3d>
-    <dgm:sp3d/>
-    <dgm:txPr/>
-    <dgm:style>
-      <a:lnRef idx="1">
-        <a:scrgbClr r="0" g="0" b="0"/>
-      </a:lnRef>
-      <a:fillRef idx="1">
-        <a:scrgbClr r="0" g="0" b="0"/>
-      </a:fillRef>
-      <a:effectRef idx="0">
-        <a:scrgbClr r="0" g="0" b="0"/>
-      </a:effectRef>
-      <a:fontRef idx="minor"/>
-    </dgm:style>
-  </dgm:styleLbl>
-  <dgm:styleLbl name="bgShp">
-    <dgm:scene3d>
-      <a:camera prst="orthographicFront"/>
-      <a:lightRig rig="threePt" dir="t"/>
-    </dgm:scene3d>
-    <dgm:sp3d/>
-    <dgm:txPr/>
-    <dgm:style>
-      <a:lnRef idx="0">
-        <a:scrgbClr r="0" g="0" b="0"/>
-      </a:lnRef>
-      <a:fillRef idx="1">
-        <a:scrgbClr r="0" g="0" b="0"/>
-      </a:fillRef>
-      <a:effectRef idx="2">
-        <a:scrgbClr r="0" g="0" b="0"/>
-      </a:effectRef>
-      <a:fontRef idx="minor"/>
-    </dgm:style>
-  </dgm:styleLbl>
-  <dgm:styleLbl name="dkBgShp">
-    <dgm:scene3d>
-      <a:camera prst="orthographicFront"/>
-      <a:lightRig rig="threePt" dir="t"/>
-    </dgm:scene3d>
-    <dgm:sp3d/>
-    <dgm:txPr/>
-    <dgm:style>
-      <a:lnRef idx="0">
-        <a:scrgbClr r="0" g="0" b="0"/>
-      </a:lnRef>
-      <a:fillRef idx="1">
-        <a:scrgbClr r="0" g="0" b="0"/>
-      </a:fillRef>
-      <a:effectRef idx="2">
-        <a:scrgbClr r="0" g="0" b="0"/>
-      </a:effectRef>
-      <a:fontRef idx="minor"/>
-    </dgm:style>
-  </dgm:styleLbl>
-  <dgm:styleLbl name="trBgShp">
-    <dgm:scene3d>
-      <a:camera prst="orthographicFront"/>
-      <a:lightRig rig="threePt" dir="t"/>
-    </dgm:scene3d>
-    <dgm:sp3d/>
-    <dgm:txPr/>
-    <dgm:style>
-      <a:lnRef idx="0">
-        <a:scrgbClr r="0" g="0" b="0"/>
-      </a:lnRef>
-      <a:fillRef idx="1">
-        <a:scrgbClr r="0" g="0" b="0"/>
-      </a:fillRef>
-      <a:effectRef idx="0">
-        <a:scrgbClr r="0" g="0" b="0"/>
-      </a:effectRef>
-      <a:fontRef idx="minor"/>
-    </dgm:style>
-  </dgm:styleLbl>
-  <dgm:styleLbl name="fgShp">
-    <dgm:scene3d>
-      <a:camera prst="orthographicFront"/>
-      <a:lightRig rig="threePt" dir="t"/>
-    </dgm:scene3d>
-    <dgm:sp3d/>
-    <dgm:txPr/>
-    <dgm:style>
-      <a:lnRef idx="0">
-        <a:scrgbClr r="0" g="0" b="0"/>
-      </a:lnRef>
-      <a:fillRef idx="3">
-        <a:scrgbClr r="0" g="0" b="0"/>
-      </a:fillRef>
-      <a:effectRef idx="2">
-        <a:scrgbClr r="0" g="0" b="0"/>
-      </a:effectRef>
-      <a:fontRef idx="minor"/>
-    </dgm:style>
-  </dgm:styleLbl>
-  <dgm:styleLbl name="revTx">
-    <dgm:scene3d>
-      <a:camera prst="orthographicFront"/>
-      <a:lightRig rig="threePt" dir="t"/>
-    </dgm:scene3d>
-    <dgm:sp3d/>
-    <dgm:txPr/>
-    <dgm:style>
-      <a:lnRef idx="0">
-        <a:scrgbClr r="0" g="0" b="0"/>
-      </a:lnRef>
-      <a:fillRef idx="0">
-        <a:scrgbClr r="0" g="0" b="0"/>
-      </a:fillRef>
-      <a:effectRef idx="0">
-        <a:scrgbClr r="0" g="0" b="0"/>
-      </a:effectRef>
-      <a:fontRef idx="minor"/>
-    </dgm:style>
-  </dgm:styleLbl>
-</dgm:styleDef>
-</file>
-
 <file path=ppt/handoutMasters/handoutMaster1.xml><?xml version="1.0" encoding="utf-8"?>
 <p:handoutMaster xmlns:a="http://schemas.openxmlformats.org/drawingml/2006/main" xmlns:r="http://schemas.openxmlformats.org/officeDocument/2006/relationships" xmlns:p="http://schemas.openxmlformats.org/presentationml/2006/main">
   <p:cSld>
@@ -3723,7 +210,7 @@
           <a:p>
             <a:fld id="{D63D5444-F62C-42C3-A75A-D9DBA807730F}" type="datetimeFigureOut">
               <a:rPr lang="en-US" smtClean="0"/>
-              <a:t>6/6/2017</a:t>
+              <a:t>6/7/2017</a:t>
             </a:fld>
             <a:endParaRPr lang="en-US"/>
           </a:p>
@@ -3888,7 +375,7 @@
           <a:p>
             <a:fld id="{12CAA1FA-7B6A-47D2-8D61-F225D71B51FF}" type="datetimeFigureOut">
               <a:rPr lang="en-US" smtClean="0"/>
-              <a:t>6/6/2017</a:t>
+              <a:t>6/7/2017</a:t>
             </a:fld>
             <a:endParaRPr lang="en-US"/>
           </a:p>
@@ -4729,7 +1216,7 @@
           <a:p>
             <a:fld id="{A79A3335-6331-4872-A8B7-ECD55539F4D0}" type="datetimeFigureOut">
               <a:rPr lang="en-US" smtClean="0"/>
-              <a:t>6/6/2017</a:t>
+              <a:t>6/7/2017</a:t>
             </a:fld>
             <a:endParaRPr lang="en-US"/>
           </a:p>
@@ -4988,7 +1475,7 @@
           <a:p>
             <a:fld id="{A79A3335-6331-4872-A8B7-ECD55539F4D0}" type="datetimeFigureOut">
               <a:rPr lang="en-US" smtClean="0"/>
-              <a:t>6/6/2017</a:t>
+              <a:t>6/7/2017</a:t>
             </a:fld>
             <a:endParaRPr lang="en-US"/>
           </a:p>
@@ -5516,7 +2003,7 @@
           <a:p>
             <a:fld id="{A79A3335-6331-4872-A8B7-ECD55539F4D0}" type="datetimeFigureOut">
               <a:rPr lang="en-US" smtClean="0"/>
-              <a:t>6/6/2017</a:t>
+              <a:t>6/7/2017</a:t>
             </a:fld>
             <a:endParaRPr lang="en-US"/>
           </a:p>
@@ -5848,7 +2335,7 @@
           <a:p>
             <a:fld id="{A79A3335-6331-4872-A8B7-ECD55539F4D0}" type="datetimeFigureOut">
               <a:rPr lang="en-US" smtClean="0"/>
-              <a:t>6/6/2017</a:t>
+              <a:t>6/7/2017</a:t>
             </a:fld>
             <a:endParaRPr lang="en-US"/>
           </a:p>
@@ -6030,7 +2517,7 @@
           <a:p>
             <a:fld id="{A79A3335-6331-4872-A8B7-ECD55539F4D0}" type="datetimeFigureOut">
               <a:rPr lang="en-US" smtClean="0"/>
-              <a:t>6/6/2017</a:t>
+              <a:t>6/7/2017</a:t>
             </a:fld>
             <a:endParaRPr lang="en-US"/>
           </a:p>
@@ -7268,7 +3755,7 @@
           <a:p>
             <a:fld id="{A79A3335-6331-4872-A8B7-ECD55539F4D0}" type="datetimeFigureOut">
               <a:rPr lang="en-US" smtClean="0"/>
-              <a:t>6/6/2017</a:t>
+              <a:t>6/7/2017</a:t>
             </a:fld>
             <a:endParaRPr lang="en-US"/>
           </a:p>
@@ -7646,7 +4133,7 @@
           <a:p>
             <a:fld id="{A79A3335-6331-4872-A8B7-ECD55539F4D0}" type="datetimeFigureOut">
               <a:rPr lang="en-US" smtClean="0"/>
-              <a:t>6/6/2017</a:t>
+              <a:t>6/7/2017</a:t>
             </a:fld>
             <a:endParaRPr lang="en-US"/>
           </a:p>
@@ -7776,7 +4263,7 @@
           <a:p>
             <a:fld id="{A79A3335-6331-4872-A8B7-ECD55539F4D0}" type="datetimeFigureOut">
               <a:rPr lang="en-US" smtClean="0"/>
-              <a:t>6/6/2017</a:t>
+              <a:t>6/7/2017</a:t>
             </a:fld>
             <a:endParaRPr lang="en-US"/>
           </a:p>
@@ -7883,7 +4370,7 @@
           <a:p>
             <a:fld id="{A79A3335-6331-4872-A8B7-ECD55539F4D0}" type="datetimeFigureOut">
               <a:rPr lang="en-US" smtClean="0"/>
-              <a:t>6/6/2017</a:t>
+              <a:t>6/7/2017</a:t>
             </a:fld>
             <a:endParaRPr lang="en-US"/>
           </a:p>
@@ -8174,7 +4661,7 @@
           <a:p>
             <a:fld id="{A79A3335-6331-4872-A8B7-ECD55539F4D0}" type="datetimeFigureOut">
               <a:rPr lang="en-US" smtClean="0"/>
-              <a:t>6/6/2017</a:t>
+              <a:t>6/7/2017</a:t>
             </a:fld>
             <a:endParaRPr lang="en-US"/>
           </a:p>
@@ -8538,7 +5025,7 @@
             <a:fld id="{A79A3335-6331-4872-A8B7-ECD55539F4D0}" type="datetimeFigureOut">
               <a:rPr lang="en-US" smtClean="0"/>
               <a:pPr/>
-              <a:t>6/6/2017</a:t>
+              <a:t>6/7/2017</a:t>
             </a:fld>
             <a:endParaRPr lang="en-US"/>
           </a:p>
@@ -9077,362 +5564,6 @@
 </p:sld>
 </file>
 
-<file path=ppt/slides/slide10.xml><?xml version="1.0" encoding="utf-8"?>
-<p:sld xmlns:a="http://schemas.openxmlformats.org/drawingml/2006/main" xmlns:r="http://schemas.openxmlformats.org/officeDocument/2006/relationships" xmlns:p="http://schemas.openxmlformats.org/presentationml/2006/main">
-  <p:cSld>
-    <p:spTree>
-      <p:nvGrpSpPr>
-        <p:cNvPr id="1" name=""/>
-        <p:cNvGrpSpPr/>
-        <p:nvPr/>
-      </p:nvGrpSpPr>
-      <p:grpSpPr>
-        <a:xfrm>
-          <a:off x="0" y="0"/>
-          <a:ext cx="0" cy="0"/>
-          <a:chOff x="0" y="0"/>
-          <a:chExt cx="0" cy="0"/>
-        </a:xfrm>
-      </p:grpSpPr>
-    </p:spTree>
-    <p:extLst>
-      <p:ext uri="{BB962C8B-B14F-4D97-AF65-F5344CB8AC3E}">
-        <p14:creationId xmlns:p14="http://schemas.microsoft.com/office/powerpoint/2010/main" val="1455343978"/>
-      </p:ext>
-    </p:extLst>
-  </p:cSld>
-  <p:clrMapOvr>
-    <a:masterClrMapping/>
-  </p:clrMapOvr>
-  <mc:AlternateContent xmlns:mc="http://schemas.openxmlformats.org/markup-compatibility/2006" xmlns:p14="http://schemas.microsoft.com/office/powerpoint/2010/main">
-    <mc:Choice Requires="p14">
-      <p:transition spd="med" p14:dur="700">
-        <p:fade/>
-      </p:transition>
-    </mc:Choice>
-    <mc:Fallback xmlns="">
-      <p:transition spd="med">
-        <p:fade/>
-      </p:transition>
-    </mc:Fallback>
-  </mc:AlternateContent>
-</p:sld>
-</file>
-
-<file path=ppt/slides/slide11.xml><?xml version="1.0" encoding="utf-8"?>
-<p:sld xmlns:a="http://schemas.openxmlformats.org/drawingml/2006/main" xmlns:r="http://schemas.openxmlformats.org/officeDocument/2006/relationships" xmlns:p="http://schemas.openxmlformats.org/presentationml/2006/main">
-  <p:cSld>
-    <p:spTree>
-      <p:nvGrpSpPr>
-        <p:cNvPr id="1" name=""/>
-        <p:cNvGrpSpPr/>
-        <p:nvPr/>
-      </p:nvGrpSpPr>
-      <p:grpSpPr>
-        <a:xfrm>
-          <a:off x="0" y="0"/>
-          <a:ext cx="0" cy="0"/>
-          <a:chOff x="0" y="0"/>
-          <a:chExt cx="0" cy="0"/>
-        </a:xfrm>
-      </p:grpSpPr>
-      <p:sp>
-        <p:nvSpPr>
-          <p:cNvPr id="2" name="Titre 1"/>
-          <p:cNvSpPr>
-            <a:spLocks noGrp="1"/>
-          </p:cNvSpPr>
-          <p:nvPr>
-            <p:ph type="title"/>
-          </p:nvPr>
-        </p:nvSpPr>
-        <p:spPr/>
-        <p:txBody>
-          <a:bodyPr/>
-          <a:lstStyle/>
-          <a:p>
-            <a:endParaRPr lang="fr-FR" noProof="1"/>
-          </a:p>
-        </p:txBody>
-      </p:sp>
-      <p:sp>
-        <p:nvSpPr>
-          <p:cNvPr id="3" name="Espace réservé du contenu 2"/>
-          <p:cNvSpPr>
-            <a:spLocks noGrp="1"/>
-          </p:cNvSpPr>
-          <p:nvPr>
-            <p:ph idx="1"/>
-          </p:nvPr>
-        </p:nvSpPr>
-        <p:spPr/>
-        <p:txBody>
-          <a:bodyPr/>
-          <a:lstStyle/>
-          <a:p>
-            <a:endParaRPr lang="fr-FR" noProof="1"/>
-          </a:p>
-        </p:txBody>
-      </p:sp>
-      <p:sp>
-        <p:nvSpPr>
-          <p:cNvPr id="4" name="Espace réservé du texte 3"/>
-          <p:cNvSpPr>
-            <a:spLocks noGrp="1"/>
-          </p:cNvSpPr>
-          <p:nvPr>
-            <p:ph type="body" sz="half" idx="2"/>
-          </p:nvPr>
-        </p:nvSpPr>
-        <p:spPr/>
-        <p:txBody>
-          <a:bodyPr/>
-          <a:lstStyle/>
-          <a:p>
-            <a:endParaRPr lang="fr-FR" noProof="1"/>
-          </a:p>
-        </p:txBody>
-      </p:sp>
-    </p:spTree>
-    <p:extLst>
-      <p:ext uri="{BB962C8B-B14F-4D97-AF65-F5344CB8AC3E}">
-        <p14:creationId xmlns:p14="http://schemas.microsoft.com/office/powerpoint/2010/main" val="332843759"/>
-      </p:ext>
-    </p:extLst>
-  </p:cSld>
-  <p:clrMapOvr>
-    <a:masterClrMapping/>
-  </p:clrMapOvr>
-  <mc:AlternateContent xmlns:mc="http://schemas.openxmlformats.org/markup-compatibility/2006" xmlns:p14="http://schemas.microsoft.com/office/powerpoint/2010/main">
-    <mc:Choice Requires="p14">
-      <p:transition spd="med" p14:dur="700">
-        <p:fade/>
-      </p:transition>
-    </mc:Choice>
-    <mc:Fallback xmlns="">
-      <p:transition spd="med">
-        <p:fade/>
-      </p:transition>
-    </mc:Fallback>
-  </mc:AlternateContent>
-</p:sld>
-</file>
-
-<file path=ppt/slides/slide12.xml><?xml version="1.0" encoding="utf-8"?>
-<p:sld xmlns:a="http://schemas.openxmlformats.org/drawingml/2006/main" xmlns:r="http://schemas.openxmlformats.org/officeDocument/2006/relationships" xmlns:p="http://schemas.openxmlformats.org/presentationml/2006/main">
-  <p:cSld>
-    <p:spTree>
-      <p:nvGrpSpPr>
-        <p:cNvPr id="1" name=""/>
-        <p:cNvGrpSpPr/>
-        <p:nvPr/>
-      </p:nvGrpSpPr>
-      <p:grpSpPr>
-        <a:xfrm>
-          <a:off x="0" y="0"/>
-          <a:ext cx="0" cy="0"/>
-          <a:chOff x="0" y="0"/>
-          <a:chExt cx="0" cy="0"/>
-        </a:xfrm>
-      </p:grpSpPr>
-      <p:sp>
-        <p:nvSpPr>
-          <p:cNvPr id="2" name="Titre 1"/>
-          <p:cNvSpPr>
-            <a:spLocks noGrp="1"/>
-          </p:cNvSpPr>
-          <p:nvPr>
-            <p:ph type="title"/>
-          </p:nvPr>
-        </p:nvSpPr>
-        <p:spPr/>
-        <p:txBody>
-          <a:bodyPr/>
-          <a:lstStyle/>
-          <a:p>
-            <a:endParaRPr lang="fr-FR" noProof="1"/>
-          </a:p>
-        </p:txBody>
-      </p:sp>
-      <p:sp>
-        <p:nvSpPr>
-          <p:cNvPr id="3" name="Espace réservé de l’image 2"/>
-          <p:cNvSpPr>
-            <a:spLocks noGrp="1"/>
-          </p:cNvSpPr>
-          <p:nvPr>
-            <p:ph type="pic" idx="1"/>
-          </p:nvPr>
-        </p:nvSpPr>
-        <p:spPr/>
-      </p:sp>
-      <p:sp>
-        <p:nvSpPr>
-          <p:cNvPr id="4" name="Espace réservé du texte 3"/>
-          <p:cNvSpPr>
-            <a:spLocks noGrp="1"/>
-          </p:cNvSpPr>
-          <p:nvPr>
-            <p:ph type="body" sz="half" idx="2"/>
-          </p:nvPr>
-        </p:nvSpPr>
-        <p:spPr/>
-        <p:txBody>
-          <a:bodyPr/>
-          <a:lstStyle/>
-          <a:p>
-            <a:endParaRPr lang="fr-FR" noProof="1"/>
-          </a:p>
-        </p:txBody>
-      </p:sp>
-    </p:spTree>
-    <p:extLst>
-      <p:ext uri="{BB962C8B-B14F-4D97-AF65-F5344CB8AC3E}">
-        <p14:creationId xmlns:p14="http://schemas.microsoft.com/office/powerpoint/2010/main" val="4129926194"/>
-      </p:ext>
-    </p:extLst>
-  </p:cSld>
-  <p:clrMapOvr>
-    <a:masterClrMapping/>
-  </p:clrMapOvr>
-  <mc:AlternateContent xmlns:mc="http://schemas.openxmlformats.org/markup-compatibility/2006" xmlns:p14="http://schemas.microsoft.com/office/powerpoint/2010/main">
-    <mc:Choice Requires="p14">
-      <p:transition spd="med" p14:dur="700">
-        <p:fade/>
-      </p:transition>
-    </mc:Choice>
-    <mc:Fallback xmlns="">
-      <p:transition spd="med">
-        <p:fade/>
-      </p:transition>
-    </mc:Fallback>
-  </mc:AlternateContent>
-</p:sld>
-</file>
-
-<file path=ppt/slides/slide13.xml><?xml version="1.0" encoding="utf-8"?>
-<p:sld xmlns:a="http://schemas.openxmlformats.org/drawingml/2006/main" xmlns:r="http://schemas.openxmlformats.org/officeDocument/2006/relationships" xmlns:p="http://schemas.openxmlformats.org/presentationml/2006/main">
-  <p:cSld>
-    <p:spTree>
-      <p:nvGrpSpPr>
-        <p:cNvPr id="1" name=""/>
-        <p:cNvGrpSpPr/>
-        <p:nvPr/>
-      </p:nvGrpSpPr>
-      <p:grpSpPr>
-        <a:xfrm>
-          <a:off x="0" y="0"/>
-          <a:ext cx="0" cy="0"/>
-          <a:chOff x="0" y="0"/>
-          <a:chExt cx="0" cy="0"/>
-        </a:xfrm>
-      </p:grpSpPr>
-      <p:sp>
-        <p:nvSpPr>
-          <p:cNvPr id="2" name="Titre 1"/>
-          <p:cNvSpPr>
-            <a:spLocks noGrp="1"/>
-          </p:cNvSpPr>
-          <p:nvPr>
-            <p:ph type="title"/>
-          </p:nvPr>
-        </p:nvSpPr>
-        <p:spPr/>
-        <p:txBody>
-          <a:bodyPr/>
-          <a:lstStyle/>
-          <a:p>
-            <a:endParaRPr lang="fr-FR" noProof="1"/>
-          </a:p>
-        </p:txBody>
-      </p:sp>
-      <p:sp>
-        <p:nvSpPr>
-          <p:cNvPr id="3" name="Espace réservé du texte 2"/>
-          <p:cNvSpPr>
-            <a:spLocks noGrp="1"/>
-          </p:cNvSpPr>
-          <p:nvPr>
-            <p:ph type="body" sz="half" idx="2"/>
-          </p:nvPr>
-        </p:nvSpPr>
-        <p:spPr/>
-        <p:txBody>
-          <a:bodyPr/>
-          <a:lstStyle/>
-          <a:p>
-            <a:endParaRPr lang="fr-FR" noProof="1"/>
-          </a:p>
-        </p:txBody>
-      </p:sp>
-      <p:sp>
-        <p:nvSpPr>
-          <p:cNvPr id="4" name="Espace réservé du texte 3"/>
-          <p:cNvSpPr>
-            <a:spLocks noGrp="1"/>
-          </p:cNvSpPr>
-          <p:nvPr>
-            <p:ph type="body" sz="half" idx="14"/>
-          </p:nvPr>
-        </p:nvSpPr>
-        <p:spPr/>
-        <p:txBody>
-          <a:bodyPr/>
-          <a:lstStyle/>
-          <a:p>
-            <a:endParaRPr lang="fr-FR" noProof="1"/>
-          </a:p>
-        </p:txBody>
-      </p:sp>
-      <p:sp>
-        <p:nvSpPr>
-          <p:cNvPr id="5" name="Espace réservé de l’image 4"/>
-          <p:cNvSpPr>
-            <a:spLocks noGrp="1"/>
-          </p:cNvSpPr>
-          <p:nvPr>
-            <p:ph type="pic" idx="1"/>
-          </p:nvPr>
-        </p:nvSpPr>
-        <p:spPr/>
-      </p:sp>
-      <p:sp>
-        <p:nvSpPr>
-          <p:cNvPr id="6" name="Espace réservé de l’image 5"/>
-          <p:cNvSpPr>
-            <a:spLocks noGrp="1"/>
-          </p:cNvSpPr>
-          <p:nvPr>
-            <p:ph type="pic" idx="13"/>
-          </p:nvPr>
-        </p:nvSpPr>
-        <p:spPr/>
-      </p:sp>
-    </p:spTree>
-    <p:extLst>
-      <p:ext uri="{BB962C8B-B14F-4D97-AF65-F5344CB8AC3E}">
-        <p14:creationId xmlns:p14="http://schemas.microsoft.com/office/powerpoint/2010/main" val="188841400"/>
-      </p:ext>
-    </p:extLst>
-  </p:cSld>
-  <p:clrMapOvr>
-    <a:masterClrMapping/>
-  </p:clrMapOvr>
-  <mc:AlternateContent xmlns:mc="http://schemas.openxmlformats.org/markup-compatibility/2006" xmlns:p14="http://schemas.microsoft.com/office/powerpoint/2010/main">
-    <mc:Choice Requires="p14">
-      <p:transition spd="med" p14:dur="700">
-        <p:fade/>
-      </p:transition>
-    </mc:Choice>
-    <mc:Fallback xmlns="">
-      <p:transition spd="med">
-        <p:fade/>
-      </p:transition>
-    </mc:Fallback>
-  </mc:AlternateContent>
-</p:sld>
-</file>
-
 <file path=ppt/slides/slide2.xml><?xml version="1.0" encoding="utf-8"?>
 <p:sld xmlns:a="http://schemas.openxmlformats.org/drawingml/2006/main" xmlns:r="http://schemas.openxmlformats.org/officeDocument/2006/relationships" xmlns:p="http://schemas.openxmlformats.org/presentationml/2006/main">
   <p:cSld>
@@ -9503,30 +5634,42 @@
               <a:rPr lang="fr-FR" noProof="1" smtClean="0"/>
               <a:t>Introduction</a:t>
             </a:r>
-            <a:endParaRPr lang="fr-FR" noProof="1" smtClean="0"/>
-          </a:p>
-          <a:p>
-            <a:pPr>
+          </a:p>
+          <a:p>
+            <a:pPr marL="457200" indent="-457200">
               <a:buClr>
                 <a:srgbClr val="595959"/>
               </a:buClr>
+              <a:buFont typeface="+mj-lt"/>
+              <a:buAutoNum type="arabicPeriod"/>
             </a:pPr>
             <a:r>
               <a:rPr lang="fr-FR" noProof="1" smtClean="0"/>
-              <a:t>Ajouter le texte de la deuxième puce ici</a:t>
-            </a:r>
-          </a:p>
-          <a:p>
-            <a:pPr>
+              <a:t>Étude d’opportunité</a:t>
+            </a:r>
+          </a:p>
+          <a:p>
+            <a:pPr marL="457200" indent="-457200">
               <a:buClr>
                 <a:srgbClr val="595959"/>
               </a:buClr>
+              <a:buFont typeface="+mj-lt"/>
+              <a:buAutoNum type="arabicPeriod"/>
             </a:pPr>
             <a:r>
               <a:rPr lang="fr-FR" noProof="1" smtClean="0"/>
-              <a:t>Ajouter le texte de la troisième puce ici</a:t>
-            </a:r>
-            <a:endParaRPr lang="fr-FR" noProof="1"/>
+              <a:t>Fonctionnalités</a:t>
+            </a:r>
+          </a:p>
+          <a:p>
+            <a:pPr marL="457200" indent="-457200">
+              <a:buClr>
+                <a:srgbClr val="595959"/>
+              </a:buClr>
+              <a:buFont typeface="+mj-lt"/>
+              <a:buAutoNum type="arabicPeriod"/>
+            </a:pPr>
+            <a:endParaRPr lang="fr-FR" noProof="1" smtClean="0"/>
           </a:p>
         </p:txBody>
       </p:sp>
@@ -9552,6 +5695,13 @@
       </p:transition>
     </mc:Fallback>
   </mc:AlternateContent>
+  <p:timing>
+    <p:tnLst>
+      <p:par>
+        <p:cTn id="1" dur="indefinite" restart="never" nodeType="tmRoot"/>
+      </p:par>
+    </p:tnLst>
+  </p:timing>
 </p:sld>
 </file>
 
@@ -9591,37 +5741,49 @@
           <a:p>
             <a:r>
               <a:rPr lang="fr-FR" noProof="1" smtClean="0"/>
-              <a:t>Disposition Titre et contenu avec graphique</a:t>
+              <a:t>Introduction</a:t>
             </a:r>
             <a:endParaRPr lang="fr-FR" noProof="1"/>
           </a:p>
         </p:txBody>
       </p:sp>
-      <p:graphicFrame>
-        <p:nvGraphicFramePr>
-          <p:cNvPr id="6" name="Espace réservé du contenu 5" descr="Histogramme groupé" title="Graphique"/>
-          <p:cNvGraphicFramePr>
-            <a:graphicFrameLocks noGrp="1"/>
-          </p:cNvGraphicFramePr>
+      <p:sp>
+        <p:nvSpPr>
+          <p:cNvPr id="3" name="Espace réservé du contenu 2"/>
+          <p:cNvSpPr>
+            <a:spLocks noGrp="1"/>
+          </p:cNvSpPr>
           <p:nvPr>
             <p:ph idx="1"/>
-            <p:extLst>
-              <p:ext uri="{D42A27DB-BD31-4B8C-83A1-F6EECF244321}">
-                <p14:modId xmlns:p14="http://schemas.microsoft.com/office/powerpoint/2010/main" val="1451930721"/>
-              </p:ext>
-            </p:extLst>
-          </p:nvPr>
-        </p:nvGraphicFramePr>
-        <p:xfrm>
-          <a:off x="1295400" y="1828800"/>
-          <a:ext cx="9601200" cy="4343400"/>
-        </p:xfrm>
-        <a:graphic>
-          <a:graphicData uri="http://schemas.openxmlformats.org/drawingml/2006/chart">
-            <c:chart xmlns:c="http://schemas.openxmlformats.org/drawingml/2006/chart" xmlns:r="http://schemas.openxmlformats.org/officeDocument/2006/relationships" r:id="rId2"/>
-          </a:graphicData>
-        </a:graphic>
-      </p:graphicFrame>
+          </p:nvPr>
+        </p:nvSpPr>
+        <p:spPr/>
+        <p:txBody>
+          <a:bodyPr/>
+          <a:lstStyle/>
+          <a:p>
+            <a:r>
+              <a:rPr lang="fr-CH" dirty="0" smtClean="0"/>
+              <a:t>Sujet</a:t>
+            </a:r>
+          </a:p>
+          <a:p>
+            <a:r>
+              <a:rPr lang="fr-CH" dirty="0" smtClean="0"/>
+              <a:t>Pourquoi ce sujet?</a:t>
+            </a:r>
+          </a:p>
+          <a:p>
+            <a:r>
+              <a:rPr lang="fr-CH" dirty="0" smtClean="0"/>
+              <a:t>Comment?</a:t>
+            </a:r>
+          </a:p>
+          <a:p>
+            <a:endParaRPr lang="fr-CH" dirty="0"/>
+          </a:p>
+        </p:txBody>
+      </p:sp>
     </p:spTree>
     <p:extLst>
       <p:ext uri="{BB962C8B-B14F-4D97-AF65-F5344CB8AC3E}">
@@ -9644,6 +5806,13 @@
       </p:transition>
     </mc:Fallback>
   </mc:AlternateContent>
+  <p:timing>
+    <p:tnLst>
+      <p:par>
+        <p:cTn id="1" dur="indefinite" restart="never" nodeType="tmRoot"/>
+      </p:par>
+    </p:tnLst>
+  </p:timing>
 </p:sld>
 </file>
 
@@ -9676,16 +5845,14 @@
         </p:nvSpPr>
         <p:spPr/>
         <p:txBody>
-          <a:bodyPr>
-            <a:normAutofit/>
-          </a:bodyPr>
-          <a:lstStyle/>
-          <a:p>
-            <a:r>
-              <a:rPr lang="fr-FR" noProof="1" smtClean="0"/>
-              <a:t>Disposition Deux contenus avec tableau</a:t>
-            </a:r>
-            <a:endParaRPr lang="fr-FR" noProof="1"/>
+          <a:bodyPr/>
+          <a:lstStyle/>
+          <a:p>
+            <a:r>
+              <a:rPr lang="fr-CH" dirty="0" smtClean="0"/>
+              <a:t>Étude d’opportunité</a:t>
+            </a:r>
+            <a:endParaRPr lang="fr-CH" dirty="0"/>
           </a:p>
         </p:txBody>
       </p:sp>
@@ -9696,291 +5863,159 @@
             <a:spLocks noGrp="1"/>
           </p:cNvSpPr>
           <p:nvPr>
-            <p:ph sz="half" idx="1"/>
+            <p:ph idx="1"/>
           </p:nvPr>
         </p:nvSpPr>
         <p:spPr/>
         <p:txBody>
-          <a:bodyPr>
-            <a:normAutofit/>
-          </a:bodyPr>
-          <a:lstStyle/>
-          <a:p>
-            <a:pPr>
-              <a:buClr>
-                <a:srgbClr val="595959"/>
-              </a:buClr>
-            </a:pPr>
-            <a:r>
-              <a:rPr lang="fr-FR" noProof="1" smtClean="0"/>
-              <a:t>Texte de la première puce ici</a:t>
-            </a:r>
-          </a:p>
-          <a:p>
-            <a:pPr>
-              <a:buClr>
-                <a:srgbClr val="595959"/>
-              </a:buClr>
-            </a:pPr>
-            <a:r>
-              <a:rPr lang="fr-FR" noProof="1" smtClean="0"/>
-              <a:t>Texte de la deuxième puce ici</a:t>
-            </a:r>
-          </a:p>
-          <a:p>
-            <a:pPr>
-              <a:buClr>
-                <a:srgbClr val="595959"/>
-              </a:buClr>
-            </a:pPr>
-            <a:r>
-              <a:rPr lang="fr-FR" noProof="1" smtClean="0"/>
-              <a:t>Texte de la troisième puce ici</a:t>
-            </a:r>
-            <a:endParaRPr lang="fr-FR" noProof="1"/>
-          </a:p>
-        </p:txBody>
-      </p:sp>
-      <p:graphicFrame>
-        <p:nvGraphicFramePr>
-          <p:cNvPr id="5" name="Espace réservé du contenu 4" descr="Exemple de tableau à 3 colonnes et 4 lignes" title="Tableau"/>
-          <p:cNvGraphicFramePr>
-            <a:graphicFrameLocks noGrp="1"/>
-          </p:cNvGraphicFramePr>
-          <p:nvPr>
-            <p:ph sz="half" idx="2"/>
-            <p:extLst>
-              <p:ext uri="{D42A27DB-BD31-4B8C-83A1-F6EECF244321}">
-                <p14:modId xmlns:p14="http://schemas.microsoft.com/office/powerpoint/2010/main" val="3845282852"/>
-              </p:ext>
-            </p:extLst>
-          </p:nvPr>
-        </p:nvGraphicFramePr>
-        <p:xfrm>
-          <a:off x="6324600" y="1828800"/>
-          <a:ext cx="4572000" cy="2298700"/>
-        </p:xfrm>
-        <a:graphic>
-          <a:graphicData uri="http://schemas.openxmlformats.org/drawingml/2006/table">
-            <a:tbl>
-              <a:tblPr firstRow="1" bandRow="1">
-                <a:tableStyleId>{5C22544A-7EE6-4342-B048-85BDC9FD1C3A}</a:tableStyleId>
-              </a:tblPr>
-              <a:tblGrid>
-                <a:gridCol w="1524000"/>
-                <a:gridCol w="1524000"/>
-                <a:gridCol w="1524000"/>
-              </a:tblGrid>
-              <a:tr h="574675">
-                <a:tc>
-                  <a:txBody>
-                    <a:bodyPr/>
-                    <a:lstStyle/>
-                    <a:p>
-                      <a:pPr algn="ctr"/>
-                      <a:endParaRPr lang="fr-FR" noProof="1"/>
-                    </a:p>
-                  </a:txBody>
-                  <a:tcPr anchor="ctr"/>
-                </a:tc>
-                <a:tc>
-                  <a:txBody>
-                    <a:bodyPr/>
-                    <a:lstStyle/>
-                    <a:p>
-                      <a:pPr algn="ctr"/>
-                      <a:r>
-                        <a:rPr lang="fr-FR" noProof="1" smtClean="0"/>
-                        <a:t>Groupe A</a:t>
-                      </a:r>
-                      <a:endParaRPr lang="fr-FR" noProof="1"/>
-                    </a:p>
-                  </a:txBody>
-                  <a:tcPr anchor="ctr"/>
-                </a:tc>
-                <a:tc>
-                  <a:txBody>
-                    <a:bodyPr/>
-                    <a:lstStyle/>
-                    <a:p>
-                      <a:pPr algn="ctr"/>
-                      <a:r>
-                        <a:rPr lang="fr-FR" noProof="1" smtClean="0"/>
-                        <a:t>Groupe B</a:t>
-                      </a:r>
-                      <a:endParaRPr lang="fr-FR" noProof="1"/>
-                    </a:p>
-                  </a:txBody>
-                  <a:tcPr anchor="ctr"/>
-                </a:tc>
-              </a:tr>
-              <a:tr h="574675">
-                <a:tc>
-                  <a:txBody>
-                    <a:bodyPr/>
-                    <a:lstStyle/>
-                    <a:p>
-                      <a:pPr algn="ctr"/>
-                      <a:r>
-                        <a:rPr lang="fr-FR" noProof="1" smtClean="0"/>
-                        <a:t>Classe 1</a:t>
-                      </a:r>
-                      <a:endParaRPr lang="fr-FR" noProof="1"/>
-                    </a:p>
-                  </a:txBody>
-                  <a:tcPr anchor="ctr"/>
-                </a:tc>
-                <a:tc>
-                  <a:txBody>
-                    <a:bodyPr/>
-                    <a:lstStyle/>
-                    <a:p>
-                      <a:pPr algn="ctr"/>
-                      <a:r>
-                        <a:rPr lang="fr-FR" noProof="1" smtClean="0"/>
-                        <a:t>82</a:t>
-                      </a:r>
-                      <a:endParaRPr lang="fr-FR" noProof="1"/>
-                    </a:p>
-                  </a:txBody>
-                  <a:tcPr anchor="ctr"/>
-                </a:tc>
-                <a:tc>
-                  <a:txBody>
-                    <a:bodyPr/>
-                    <a:lstStyle/>
-                    <a:p>
-                      <a:pPr algn="ctr"/>
-                      <a:r>
-                        <a:rPr lang="fr-FR" noProof="1" smtClean="0"/>
-                        <a:t>95</a:t>
-                      </a:r>
-                      <a:endParaRPr lang="fr-FR" noProof="1"/>
-                    </a:p>
-                  </a:txBody>
-                  <a:tcPr anchor="ctr"/>
-                </a:tc>
-              </a:tr>
-              <a:tr h="574675">
-                <a:tc>
-                  <a:txBody>
-                    <a:bodyPr/>
-                    <a:lstStyle/>
-                    <a:p>
-                      <a:pPr algn="ctr"/>
-                      <a:r>
-                        <a:rPr lang="fr-FR" noProof="1" smtClean="0"/>
-                        <a:t>Classe 2</a:t>
-                      </a:r>
-                      <a:endParaRPr lang="fr-FR" noProof="1"/>
-                    </a:p>
-                  </a:txBody>
-                  <a:tcPr anchor="ctr"/>
-                </a:tc>
-                <a:tc>
-                  <a:txBody>
-                    <a:bodyPr/>
-                    <a:lstStyle/>
-                    <a:p>
-                      <a:pPr algn="ctr"/>
-                      <a:r>
-                        <a:rPr lang="fr-FR" noProof="1" smtClean="0"/>
-                        <a:t>76</a:t>
-                      </a:r>
-                      <a:endParaRPr lang="fr-FR" noProof="1"/>
-                    </a:p>
-                  </a:txBody>
-                  <a:tcPr anchor="ctr"/>
-                </a:tc>
-                <a:tc>
-                  <a:txBody>
-                    <a:bodyPr/>
-                    <a:lstStyle/>
-                    <a:p>
-                      <a:pPr algn="ctr"/>
-                      <a:r>
-                        <a:rPr lang="fr-FR" noProof="1" smtClean="0"/>
-                        <a:t>88</a:t>
-                      </a:r>
-                      <a:endParaRPr lang="fr-FR" noProof="1"/>
-                    </a:p>
-                  </a:txBody>
-                  <a:tcPr anchor="ctr"/>
-                </a:tc>
-              </a:tr>
-              <a:tr h="574675">
-                <a:tc>
-                  <a:txBody>
-                    <a:bodyPr/>
-                    <a:lstStyle/>
-                    <a:p>
-                      <a:pPr algn="ctr"/>
-                      <a:r>
-                        <a:rPr lang="fr-FR" noProof="1" smtClean="0"/>
-                        <a:t>Classe 3</a:t>
-                      </a:r>
-                      <a:endParaRPr lang="fr-FR" noProof="1"/>
-                    </a:p>
-                  </a:txBody>
-                  <a:tcPr anchor="ctr"/>
-                </a:tc>
-                <a:tc>
-                  <a:txBody>
-                    <a:bodyPr/>
-                    <a:lstStyle/>
-                    <a:p>
-                      <a:pPr algn="ctr"/>
-                      <a:r>
-                        <a:rPr lang="fr-FR" noProof="1" smtClean="0"/>
-                        <a:t>84</a:t>
-                      </a:r>
-                      <a:endParaRPr lang="fr-FR" noProof="1"/>
-                    </a:p>
-                  </a:txBody>
-                  <a:tcPr anchor="ctr"/>
-                </a:tc>
-                <a:tc>
-                  <a:txBody>
-                    <a:bodyPr/>
-                    <a:lstStyle/>
-                    <a:p>
-                      <a:pPr algn="ctr"/>
-                      <a:r>
-                        <a:rPr lang="fr-FR" noProof="1" smtClean="0"/>
-                        <a:t>90</a:t>
-                      </a:r>
-                      <a:endParaRPr lang="fr-FR" noProof="1"/>
-                    </a:p>
-                  </a:txBody>
-                  <a:tcPr anchor="ctr"/>
-                </a:tc>
-              </a:tr>
-            </a:tbl>
-          </a:graphicData>
-        </a:graphic>
-      </p:graphicFrame>
+          <a:bodyPr/>
+          <a:lstStyle/>
+          <a:p>
+            <a:r>
+              <a:rPr lang="fr-CH" dirty="0" err="1" smtClean="0"/>
+              <a:t>Balestrafic</a:t>
+            </a:r>
+            <a:endParaRPr lang="fr-CH" dirty="0" smtClean="0"/>
+          </a:p>
+          <a:p>
+            <a:pPr lvl="1"/>
+            <a:r>
+              <a:rPr lang="fr-CH" dirty="0" smtClean="0"/>
+              <a:t>Calcul du volume</a:t>
+            </a:r>
+            <a:endParaRPr lang="fr-CH" dirty="0"/>
+          </a:p>
+        </p:txBody>
+      </p:sp>
+      <p:pic>
+        <p:nvPicPr>
+          <p:cNvPr id="4" name="Image 3"/>
+          <p:cNvPicPr>
+            <a:picLocks noChangeAspect="1"/>
+          </p:cNvPicPr>
+          <p:nvPr/>
+        </p:nvPicPr>
+        <p:blipFill>
+          <a:blip r:embed="rId2"/>
+          <a:stretch>
+            <a:fillRect/>
+          </a:stretch>
+        </p:blipFill>
+        <p:spPr>
+          <a:xfrm>
+            <a:off x="4435698" y="2061279"/>
+            <a:ext cx="7245439" cy="3878441"/>
+          </a:xfrm>
+          <a:prstGeom prst="rect">
+            <a:avLst/>
+          </a:prstGeom>
+        </p:spPr>
+      </p:pic>
     </p:spTree>
     <p:extLst>
       <p:ext uri="{BB962C8B-B14F-4D97-AF65-F5344CB8AC3E}">
-        <p14:creationId xmlns:p14="http://schemas.microsoft.com/office/powerpoint/2010/main" val="4213855386"/>
+        <p14:creationId xmlns:p14="http://schemas.microsoft.com/office/powerpoint/2010/main" val="1910972685"/>
       </p:ext>
     </p:extLst>
   </p:cSld>
   <p:clrMapOvr>
     <a:masterClrMapping/>
   </p:clrMapOvr>
-  <mc:AlternateContent xmlns:mc="http://schemas.openxmlformats.org/markup-compatibility/2006" xmlns:p14="http://schemas.microsoft.com/office/powerpoint/2010/main">
-    <mc:Choice Requires="p14">
+  <mc:AlternateContent xmlns:mc="http://schemas.openxmlformats.org/markup-compatibility/2006">
+    <mc:Choice xmlns:p14="http://schemas.microsoft.com/office/powerpoint/2010/main" Requires="p14">
       <p:transition spd="med" p14:dur="700">
         <p:fade/>
       </p:transition>
     </mc:Choice>
-    <mc:Fallback xmlns="">
+    <mc:Fallback>
       <p:transition spd="med">
         <p:fade/>
       </p:transition>
     </mc:Fallback>
   </mc:AlternateContent>
+  <p:timing>
+    <p:tnLst>
+      <p:par>
+        <p:cTn id="1" dur="indefinite" restart="never" nodeType="tmRoot">
+          <p:childTnLst>
+            <p:seq concurrent="1" nextAc="seek">
+              <p:cTn id="2" dur="indefinite" nodeType="mainSeq">
+                <p:childTnLst>
+                  <p:par>
+                    <p:cTn id="3" fill="hold">
+                      <p:stCondLst>
+                        <p:cond delay="indefinite"/>
+                      </p:stCondLst>
+                      <p:childTnLst>
+                        <p:par>
+                          <p:cTn id="4" fill="hold">
+                            <p:stCondLst>
+                              <p:cond delay="0"/>
+                            </p:stCondLst>
+                            <p:childTnLst>
+                              <p:par>
+                                <p:cTn id="5" presetID="10" presetClass="entr" presetSubtype="0" fill="hold" nodeType="clickEffect">
+                                  <p:stCondLst>
+                                    <p:cond delay="0"/>
+                                  </p:stCondLst>
+                                  <p:childTnLst>
+                                    <p:set>
+                                      <p:cBhvr>
+                                        <p:cTn id="6" dur="1" fill="hold">
+                                          <p:stCondLst>
+                                            <p:cond delay="0"/>
+                                          </p:stCondLst>
+                                        </p:cTn>
+                                        <p:tgtEl>
+                                          <p:spTgt spid="4"/>
+                                        </p:tgtEl>
+                                        <p:attrNameLst>
+                                          <p:attrName>style.visibility</p:attrName>
+                                        </p:attrNameLst>
+                                      </p:cBhvr>
+                                      <p:to>
+                                        <p:strVal val="visible"/>
+                                      </p:to>
+                                    </p:set>
+                                    <p:animEffect transition="in" filter="fade">
+                                      <p:cBhvr>
+                                        <p:cTn id="7" dur="500"/>
+                                        <p:tgtEl>
+                                          <p:spTgt spid="4"/>
+                                        </p:tgtEl>
+                                      </p:cBhvr>
+                                    </p:animEffect>
+                                  </p:childTnLst>
+                                </p:cTn>
+                              </p:par>
+                            </p:childTnLst>
+                          </p:cTn>
+                        </p:par>
+                      </p:childTnLst>
+                    </p:cTn>
+                  </p:par>
+                </p:childTnLst>
+              </p:cTn>
+              <p:prevCondLst>
+                <p:cond evt="onPrev" delay="0">
+                  <p:tgtEl>
+                    <p:sldTgt/>
+                  </p:tgtEl>
+                </p:cond>
+              </p:prevCondLst>
+              <p:nextCondLst>
+                <p:cond evt="onNext" delay="0">
+                  <p:tgtEl>
+                    <p:sldTgt/>
+                  </p:tgtEl>
+                </p:cond>
+              </p:nextCondLst>
+            </p:seq>
+          </p:childTnLst>
+        </p:cTn>
+      </p:par>
+    </p:tnLst>
+  </p:timing>
 </p:sld>
 </file>
 
@@ -10013,66 +6048,181 @@
         </p:nvSpPr>
         <p:spPr/>
         <p:txBody>
-          <a:bodyPr>
-            <a:normAutofit/>
-          </a:bodyPr>
-          <a:lstStyle/>
-          <a:p>
-            <a:r>
-              <a:rPr lang="fr-FR" noProof="1" smtClean="0"/>
-              <a:t>Disposition Titre et contenu avec SmartArt</a:t>
-            </a:r>
-            <a:endParaRPr lang="fr-FR" noProof="1"/>
-          </a:p>
-        </p:txBody>
-      </p:sp>
-      <p:graphicFrame>
-        <p:nvGraphicFramePr>
-          <p:cNvPr id="6" name="Espace réservé du contenu 5" descr="Processus simple en chevrons" title="SmartArt"/>
-          <p:cNvGraphicFramePr>
-            <a:graphicFrameLocks noGrp="1"/>
-          </p:cNvGraphicFramePr>
+          <a:bodyPr/>
+          <a:lstStyle/>
+          <a:p>
+            <a:r>
+              <a:rPr lang="fr-CH" dirty="0" smtClean="0"/>
+              <a:t>Étude d’opportunités</a:t>
+            </a:r>
+            <a:endParaRPr lang="fr-CH" dirty="0"/>
+          </a:p>
+        </p:txBody>
+      </p:sp>
+      <p:sp>
+        <p:nvSpPr>
+          <p:cNvPr id="3" name="Espace réservé du contenu 2"/>
+          <p:cNvSpPr>
+            <a:spLocks noGrp="1"/>
+          </p:cNvSpPr>
           <p:nvPr>
             <p:ph idx="1"/>
-            <p:extLst>
-              <p:ext uri="{D42A27DB-BD31-4B8C-83A1-F6EECF244321}">
-                <p14:modId xmlns:p14="http://schemas.microsoft.com/office/powerpoint/2010/main" val="2366316373"/>
-              </p:ext>
-            </p:extLst>
-          </p:nvPr>
-        </p:nvGraphicFramePr>
-        <p:xfrm>
-          <a:off x="1295400" y="1828800"/>
-          <a:ext cx="9601200" cy="4343400"/>
-        </p:xfrm>
-        <a:graphic>
-          <a:graphicData uri="http://schemas.openxmlformats.org/drawingml/2006/diagram">
-            <dgm:relIds xmlns:dgm="http://schemas.openxmlformats.org/drawingml/2006/diagram" xmlns:r="http://schemas.openxmlformats.org/officeDocument/2006/relationships" r:dm="rId2" r:lo="rId3" r:qs="rId4" r:cs="rId5"/>
-          </a:graphicData>
-        </a:graphic>
-      </p:graphicFrame>
+          </p:nvPr>
+        </p:nvSpPr>
+        <p:spPr/>
+        <p:txBody>
+          <a:bodyPr/>
+          <a:lstStyle/>
+          <a:p>
+            <a:r>
+              <a:rPr lang="fr-CH" dirty="0" smtClean="0"/>
+              <a:t>L&amp;L</a:t>
+            </a:r>
+          </a:p>
+          <a:p>
+            <a:pPr lvl="1"/>
+            <a:r>
+              <a:rPr lang="fr-CH" dirty="0" smtClean="0"/>
+              <a:t>Calcul de montant manuel</a:t>
+            </a:r>
+          </a:p>
+          <a:p>
+            <a:pPr lvl="1"/>
+            <a:r>
+              <a:rPr lang="fr-CH" dirty="0" smtClean="0"/>
+              <a:t>Peu de personnalisation</a:t>
+            </a:r>
+            <a:endParaRPr lang="fr-CH" dirty="0"/>
+          </a:p>
+        </p:txBody>
+      </p:sp>
+      <p:pic>
+        <p:nvPicPr>
+          <p:cNvPr id="5" name="Image 4"/>
+          <p:cNvPicPr/>
+          <p:nvPr/>
+        </p:nvPicPr>
+        <p:blipFill>
+          <a:blip r:embed="rId2"/>
+          <a:stretch>
+            <a:fillRect/>
+          </a:stretch>
+        </p:blipFill>
+        <p:spPr>
+          <a:xfrm>
+            <a:off x="5138470" y="2117561"/>
+            <a:ext cx="6529789" cy="3765878"/>
+          </a:xfrm>
+          <a:prstGeom prst="rect">
+            <a:avLst/>
+          </a:prstGeom>
+        </p:spPr>
+      </p:pic>
     </p:spTree>
     <p:extLst>
       <p:ext uri="{BB962C8B-B14F-4D97-AF65-F5344CB8AC3E}">
-        <p14:creationId xmlns:p14="http://schemas.microsoft.com/office/powerpoint/2010/main" val="3112142608"/>
+        <p14:creationId xmlns:p14="http://schemas.microsoft.com/office/powerpoint/2010/main" val="2406228655"/>
       </p:ext>
     </p:extLst>
   </p:cSld>
   <p:clrMapOvr>
     <a:masterClrMapping/>
   </p:clrMapOvr>
-  <mc:AlternateContent xmlns:mc="http://schemas.openxmlformats.org/markup-compatibility/2006" xmlns:p14="http://schemas.microsoft.com/office/powerpoint/2010/main">
-    <mc:Choice Requires="p14">
+  <mc:AlternateContent xmlns:mc="http://schemas.openxmlformats.org/markup-compatibility/2006">
+    <mc:Choice xmlns:p14="http://schemas.microsoft.com/office/powerpoint/2010/main" Requires="p14">
       <p:transition spd="med" p14:dur="700">
         <p:fade/>
       </p:transition>
     </mc:Choice>
-    <mc:Fallback xmlns="">
+    <mc:Fallback>
       <p:transition spd="med">
         <p:fade/>
       </p:transition>
     </mc:Fallback>
   </mc:AlternateContent>
+  <p:timing>
+    <p:tnLst>
+      <p:par>
+        <p:cTn id="1" dur="indefinite" restart="never" nodeType="tmRoot">
+          <p:childTnLst>
+            <p:seq concurrent="1" nextAc="seek">
+              <p:cTn id="2" dur="indefinite" nodeType="mainSeq">
+                <p:childTnLst>
+                  <p:par>
+                    <p:cTn id="3" fill="hold">
+                      <p:stCondLst>
+                        <p:cond delay="indefinite"/>
+                      </p:stCondLst>
+                      <p:childTnLst>
+                        <p:par>
+                          <p:cTn id="4" fill="hold">
+                            <p:stCondLst>
+                              <p:cond delay="0"/>
+                            </p:stCondLst>
+                            <p:childTnLst>
+                              <p:par>
+                                <p:cTn id="5" presetID="10" presetClass="entr" presetSubtype="0" fill="hold" nodeType="clickEffect">
+                                  <p:stCondLst>
+                                    <p:cond delay="0"/>
+                                  </p:stCondLst>
+                                  <p:childTnLst>
+                                    <p:set>
+                                      <p:cBhvr>
+                                        <p:cTn id="6" dur="1" fill="hold">
+                                          <p:stCondLst>
+                                            <p:cond delay="0"/>
+                                          </p:stCondLst>
+                                        </p:cTn>
+                                        <p:tgtEl>
+                                          <p:spTgt spid="5"/>
+                                        </p:tgtEl>
+                                        <p:attrNameLst>
+                                          <p:attrName>style.visibility</p:attrName>
+                                        </p:attrNameLst>
+                                      </p:cBhvr>
+                                      <p:to>
+                                        <p:strVal val="visible"/>
+                                      </p:to>
+                                    </p:set>
+                                    <p:animEffect transition="in" filter="fade">
+                                      <p:cBhvr>
+                                        <p:cTn id="7" dur="500"/>
+                                        <p:tgtEl>
+                                          <p:spTgt spid="5"/>
+                                        </p:tgtEl>
+                                      </p:cBhvr>
+                                    </p:animEffect>
+                                  </p:childTnLst>
+                                </p:cTn>
+                              </p:par>
+                            </p:childTnLst>
+                          </p:cTn>
+                        </p:par>
+                      </p:childTnLst>
+                    </p:cTn>
+                  </p:par>
+                </p:childTnLst>
+              </p:cTn>
+              <p:prevCondLst>
+                <p:cond evt="onPrev" delay="0">
+                  <p:tgtEl>
+                    <p:sldTgt/>
+                  </p:tgtEl>
+                </p:cond>
+              </p:prevCondLst>
+              <p:nextCondLst>
+                <p:cond evt="onNext" delay="0">
+                  <p:tgtEl>
+                    <p:sldTgt/>
+                  </p:tgtEl>
+                </p:cond>
+              </p:nextCondLst>
+            </p:seq>
+          </p:childTnLst>
+        </p:cTn>
+      </p:par>
+    </p:tnLst>
+  </p:timing>
 </p:sld>
 </file>
 
@@ -10100,7 +6250,7 @@
             <a:spLocks noGrp="1"/>
           </p:cNvSpPr>
           <p:nvPr>
-            <p:ph type="ctrTitle"/>
+            <p:ph type="title"/>
           </p:nvPr>
         </p:nvSpPr>
         <p:spPr/>
@@ -10108,18 +6258,22 @@
           <a:bodyPr/>
           <a:lstStyle/>
           <a:p>
-            <a:endParaRPr lang="fr-FR" noProof="1"/>
-          </a:p>
-        </p:txBody>
-      </p:sp>
-      <p:sp>
-        <p:nvSpPr>
-          <p:cNvPr id="3" name="Sous-titre 2"/>
-          <p:cNvSpPr>
-            <a:spLocks noGrp="1"/>
-          </p:cNvSpPr>
-          <p:nvPr>
-            <p:ph type="subTitle" idx="1"/>
+            <a:r>
+              <a:rPr lang="fr-CH" dirty="0" smtClean="0"/>
+              <a:t>Fonctionnalités utilisateur</a:t>
+            </a:r>
+            <a:endParaRPr lang="fr-CH" dirty="0"/>
+          </a:p>
+        </p:txBody>
+      </p:sp>
+      <p:sp>
+        <p:nvSpPr>
+          <p:cNvPr id="3" name="Espace réservé du contenu 2"/>
+          <p:cNvSpPr>
+            <a:spLocks noGrp="1"/>
+          </p:cNvSpPr>
+          <p:nvPr>
+            <p:ph idx="1"/>
           </p:nvPr>
         </p:nvSpPr>
         <p:spPr/>
@@ -10127,32 +6281,108 @@
           <a:bodyPr/>
           <a:lstStyle/>
           <a:p>
-            <a:endParaRPr lang="fr-FR" noProof="1"/>
+            <a:r>
+              <a:rPr lang="fr-CH" dirty="0" smtClean="0"/>
+              <a:t>Utilisateur Anonyme:</a:t>
+            </a:r>
+          </a:p>
+          <a:p>
+            <a:pPr lvl="1"/>
+            <a:r>
+              <a:rPr lang="fr-CH" dirty="0"/>
+              <a:t>S’inscrire</a:t>
+            </a:r>
+          </a:p>
+          <a:p>
+            <a:pPr lvl="1"/>
+            <a:r>
+              <a:rPr lang="fr-CH" dirty="0"/>
+              <a:t>Se connecter</a:t>
+            </a:r>
+          </a:p>
+          <a:p>
+            <a:pPr lvl="1"/>
+            <a:r>
+              <a:rPr lang="fr-CH" dirty="0"/>
+              <a:t>Consulter le calculateur de devis</a:t>
+            </a:r>
+          </a:p>
+          <a:p>
+            <a:r>
+              <a:rPr lang="fr-CH" dirty="0" smtClean="0"/>
+              <a:t>Utilisateur Connecté:</a:t>
+            </a:r>
+          </a:p>
+          <a:p>
+            <a:pPr lvl="1"/>
+            <a:r>
+              <a:rPr lang="fr-CH" dirty="0" smtClean="0"/>
+              <a:t>Créer un devis</a:t>
+            </a:r>
+          </a:p>
+          <a:p>
+            <a:pPr lvl="1"/>
+            <a:r>
+              <a:rPr lang="fr-CH" dirty="0" smtClean="0"/>
+              <a:t>Consulter ses devis</a:t>
+            </a:r>
+          </a:p>
+          <a:p>
+            <a:pPr lvl="1"/>
+            <a:r>
+              <a:rPr lang="fr-CH" dirty="0" smtClean="0"/>
+              <a:t>Modifier ses devis</a:t>
+            </a:r>
+          </a:p>
+          <a:p>
+            <a:pPr lvl="1"/>
+            <a:r>
+              <a:rPr lang="fr-CH" dirty="0" smtClean="0"/>
+              <a:t>Supprimer ses devis</a:t>
+            </a:r>
+            <a:endParaRPr lang="fr-CH" dirty="0"/>
+          </a:p>
+          <a:p>
+            <a:endParaRPr lang="fr-CH" dirty="0" smtClean="0"/>
+          </a:p>
+          <a:p>
+            <a:endParaRPr lang="fr-CH" dirty="0" smtClean="0"/>
+          </a:p>
+          <a:p>
+            <a:pPr lvl="1"/>
+            <a:endParaRPr lang="fr-CH" dirty="0" smtClean="0"/>
           </a:p>
         </p:txBody>
       </p:sp>
     </p:spTree>
     <p:extLst>
       <p:ext uri="{BB962C8B-B14F-4D97-AF65-F5344CB8AC3E}">
-        <p14:creationId xmlns:p14="http://schemas.microsoft.com/office/powerpoint/2010/main" val="1636679273"/>
+        <p14:creationId xmlns:p14="http://schemas.microsoft.com/office/powerpoint/2010/main" val="1922623136"/>
       </p:ext>
     </p:extLst>
   </p:cSld>
   <p:clrMapOvr>
     <a:masterClrMapping/>
   </p:clrMapOvr>
-  <mc:AlternateContent xmlns:mc="http://schemas.openxmlformats.org/markup-compatibility/2006" xmlns:p14="http://schemas.microsoft.com/office/powerpoint/2010/main">
-    <mc:Choice Requires="p14">
+  <mc:AlternateContent xmlns:mc="http://schemas.openxmlformats.org/markup-compatibility/2006">
+    <mc:Choice xmlns:p14="http://schemas.microsoft.com/office/powerpoint/2010/main" Requires="p14">
       <p:transition spd="med" p14:dur="700">
         <p:fade/>
       </p:transition>
     </mc:Choice>
-    <mc:Fallback xmlns="">
+    <mc:Fallback>
       <p:transition spd="med">
         <p:fade/>
       </p:transition>
     </mc:Fallback>
   </mc:AlternateContent>
+  <p:timing>
+    <p:tnLst>
+      <p:par>
+        <p:cTn id="1" dur="indefinite" restart="never" nodeType="tmRoot"/>
+      </p:par>
+    </p:tnLst>
+  </p:timing>
 </p:sld>
 </file>
 
@@ -10188,18 +6418,22 @@
           <a:bodyPr/>
           <a:lstStyle/>
           <a:p>
-            <a:endParaRPr lang="fr-FR" noProof="1"/>
-          </a:p>
-        </p:txBody>
-      </p:sp>
-      <p:sp>
-        <p:nvSpPr>
-          <p:cNvPr id="3" name="Espace réservé du texte 2"/>
-          <p:cNvSpPr>
-            <a:spLocks noGrp="1"/>
-          </p:cNvSpPr>
-          <p:nvPr>
-            <p:ph type="body" idx="1"/>
+            <a:r>
+              <a:rPr lang="fr-CH" dirty="0" smtClean="0"/>
+              <a:t>Fonctionnalités administrateur</a:t>
+            </a:r>
+            <a:endParaRPr lang="fr-CH" dirty="0"/>
+          </a:p>
+        </p:txBody>
+      </p:sp>
+      <p:sp>
+        <p:nvSpPr>
+          <p:cNvPr id="3" name="Espace réservé du contenu 2"/>
+          <p:cNvSpPr>
+            <a:spLocks noGrp="1"/>
+          </p:cNvSpPr>
+          <p:nvPr>
+            <p:ph idx="1"/>
           </p:nvPr>
         </p:nvSpPr>
         <p:spPr/>
@@ -10207,32 +6441,60 @@
           <a:bodyPr/>
           <a:lstStyle/>
           <a:p>
-            <a:endParaRPr lang="fr-FR" noProof="1"/>
+            <a:r>
+              <a:rPr lang="fr-CH" dirty="0" smtClean="0"/>
+              <a:t>Possède les fonctionnalité d’utilisateur</a:t>
+            </a:r>
+          </a:p>
+          <a:p>
+            <a:r>
+              <a:rPr lang="fr-CH" dirty="0" smtClean="0"/>
+              <a:t>Accès aux pages de gestion d’utilisateurs et d’options</a:t>
+            </a:r>
+          </a:p>
+          <a:p>
+            <a:r>
+              <a:rPr lang="fr-CH" dirty="0" smtClean="0"/>
+              <a:t>Peut supprimer un utilisateur</a:t>
+            </a:r>
+          </a:p>
+          <a:p>
+            <a:r>
+              <a:rPr lang="fr-CH" dirty="0" smtClean="0"/>
+              <a:t>Effectuer un CRUD sur l’ensemble des options</a:t>
+            </a:r>
           </a:p>
         </p:txBody>
       </p:sp>
     </p:spTree>
     <p:extLst>
       <p:ext uri="{BB962C8B-B14F-4D97-AF65-F5344CB8AC3E}">
-        <p14:creationId xmlns:p14="http://schemas.microsoft.com/office/powerpoint/2010/main" val="3374778722"/>
+        <p14:creationId xmlns:p14="http://schemas.microsoft.com/office/powerpoint/2010/main" val="2690140186"/>
       </p:ext>
     </p:extLst>
   </p:cSld>
   <p:clrMapOvr>
     <a:masterClrMapping/>
   </p:clrMapOvr>
-  <mc:AlternateContent xmlns:mc="http://schemas.openxmlformats.org/markup-compatibility/2006" xmlns:p14="http://schemas.microsoft.com/office/powerpoint/2010/main">
-    <mc:Choice Requires="p14">
+  <mc:AlternateContent xmlns:mc="http://schemas.openxmlformats.org/markup-compatibility/2006">
+    <mc:Choice xmlns:p14="http://schemas.microsoft.com/office/powerpoint/2010/main" Requires="p14">
       <p:transition spd="med" p14:dur="700">
         <p:fade/>
       </p:transition>
     </mc:Choice>
-    <mc:Fallback xmlns="">
+    <mc:Fallback>
       <p:transition spd="med">
         <p:fade/>
       </p:transition>
     </mc:Fallback>
   </mc:AlternateContent>
+  <p:timing>
+    <p:tnLst>
+      <p:par>
+        <p:cTn id="1" dur="indefinite" restart="never" nodeType="tmRoot"/>
+      </p:par>
+    </p:tnLst>
+  </p:timing>
 </p:sld>
 </file>
 
@@ -10255,7 +6517,7 @@
       </p:grpSpPr>
       <p:sp>
         <p:nvSpPr>
-          <p:cNvPr id="2" name="Title 1"/>
+          <p:cNvPr id="2" name="Titre 1"/>
           <p:cNvSpPr>
             <a:spLocks noGrp="1"/>
           </p:cNvSpPr>
@@ -10268,189 +6530,122 @@
           <a:bodyPr/>
           <a:lstStyle/>
           <a:p>
-            <a:endParaRPr lang="fr-FR" noProof="1"/>
-          </a:p>
-        </p:txBody>
-      </p:sp>
-      <p:sp>
-        <p:nvSpPr>
-          <p:cNvPr id="7" name="Espace réservé du contenu 3"/>
-          <p:cNvSpPr>
-            <a:spLocks noGrp="1"/>
-          </p:cNvSpPr>
-          <p:nvPr>
-            <p:ph sz="half" idx="2"/>
-          </p:nvPr>
+            <a:r>
+              <a:rPr lang="fr-CH" dirty="0" smtClean="0"/>
+              <a:t>Mise en œuvre - Calculateur</a:t>
+            </a:r>
+            <a:endParaRPr lang="fr-CH" dirty="0"/>
+          </a:p>
+        </p:txBody>
+      </p:sp>
+      <p:sp>
+        <p:nvSpPr>
+          <p:cNvPr id="6" name="ZoneTexte 5"/>
+          <p:cNvSpPr txBox="1"/>
+          <p:nvPr/>
         </p:nvSpPr>
         <p:spPr>
           <a:xfrm>
-            <a:off x="1752600" y="2705100"/>
-            <a:ext cx="4572000" cy="3467100"/>
+            <a:off x="1545465" y="2356834"/>
+            <a:ext cx="5318974" cy="646331"/>
           </a:xfrm>
+          <a:prstGeom prst="rect">
+            <a:avLst/>
+          </a:prstGeom>
+          <a:noFill/>
         </p:spPr>
         <p:txBody>
+          <a:bodyPr wrap="square" rtlCol="0">
+            <a:spAutoFit/>
+          </a:bodyPr>
+          <a:lstStyle/>
+          <a:p>
+            <a:endParaRPr lang="fr-CH" dirty="0"/>
+          </a:p>
+          <a:p>
+            <a:endParaRPr lang="fr-CH" dirty="0"/>
+          </a:p>
+        </p:txBody>
+      </p:sp>
+      <p:sp>
+        <p:nvSpPr>
+          <p:cNvPr id="7" name="Espace réservé du contenu 6"/>
+          <p:cNvSpPr>
+            <a:spLocks noGrp="1"/>
+          </p:cNvSpPr>
+          <p:nvPr>
+            <p:ph idx="1"/>
+          </p:nvPr>
+        </p:nvSpPr>
+        <p:spPr/>
+        <p:txBody>
           <a:bodyPr/>
           <a:lstStyle/>
           <a:p>
-            <a:endParaRPr lang="en-US" dirty="0"/>
-          </a:p>
-        </p:txBody>
-      </p:sp>
-      <p:sp>
-        <p:nvSpPr>
-          <p:cNvPr id="8" name="Espace réservé du texte 4"/>
-          <p:cNvSpPr>
-            <a:spLocks noGrp="1"/>
-          </p:cNvSpPr>
-          <p:nvPr>
-            <p:ph type="body" sz="quarter" idx="3"/>
-          </p:nvPr>
-        </p:nvSpPr>
+            <a:r>
+              <a:rPr lang="fr-CH" smtClean="0"/>
+              <a:t>Javascript </a:t>
+            </a:r>
+            <a:endParaRPr lang="fr-CH" dirty="0" smtClean="0"/>
+          </a:p>
+          <a:p>
+            <a:endParaRPr lang="fr-CH" dirty="0"/>
+          </a:p>
+        </p:txBody>
+      </p:sp>
+      <p:pic>
+        <p:nvPicPr>
+          <p:cNvPr id="8" name="Espace réservé du contenu 3"/>
+          <p:cNvPicPr>
+            <a:picLocks noChangeAspect="1"/>
+          </p:cNvPicPr>
+          <p:nvPr/>
+        </p:nvPicPr>
+        <p:blipFill>
+          <a:blip r:embed="rId2"/>
+          <a:stretch>
+            <a:fillRect/>
+          </a:stretch>
+        </p:blipFill>
         <p:spPr>
           <a:xfrm>
-            <a:off x="6324600" y="1828800"/>
-            <a:ext cx="4572000" cy="847725"/>
+            <a:off x="5784090" y="1943051"/>
+            <a:ext cx="5362575" cy="933450"/>
           </a:xfrm>
+          <a:prstGeom prst="rect">
+            <a:avLst/>
+          </a:prstGeom>
         </p:spPr>
-        <p:txBody>
-          <a:bodyPr/>
-          <a:lstStyle/>
-          <a:p>
-            <a:endParaRPr lang="en-US" dirty="0"/>
-          </a:p>
-        </p:txBody>
-      </p:sp>
-      <p:sp>
-        <p:nvSpPr>
-          <p:cNvPr id="9" name="Espace réservé du contenu 5"/>
-          <p:cNvSpPr>
-            <a:spLocks noGrp="1"/>
-          </p:cNvSpPr>
-          <p:nvPr>
-            <p:ph sz="quarter" idx="4"/>
-          </p:nvPr>
-        </p:nvSpPr>
-        <p:spPr>
-          <a:xfrm>
-            <a:off x="6324600" y="2705100"/>
-            <a:ext cx="4572000" cy="3467100"/>
-          </a:xfrm>
-        </p:spPr>
-        <p:txBody>
-          <a:bodyPr/>
-          <a:lstStyle/>
-          <a:p>
-            <a:endParaRPr lang="en-US" dirty="0"/>
-          </a:p>
-        </p:txBody>
-      </p:sp>
-      <p:sp>
-        <p:nvSpPr>
-          <p:cNvPr id="10" name="Espace réservé du texte 4"/>
-          <p:cNvSpPr>
-            <a:spLocks noGrp="1"/>
-          </p:cNvSpPr>
-          <p:nvPr>
-            <p:ph type="body" sz="quarter" idx="3"/>
-          </p:nvPr>
-        </p:nvSpPr>
-        <p:spPr>
-          <a:xfrm>
-            <a:off x="1752600" y="1828800"/>
-            <a:ext cx="4572000" cy="847725"/>
-          </a:xfrm>
-        </p:spPr>
-        <p:txBody>
-          <a:bodyPr/>
-          <a:lstStyle/>
-          <a:p>
-            <a:endParaRPr lang="en-US" dirty="0"/>
-          </a:p>
-        </p:txBody>
-      </p:sp>
+      </p:pic>
     </p:spTree>
     <p:extLst>
       <p:ext uri="{BB962C8B-B14F-4D97-AF65-F5344CB8AC3E}">
-        <p14:creationId xmlns:p14="http://schemas.microsoft.com/office/powerpoint/2010/main" val="737118897"/>
+        <p14:creationId xmlns:p14="http://schemas.microsoft.com/office/powerpoint/2010/main" val="1956914353"/>
       </p:ext>
     </p:extLst>
   </p:cSld>
   <p:clrMapOvr>
     <a:masterClrMapping/>
   </p:clrMapOvr>
-  <mc:AlternateContent xmlns:mc="http://schemas.openxmlformats.org/markup-compatibility/2006" xmlns:p14="http://schemas.microsoft.com/office/powerpoint/2010/main">
-    <mc:Choice Requires="p14">
+  <mc:AlternateContent xmlns:mc="http://schemas.openxmlformats.org/markup-compatibility/2006">
+    <mc:Choice xmlns:p14="http://schemas.microsoft.com/office/powerpoint/2010/main" Requires="p14">
       <p:transition spd="med" p14:dur="700">
         <p:fade/>
       </p:transition>
     </mc:Choice>
-    <mc:Fallback xmlns="">
+    <mc:Fallback>
       <p:transition spd="med">
         <p:fade/>
       </p:transition>
     </mc:Fallback>
   </mc:AlternateContent>
-</p:sld>
-</file>
-
-<file path=ppt/slides/slide9.xml><?xml version="1.0" encoding="utf-8"?>
-<p:sld xmlns:a="http://schemas.openxmlformats.org/drawingml/2006/main" xmlns:r="http://schemas.openxmlformats.org/officeDocument/2006/relationships" xmlns:p="http://schemas.openxmlformats.org/presentationml/2006/main">
-  <p:cSld>
-    <p:spTree>
-      <p:nvGrpSpPr>
-        <p:cNvPr id="1" name=""/>
-        <p:cNvGrpSpPr/>
-        <p:nvPr/>
-      </p:nvGrpSpPr>
-      <p:grpSpPr>
-        <a:xfrm>
-          <a:off x="0" y="0"/>
-          <a:ext cx="0" cy="0"/>
-          <a:chOff x="0" y="0"/>
-          <a:chExt cx="0" cy="0"/>
-        </a:xfrm>
-      </p:grpSpPr>
-      <p:sp>
-        <p:nvSpPr>
-          <p:cNvPr id="2" name="Titre 1"/>
-          <p:cNvSpPr>
-            <a:spLocks noGrp="1"/>
-          </p:cNvSpPr>
-          <p:nvPr>
-            <p:ph type="title"/>
-          </p:nvPr>
-        </p:nvSpPr>
-        <p:spPr/>
-        <p:txBody>
-          <a:bodyPr/>
-          <a:lstStyle/>
-          <a:p>
-            <a:endParaRPr lang="fr-FR" noProof="1"/>
-          </a:p>
-        </p:txBody>
-      </p:sp>
-    </p:spTree>
-    <p:extLst>
-      <p:ext uri="{BB962C8B-B14F-4D97-AF65-F5344CB8AC3E}">
-        <p14:creationId xmlns:p14="http://schemas.microsoft.com/office/powerpoint/2010/main" val="3061729273"/>
-      </p:ext>
-    </p:extLst>
-  </p:cSld>
-  <p:clrMapOvr>
-    <a:masterClrMapping/>
-  </p:clrMapOvr>
-  <mc:AlternateContent xmlns:mc="http://schemas.openxmlformats.org/markup-compatibility/2006" xmlns:p14="http://schemas.microsoft.com/office/powerpoint/2010/main">
-    <mc:Choice Requires="p14">
-      <p:transition spd="med" p14:dur="700">
-        <p:fade/>
-      </p:transition>
-    </mc:Choice>
-    <mc:Fallback xmlns="">
-      <p:transition spd="med">
-        <p:fade/>
-      </p:transition>
-    </mc:Fallback>
-  </mc:AlternateContent>
+  <p:timing>
+    <p:tnLst>
+      <p:par>
+        <p:cTn id="1" dur="indefinite" restart="never" nodeType="tmRoot"/>
+      </p:par>
+    </p:tnLst>
+  </p:timing>
 </p:sld>
 </file>
 

--- a/Documentation/Orale/Présentation Furnigo.pptx
+++ b/Documentation/Orale/Présentation Furnigo.pptx
@@ -5,10 +5,10 @@
     <p:sldMasterId id="2147483648" r:id="rId2"/>
   </p:sldMasterIdLst>
   <p:notesMasterIdLst>
-    <p:notesMasterId r:id="rId11"/>
+    <p:notesMasterId r:id="rId12"/>
   </p:notesMasterIdLst>
   <p:handoutMasterIdLst>
-    <p:handoutMasterId r:id="rId12"/>
+    <p:handoutMasterId r:id="rId13"/>
   </p:handoutMasterIdLst>
   <p:sldIdLst>
     <p:sldId id="257" r:id="rId3"/>
@@ -19,6 +19,7 @@
     <p:sldId id="272" r:id="rId8"/>
     <p:sldId id="274" r:id="rId9"/>
     <p:sldId id="273" r:id="rId10"/>
+    <p:sldId id="275" r:id="rId11"/>
   </p:sldIdLst>
   <p:sldSz cx="12192000" cy="6858000"/>
   <p:notesSz cx="6858000" cy="9144000"/>
@@ -5669,6 +5670,29 @@
               <a:buFont typeface="+mj-lt"/>
               <a:buAutoNum type="arabicPeriod"/>
             </a:pPr>
+            <a:r>
+              <a:rPr lang="fr-FR" noProof="1" smtClean="0"/>
+              <a:t>Mise en œuvre</a:t>
+            </a:r>
+          </a:p>
+          <a:p>
+            <a:pPr marL="457200" indent="-457200">
+              <a:buClr>
+                <a:srgbClr val="595959"/>
+              </a:buClr>
+              <a:buFont typeface="+mj-lt"/>
+              <a:buAutoNum type="arabicPeriod"/>
+            </a:pPr>
+            <a:endParaRPr lang="fr-FR" noProof="1" smtClean="0"/>
+          </a:p>
+          <a:p>
+            <a:pPr marL="457200" indent="-457200">
+              <a:buClr>
+                <a:srgbClr val="595959"/>
+              </a:buClr>
+              <a:buFont typeface="+mj-lt"/>
+              <a:buAutoNum type="arabicPeriod"/>
+            </a:pPr>
             <a:endParaRPr lang="fr-FR" noProof="1" smtClean="0"/>
           </a:p>
         </p:txBody>
@@ -5921,13 +5945,13 @@
   <p:clrMapOvr>
     <a:masterClrMapping/>
   </p:clrMapOvr>
-  <mc:AlternateContent xmlns:mc="http://schemas.openxmlformats.org/markup-compatibility/2006">
-    <mc:Choice xmlns:p14="http://schemas.microsoft.com/office/powerpoint/2010/main" Requires="p14">
+  <mc:AlternateContent xmlns:mc="http://schemas.openxmlformats.org/markup-compatibility/2006" xmlns:p14="http://schemas.microsoft.com/office/powerpoint/2010/main">
+    <mc:Choice Requires="p14">
       <p:transition spd="med" p14:dur="700">
         <p:fade/>
       </p:transition>
     </mc:Choice>
-    <mc:Fallback>
+    <mc:Fallback xmlns="">
       <p:transition spd="med">
         <p:fade/>
       </p:transition>
@@ -6128,13 +6152,13 @@
   <p:clrMapOvr>
     <a:masterClrMapping/>
   </p:clrMapOvr>
-  <mc:AlternateContent xmlns:mc="http://schemas.openxmlformats.org/markup-compatibility/2006">
-    <mc:Choice xmlns:p14="http://schemas.microsoft.com/office/powerpoint/2010/main" Requires="p14">
+  <mc:AlternateContent xmlns:mc="http://schemas.openxmlformats.org/markup-compatibility/2006" xmlns:p14="http://schemas.microsoft.com/office/powerpoint/2010/main">
+    <mc:Choice Requires="p14">
       <p:transition spd="med" p14:dur="700">
         <p:fade/>
       </p:transition>
     </mc:Choice>
-    <mc:Fallback>
+    <mc:Fallback xmlns="">
       <p:transition spd="med">
         <p:fade/>
       </p:transition>
@@ -6364,13 +6388,13 @@
   <p:clrMapOvr>
     <a:masterClrMapping/>
   </p:clrMapOvr>
-  <mc:AlternateContent xmlns:mc="http://schemas.openxmlformats.org/markup-compatibility/2006">
-    <mc:Choice xmlns:p14="http://schemas.microsoft.com/office/powerpoint/2010/main" Requires="p14">
+  <mc:AlternateContent xmlns:mc="http://schemas.openxmlformats.org/markup-compatibility/2006" xmlns:p14="http://schemas.microsoft.com/office/powerpoint/2010/main">
+    <mc:Choice Requires="p14">
       <p:transition spd="med" p14:dur="700">
         <p:fade/>
       </p:transition>
     </mc:Choice>
-    <mc:Fallback>
+    <mc:Fallback xmlns="">
       <p:transition spd="med">
         <p:fade/>
       </p:transition>
@@ -6476,13 +6500,13 @@
   <p:clrMapOvr>
     <a:masterClrMapping/>
   </p:clrMapOvr>
-  <mc:AlternateContent xmlns:mc="http://schemas.openxmlformats.org/markup-compatibility/2006">
-    <mc:Choice xmlns:p14="http://schemas.microsoft.com/office/powerpoint/2010/main" Requires="p14">
+  <mc:AlternateContent xmlns:mc="http://schemas.openxmlformats.org/markup-compatibility/2006" xmlns:p14="http://schemas.microsoft.com/office/powerpoint/2010/main">
+    <mc:Choice Requires="p14">
       <p:transition spd="med" p14:dur="700">
         <p:fade/>
       </p:transition>
     </mc:Choice>
-    <mc:Fallback>
+    <mc:Fallback xmlns="">
       <p:transition spd="med">
         <p:fade/>
       </p:transition>
@@ -6583,12 +6607,33 @@
           <a:lstStyle/>
           <a:p>
             <a:r>
-              <a:rPr lang="fr-CH" smtClean="0"/>
-              <a:t>Javascript </a:t>
-            </a:r>
-            <a:endParaRPr lang="fr-CH" dirty="0" smtClean="0"/>
-          </a:p>
-          <a:p>
+              <a:rPr lang="fr-CH" dirty="0" err="1" smtClean="0"/>
+              <a:t>Javascript</a:t>
+            </a:r>
+            <a:r>
+              <a:rPr lang="fr-CH" dirty="0" smtClean="0"/>
+              <a:t> </a:t>
+            </a:r>
+          </a:p>
+          <a:p>
+            <a:r>
+              <a:rPr lang="fr-CH" dirty="0" smtClean="0"/>
+              <a:t>Fonction principale</a:t>
+            </a:r>
+          </a:p>
+          <a:p>
+            <a:pPr lvl="1"/>
+            <a:r>
+              <a:rPr lang="fr-CH" dirty="0" smtClean="0"/>
+              <a:t>Appel des fonctions de calcul</a:t>
+            </a:r>
+          </a:p>
+          <a:p>
+            <a:pPr lvl="1"/>
+            <a:r>
+              <a:rPr lang="fr-CH" dirty="0" smtClean="0"/>
+              <a:t>Affiche dans la case de total la valeur totale</a:t>
+            </a:r>
             <a:endParaRPr lang="fr-CH" dirty="0"/>
           </a:p>
         </p:txBody>
@@ -6609,7 +6654,7 @@
         </p:blipFill>
         <p:spPr>
           <a:xfrm>
-            <a:off x="5784090" y="1943051"/>
+            <a:off x="4581366" y="1943051"/>
             <a:ext cx="5362575" cy="933450"/>
           </a:xfrm>
           <a:prstGeom prst="rect">
@@ -6621,6 +6666,336 @@
     <p:extLst>
       <p:ext uri="{BB962C8B-B14F-4D97-AF65-F5344CB8AC3E}">
         <p14:creationId xmlns:p14="http://schemas.microsoft.com/office/powerpoint/2010/main" val="1956914353"/>
+      </p:ext>
+    </p:extLst>
+  </p:cSld>
+  <p:clrMapOvr>
+    <a:masterClrMapping/>
+  </p:clrMapOvr>
+  <mc:AlternateContent xmlns:mc="http://schemas.openxmlformats.org/markup-compatibility/2006" xmlns:p14="http://schemas.microsoft.com/office/powerpoint/2010/main">
+    <mc:Choice Requires="p14">
+      <p:transition spd="med" p14:dur="700">
+        <p:fade/>
+      </p:transition>
+    </mc:Choice>
+    <mc:Fallback xmlns="">
+      <p:transition spd="med">
+        <p:fade/>
+      </p:transition>
+    </mc:Fallback>
+  </mc:AlternateContent>
+  <p:timing>
+    <p:tnLst>
+      <p:par>
+        <p:cTn id="1" dur="indefinite" restart="never" nodeType="tmRoot"/>
+      </p:par>
+    </p:tnLst>
+  </p:timing>
+</p:sld>
+</file>
+
+<file path=ppt/slides/slide9.xml><?xml version="1.0" encoding="utf-8"?>
+<p:sld xmlns:a="http://schemas.openxmlformats.org/drawingml/2006/main" xmlns:r="http://schemas.openxmlformats.org/officeDocument/2006/relationships" xmlns:p="http://schemas.openxmlformats.org/presentationml/2006/main">
+  <p:cSld>
+    <p:spTree>
+      <p:nvGrpSpPr>
+        <p:cNvPr id="1" name=""/>
+        <p:cNvGrpSpPr/>
+        <p:nvPr/>
+      </p:nvGrpSpPr>
+      <p:grpSpPr>
+        <a:xfrm>
+          <a:off x="0" y="0"/>
+          <a:ext cx="0" cy="0"/>
+          <a:chOff x="0" y="0"/>
+          <a:chExt cx="0" cy="0"/>
+        </a:xfrm>
+      </p:grpSpPr>
+      <p:sp>
+        <p:nvSpPr>
+          <p:cNvPr id="2" name="Titre 1"/>
+          <p:cNvSpPr>
+            <a:spLocks noGrp="1"/>
+          </p:cNvSpPr>
+          <p:nvPr>
+            <p:ph type="title"/>
+          </p:nvPr>
+        </p:nvSpPr>
+        <p:spPr/>
+        <p:txBody>
+          <a:bodyPr/>
+          <a:lstStyle/>
+          <a:p>
+            <a:r>
+              <a:rPr lang="fr-CH" dirty="0" smtClean="0"/>
+              <a:t>Test</a:t>
+            </a:r>
+            <a:endParaRPr lang="fr-CH" dirty="0"/>
+          </a:p>
+        </p:txBody>
+      </p:sp>
+      <p:graphicFrame>
+        <p:nvGraphicFramePr>
+          <p:cNvPr id="4" name="Espace réservé du contenu 3"/>
+          <p:cNvGraphicFramePr>
+            <a:graphicFrameLocks noGrp="1"/>
+          </p:cNvGraphicFramePr>
+          <p:nvPr>
+            <p:ph idx="1"/>
+            <p:extLst>
+              <p:ext uri="{D42A27DB-BD31-4B8C-83A1-F6EECF244321}">
+                <p14:modId xmlns:p14="http://schemas.microsoft.com/office/powerpoint/2010/main" val="1335831053"/>
+              </p:ext>
+            </p:extLst>
+          </p:nvPr>
+        </p:nvGraphicFramePr>
+        <p:xfrm>
+          <a:off x="1295400" y="1828800"/>
+          <a:ext cx="9601200" cy="2494280"/>
+        </p:xfrm>
+        <a:graphic>
+          <a:graphicData uri="http://schemas.openxmlformats.org/drawingml/2006/table">
+            <a:tbl>
+              <a:tblPr firstRow="1" bandRow="1">
+                <a:tableStyleId>{5C22544A-7EE6-4342-B048-85BDC9FD1C3A}</a:tableStyleId>
+              </a:tblPr>
+              <a:tblGrid>
+                <a:gridCol w="3200400"/>
+                <a:gridCol w="3200400"/>
+                <a:gridCol w="3200400"/>
+              </a:tblGrid>
+              <a:tr h="370840">
+                <a:tc>
+                  <a:txBody>
+                    <a:bodyPr/>
+                    <a:lstStyle/>
+                    <a:p>
+                      <a:r>
+                        <a:rPr lang="fr-CH" dirty="0" smtClean="0"/>
+                        <a:t>Description</a:t>
+                      </a:r>
+                      <a:endParaRPr lang="fr-CH" dirty="0"/>
+                    </a:p>
+                  </a:txBody>
+                  <a:tcPr/>
+                </a:tc>
+                <a:tc>
+                  <a:txBody>
+                    <a:bodyPr/>
+                    <a:lstStyle/>
+                    <a:p>
+                      <a:r>
+                        <a:rPr lang="fr-CH" dirty="0" smtClean="0"/>
+                        <a:t>Résultat</a:t>
+                      </a:r>
+                      <a:endParaRPr lang="fr-CH" dirty="0"/>
+                    </a:p>
+                  </a:txBody>
+                  <a:tcPr/>
+                </a:tc>
+                <a:tc>
+                  <a:txBody>
+                    <a:bodyPr/>
+                    <a:lstStyle/>
+                    <a:p>
+                      <a:r>
+                        <a:rPr lang="fr-CH" dirty="0" smtClean="0"/>
+                        <a:t>État</a:t>
+                      </a:r>
+                      <a:endParaRPr lang="fr-CH" dirty="0"/>
+                    </a:p>
+                  </a:txBody>
+                  <a:tcPr/>
+                </a:tc>
+              </a:tr>
+              <a:tr h="370840">
+                <a:tc>
+                  <a:txBody>
+                    <a:bodyPr/>
+                    <a:lstStyle/>
+                    <a:p>
+                      <a:r>
+                        <a:rPr lang="fr-CH" dirty="0" smtClean="0"/>
+                        <a:t>L’utilisateur créé</a:t>
+                      </a:r>
+                      <a:r>
+                        <a:rPr lang="fr-CH" baseline="0" dirty="0" smtClean="0"/>
+                        <a:t> un devis</a:t>
+                      </a:r>
+                      <a:endParaRPr lang="fr-CH" dirty="0"/>
+                    </a:p>
+                  </a:txBody>
+                  <a:tcPr/>
+                </a:tc>
+                <a:tc>
+                  <a:txBody>
+                    <a:bodyPr/>
+                    <a:lstStyle/>
+                    <a:p>
+                      <a:r>
+                        <a:rPr lang="fr-CH" dirty="0" smtClean="0"/>
+                        <a:t>Il est redirigé</a:t>
+                      </a:r>
+                      <a:r>
+                        <a:rPr lang="fr-CH" baseline="0" dirty="0" smtClean="0"/>
+                        <a:t> vers la page d’affichage des devis</a:t>
+                      </a:r>
+                      <a:endParaRPr lang="fr-CH" dirty="0"/>
+                    </a:p>
+                  </a:txBody>
+                  <a:tcPr/>
+                </a:tc>
+                <a:tc>
+                  <a:txBody>
+                    <a:bodyPr/>
+                    <a:lstStyle/>
+                    <a:p>
+                      <a:r>
+                        <a:rPr lang="fr-CH" smtClean="0"/>
+                        <a:t>OK</a:t>
+                      </a:r>
+                      <a:endParaRPr lang="fr-CH"/>
+                    </a:p>
+                  </a:txBody>
+                  <a:tcPr/>
+                </a:tc>
+              </a:tr>
+              <a:tr h="370840">
+                <a:tc>
+                  <a:txBody>
+                    <a:bodyPr/>
+                    <a:lstStyle/>
+                    <a:p>
+                      <a:endParaRPr lang="fr-CH"/>
+                    </a:p>
+                  </a:txBody>
+                  <a:tcPr/>
+                </a:tc>
+                <a:tc>
+                  <a:txBody>
+                    <a:bodyPr/>
+                    <a:lstStyle/>
+                    <a:p>
+                      <a:endParaRPr lang="fr-CH"/>
+                    </a:p>
+                  </a:txBody>
+                  <a:tcPr/>
+                </a:tc>
+                <a:tc>
+                  <a:txBody>
+                    <a:bodyPr/>
+                    <a:lstStyle/>
+                    <a:p>
+                      <a:endParaRPr lang="fr-CH"/>
+                    </a:p>
+                  </a:txBody>
+                  <a:tcPr/>
+                </a:tc>
+              </a:tr>
+              <a:tr h="370840">
+                <a:tc>
+                  <a:txBody>
+                    <a:bodyPr/>
+                    <a:lstStyle/>
+                    <a:p>
+                      <a:endParaRPr lang="fr-CH"/>
+                    </a:p>
+                  </a:txBody>
+                  <a:tcPr/>
+                </a:tc>
+                <a:tc>
+                  <a:txBody>
+                    <a:bodyPr/>
+                    <a:lstStyle/>
+                    <a:p>
+                      <a:endParaRPr lang="fr-CH"/>
+                    </a:p>
+                  </a:txBody>
+                  <a:tcPr/>
+                </a:tc>
+                <a:tc>
+                  <a:txBody>
+                    <a:bodyPr/>
+                    <a:lstStyle/>
+                    <a:p>
+                      <a:endParaRPr lang="fr-CH"/>
+                    </a:p>
+                  </a:txBody>
+                  <a:tcPr/>
+                </a:tc>
+              </a:tr>
+              <a:tr h="370840">
+                <a:tc>
+                  <a:txBody>
+                    <a:bodyPr/>
+                    <a:lstStyle/>
+                    <a:p>
+                      <a:endParaRPr lang="fr-CH"/>
+                    </a:p>
+                  </a:txBody>
+                  <a:tcPr/>
+                </a:tc>
+                <a:tc>
+                  <a:txBody>
+                    <a:bodyPr/>
+                    <a:lstStyle/>
+                    <a:p>
+                      <a:endParaRPr lang="fr-CH"/>
+                    </a:p>
+                  </a:txBody>
+                  <a:tcPr/>
+                </a:tc>
+                <a:tc>
+                  <a:txBody>
+                    <a:bodyPr/>
+                    <a:lstStyle/>
+                    <a:p>
+                      <a:endParaRPr lang="fr-CH"/>
+                    </a:p>
+                  </a:txBody>
+                  <a:tcPr/>
+                </a:tc>
+              </a:tr>
+              <a:tr h="370840">
+                <a:tc>
+                  <a:txBody>
+                    <a:bodyPr/>
+                    <a:lstStyle/>
+                    <a:p>
+                      <a:endParaRPr lang="fr-CH"/>
+                    </a:p>
+                  </a:txBody>
+                  <a:tcPr/>
+                </a:tc>
+                <a:tc>
+                  <a:txBody>
+                    <a:bodyPr/>
+                    <a:lstStyle/>
+                    <a:p>
+                      <a:endParaRPr lang="fr-CH"/>
+                    </a:p>
+                  </a:txBody>
+                  <a:tcPr/>
+                </a:tc>
+                <a:tc>
+                  <a:txBody>
+                    <a:bodyPr/>
+                    <a:lstStyle/>
+                    <a:p>
+                      <a:endParaRPr lang="fr-CH"/>
+                    </a:p>
+                  </a:txBody>
+                  <a:tcPr/>
+                </a:tc>
+              </a:tr>
+            </a:tbl>
+          </a:graphicData>
+        </a:graphic>
+      </p:graphicFrame>
+    </p:spTree>
+    <p:extLst>
+      <p:ext uri="{BB962C8B-B14F-4D97-AF65-F5344CB8AC3E}">
+        <p14:creationId xmlns:p14="http://schemas.microsoft.com/office/powerpoint/2010/main" val="4035783302"/>
       </p:ext>
     </p:extLst>
   </p:cSld>
@@ -6639,13 +7014,6 @@
       </p:transition>
     </mc:Fallback>
   </mc:AlternateContent>
-  <p:timing>
-    <p:tnLst>
-      <p:par>
-        <p:cTn id="1" dur="indefinite" restart="never" nodeType="tmRoot"/>
-      </p:par>
-    </p:tnLst>
-  </p:timing>
 </p:sld>
 </file>
 

--- a/Documentation/Orale/Présentation Furnigo.pptx
+++ b/Documentation/Orale/Présentation Furnigo.pptx
@@ -5,10 +5,10 @@
     <p:sldMasterId id="2147483648" r:id="rId2"/>
   </p:sldMasterIdLst>
   <p:notesMasterIdLst>
-    <p:notesMasterId r:id="rId12"/>
+    <p:notesMasterId r:id="rId16"/>
   </p:notesMasterIdLst>
   <p:handoutMasterIdLst>
-    <p:handoutMasterId r:id="rId13"/>
+    <p:handoutMasterId r:id="rId17"/>
   </p:handoutMasterIdLst>
   <p:sldIdLst>
     <p:sldId id="257" r:id="rId3"/>
@@ -18,8 +18,12 @@
     <p:sldId id="271" r:id="rId7"/>
     <p:sldId id="272" r:id="rId8"/>
     <p:sldId id="274" r:id="rId9"/>
-    <p:sldId id="273" r:id="rId10"/>
-    <p:sldId id="275" r:id="rId11"/>
+    <p:sldId id="276" r:id="rId10"/>
+    <p:sldId id="273" r:id="rId11"/>
+    <p:sldId id="278" r:id="rId12"/>
+    <p:sldId id="275" r:id="rId13"/>
+    <p:sldId id="277" r:id="rId14"/>
+    <p:sldId id="279" r:id="rId15"/>
   </p:sldIdLst>
   <p:sldSz cx="12192000" cy="6858000"/>
   <p:notesSz cx="6858000" cy="9144000"/>
@@ -211,7 +215,7 @@
           <a:p>
             <a:fld id="{D63D5444-F62C-42C3-A75A-D9DBA807730F}" type="datetimeFigureOut">
               <a:rPr lang="en-US" smtClean="0"/>
-              <a:t>6/7/2017</a:t>
+              <a:t>6/8/2017</a:t>
             </a:fld>
             <a:endParaRPr lang="en-US"/>
           </a:p>
@@ -376,7 +380,7 @@
           <a:p>
             <a:fld id="{12CAA1FA-7B6A-47D2-8D61-F225D71B51FF}" type="datetimeFigureOut">
               <a:rPr lang="en-US" smtClean="0"/>
-              <a:t>6/7/2017</a:t>
+              <a:t>6/8/2017</a:t>
             </a:fld>
             <a:endParaRPr lang="en-US"/>
           </a:p>
@@ -1217,7 +1221,7 @@
           <a:p>
             <a:fld id="{A79A3335-6331-4872-A8B7-ECD55539F4D0}" type="datetimeFigureOut">
               <a:rPr lang="en-US" smtClean="0"/>
-              <a:t>6/7/2017</a:t>
+              <a:t>6/8/2017</a:t>
             </a:fld>
             <a:endParaRPr lang="en-US"/>
           </a:p>
@@ -1476,7 +1480,7 @@
           <a:p>
             <a:fld id="{A79A3335-6331-4872-A8B7-ECD55539F4D0}" type="datetimeFigureOut">
               <a:rPr lang="en-US" smtClean="0"/>
-              <a:t>6/7/2017</a:t>
+              <a:t>6/8/2017</a:t>
             </a:fld>
             <a:endParaRPr lang="en-US"/>
           </a:p>
@@ -2004,7 +2008,7 @@
           <a:p>
             <a:fld id="{A79A3335-6331-4872-A8B7-ECD55539F4D0}" type="datetimeFigureOut">
               <a:rPr lang="en-US" smtClean="0"/>
-              <a:t>6/7/2017</a:t>
+              <a:t>6/8/2017</a:t>
             </a:fld>
             <a:endParaRPr lang="en-US"/>
           </a:p>
@@ -2336,7 +2340,7 @@
           <a:p>
             <a:fld id="{A79A3335-6331-4872-A8B7-ECD55539F4D0}" type="datetimeFigureOut">
               <a:rPr lang="en-US" smtClean="0"/>
-              <a:t>6/7/2017</a:t>
+              <a:t>6/8/2017</a:t>
             </a:fld>
             <a:endParaRPr lang="en-US"/>
           </a:p>
@@ -2518,7 +2522,7 @@
           <a:p>
             <a:fld id="{A79A3335-6331-4872-A8B7-ECD55539F4D0}" type="datetimeFigureOut">
               <a:rPr lang="en-US" smtClean="0"/>
-              <a:t>6/7/2017</a:t>
+              <a:t>6/8/2017</a:t>
             </a:fld>
             <a:endParaRPr lang="en-US"/>
           </a:p>
@@ -3756,7 +3760,7 @@
           <a:p>
             <a:fld id="{A79A3335-6331-4872-A8B7-ECD55539F4D0}" type="datetimeFigureOut">
               <a:rPr lang="en-US" smtClean="0"/>
-              <a:t>6/7/2017</a:t>
+              <a:t>6/8/2017</a:t>
             </a:fld>
             <a:endParaRPr lang="en-US"/>
           </a:p>
@@ -4134,7 +4138,7 @@
           <a:p>
             <a:fld id="{A79A3335-6331-4872-A8B7-ECD55539F4D0}" type="datetimeFigureOut">
               <a:rPr lang="en-US" smtClean="0"/>
-              <a:t>6/7/2017</a:t>
+              <a:t>6/8/2017</a:t>
             </a:fld>
             <a:endParaRPr lang="en-US"/>
           </a:p>
@@ -4264,7 +4268,7 @@
           <a:p>
             <a:fld id="{A79A3335-6331-4872-A8B7-ECD55539F4D0}" type="datetimeFigureOut">
               <a:rPr lang="en-US" smtClean="0"/>
-              <a:t>6/7/2017</a:t>
+              <a:t>6/8/2017</a:t>
             </a:fld>
             <a:endParaRPr lang="en-US"/>
           </a:p>
@@ -4371,7 +4375,7 @@
           <a:p>
             <a:fld id="{A79A3335-6331-4872-A8B7-ECD55539F4D0}" type="datetimeFigureOut">
               <a:rPr lang="en-US" smtClean="0"/>
-              <a:t>6/7/2017</a:t>
+              <a:t>6/8/2017</a:t>
             </a:fld>
             <a:endParaRPr lang="en-US"/>
           </a:p>
@@ -4662,7 +4666,7 @@
           <a:p>
             <a:fld id="{A79A3335-6331-4872-A8B7-ECD55539F4D0}" type="datetimeFigureOut">
               <a:rPr lang="en-US" smtClean="0"/>
-              <a:t>6/7/2017</a:t>
+              <a:t>6/8/2017</a:t>
             </a:fld>
             <a:endParaRPr lang="en-US"/>
           </a:p>
@@ -5026,7 +5030,7 @@
             <a:fld id="{A79A3335-6331-4872-A8B7-ECD55539F4D0}" type="datetimeFigureOut">
               <a:rPr lang="en-US" smtClean="0"/>
               <a:pPr/>
-              <a:t>6/7/2017</a:t>
+              <a:t>6/8/2017</a:t>
             </a:fld>
             <a:endParaRPr lang="en-US"/>
           </a:p>
@@ -5565,6 +5569,617 @@
 </p:sld>
 </file>
 
+<file path=ppt/slides/slide10.xml><?xml version="1.0" encoding="utf-8"?>
+<p:sld xmlns:a="http://schemas.openxmlformats.org/drawingml/2006/main" xmlns:r="http://schemas.openxmlformats.org/officeDocument/2006/relationships" xmlns:p="http://schemas.openxmlformats.org/presentationml/2006/main">
+  <p:cSld>
+    <p:spTree>
+      <p:nvGrpSpPr>
+        <p:cNvPr id="1" name=""/>
+        <p:cNvGrpSpPr/>
+        <p:nvPr/>
+      </p:nvGrpSpPr>
+      <p:grpSpPr>
+        <a:xfrm>
+          <a:off x="0" y="0"/>
+          <a:ext cx="0" cy="0"/>
+          <a:chOff x="0" y="0"/>
+          <a:chExt cx="0" cy="0"/>
+        </a:xfrm>
+      </p:grpSpPr>
+      <p:sp>
+        <p:nvSpPr>
+          <p:cNvPr id="2" name="Titre 1"/>
+          <p:cNvSpPr>
+            <a:spLocks noGrp="1"/>
+          </p:cNvSpPr>
+          <p:nvPr>
+            <p:ph type="title"/>
+          </p:nvPr>
+        </p:nvSpPr>
+        <p:spPr/>
+        <p:txBody>
+          <a:bodyPr/>
+          <a:lstStyle/>
+          <a:p>
+            <a:r>
+              <a:rPr lang="fr-CH" dirty="0" smtClean="0"/>
+              <a:t>Mise en œuvre – Gestion Administrateur</a:t>
+            </a:r>
+            <a:endParaRPr lang="fr-CH" dirty="0"/>
+          </a:p>
+        </p:txBody>
+      </p:sp>
+      <p:sp>
+        <p:nvSpPr>
+          <p:cNvPr id="3" name="Espace réservé du contenu 2"/>
+          <p:cNvSpPr>
+            <a:spLocks noGrp="1"/>
+          </p:cNvSpPr>
+          <p:nvPr>
+            <p:ph idx="1"/>
+          </p:nvPr>
+        </p:nvSpPr>
+        <p:spPr/>
+        <p:txBody>
+          <a:bodyPr/>
+          <a:lstStyle/>
+          <a:p>
+            <a:r>
+              <a:rPr lang="fr-CH" dirty="0" smtClean="0"/>
+              <a:t>Gestion utilisateurs</a:t>
+            </a:r>
+          </a:p>
+          <a:p>
+            <a:pPr lvl="1"/>
+            <a:r>
+              <a:rPr lang="fr-CH" dirty="0" smtClean="0"/>
+              <a:t>Suppression d’utilisateurs</a:t>
+            </a:r>
+          </a:p>
+          <a:p>
+            <a:pPr lvl="1"/>
+            <a:r>
+              <a:rPr lang="fr-CH" dirty="0" smtClean="0"/>
+              <a:t>Suppression des données</a:t>
+            </a:r>
+            <a:br>
+              <a:rPr lang="fr-CH" dirty="0" smtClean="0"/>
+            </a:br>
+            <a:r>
+              <a:rPr lang="fr-CH" dirty="0" smtClean="0"/>
+              <a:t>de l’utilisateur</a:t>
+            </a:r>
+          </a:p>
+          <a:p>
+            <a:r>
+              <a:rPr lang="fr-CH" dirty="0" smtClean="0"/>
+              <a:t>Gestion options</a:t>
+            </a:r>
+          </a:p>
+          <a:p>
+            <a:pPr lvl="1"/>
+            <a:r>
+              <a:rPr lang="fr-CH" dirty="0" smtClean="0"/>
+              <a:t>Modification d’options</a:t>
+            </a:r>
+          </a:p>
+          <a:p>
+            <a:pPr lvl="1"/>
+            <a:r>
+              <a:rPr lang="fr-CH" dirty="0" smtClean="0"/>
+              <a:t>Suppression d’option</a:t>
+            </a:r>
+          </a:p>
+        </p:txBody>
+      </p:sp>
+      <p:pic>
+        <p:nvPicPr>
+          <p:cNvPr id="4" name="Image 3"/>
+          <p:cNvPicPr>
+            <a:picLocks noChangeAspect="1"/>
+          </p:cNvPicPr>
+          <p:nvPr/>
+        </p:nvPicPr>
+        <p:blipFill>
+          <a:blip r:embed="rId2"/>
+          <a:stretch>
+            <a:fillRect/>
+          </a:stretch>
+        </p:blipFill>
+        <p:spPr>
+          <a:xfrm>
+            <a:off x="5006803" y="1935892"/>
+            <a:ext cx="6000750" cy="1381125"/>
+          </a:xfrm>
+          <a:prstGeom prst="rect">
+            <a:avLst/>
+          </a:prstGeom>
+        </p:spPr>
+      </p:pic>
+      <p:pic>
+        <p:nvPicPr>
+          <p:cNvPr id="5" name="Image 4"/>
+          <p:cNvPicPr>
+            <a:picLocks noChangeAspect="1"/>
+          </p:cNvPicPr>
+          <p:nvPr/>
+        </p:nvPicPr>
+        <p:blipFill>
+          <a:blip r:embed="rId3"/>
+          <a:stretch>
+            <a:fillRect/>
+          </a:stretch>
+        </p:blipFill>
+        <p:spPr>
+          <a:xfrm>
+            <a:off x="5006803" y="4000500"/>
+            <a:ext cx="3295650" cy="180975"/>
+          </a:xfrm>
+          <a:prstGeom prst="rect">
+            <a:avLst/>
+          </a:prstGeom>
+        </p:spPr>
+      </p:pic>
+      <p:pic>
+        <p:nvPicPr>
+          <p:cNvPr id="6" name="Image 5"/>
+          <p:cNvPicPr>
+            <a:picLocks noChangeAspect="1"/>
+          </p:cNvPicPr>
+          <p:nvPr/>
+        </p:nvPicPr>
+        <p:blipFill>
+          <a:blip r:embed="rId4"/>
+          <a:stretch>
+            <a:fillRect/>
+          </a:stretch>
+        </p:blipFill>
+        <p:spPr>
+          <a:xfrm>
+            <a:off x="5006803" y="4394242"/>
+            <a:ext cx="1828800" cy="161925"/>
+          </a:xfrm>
+          <a:prstGeom prst="rect">
+            <a:avLst/>
+          </a:prstGeom>
+        </p:spPr>
+      </p:pic>
+    </p:spTree>
+    <p:extLst>
+      <p:ext uri="{BB962C8B-B14F-4D97-AF65-F5344CB8AC3E}">
+        <p14:creationId xmlns:p14="http://schemas.microsoft.com/office/powerpoint/2010/main" val="2570949780"/>
+      </p:ext>
+    </p:extLst>
+  </p:cSld>
+  <p:clrMapOvr>
+    <a:masterClrMapping/>
+  </p:clrMapOvr>
+  <mc:AlternateContent xmlns:mc="http://schemas.openxmlformats.org/markup-compatibility/2006">
+    <mc:Choice xmlns:p14="http://schemas.microsoft.com/office/powerpoint/2010/main" Requires="p14">
+      <p:transition spd="med" p14:dur="700">
+        <p:fade/>
+      </p:transition>
+    </mc:Choice>
+    <mc:Fallback>
+      <p:transition spd="med">
+        <p:fade/>
+      </p:transition>
+    </mc:Fallback>
+  </mc:AlternateContent>
+  <p:timing>
+    <p:tnLst>
+      <p:par>
+        <p:cTn id="1" dur="indefinite" restart="never" nodeType="tmRoot"/>
+      </p:par>
+    </p:tnLst>
+  </p:timing>
+</p:sld>
+</file>
+
+<file path=ppt/slides/slide11.xml><?xml version="1.0" encoding="utf-8"?>
+<p:sld xmlns:a="http://schemas.openxmlformats.org/drawingml/2006/main" xmlns:r="http://schemas.openxmlformats.org/officeDocument/2006/relationships" xmlns:p="http://schemas.openxmlformats.org/presentationml/2006/main">
+  <p:cSld>
+    <p:spTree>
+      <p:nvGrpSpPr>
+        <p:cNvPr id="1" name=""/>
+        <p:cNvGrpSpPr/>
+        <p:nvPr/>
+      </p:nvGrpSpPr>
+      <p:grpSpPr>
+        <a:xfrm>
+          <a:off x="0" y="0"/>
+          <a:ext cx="0" cy="0"/>
+          <a:chOff x="0" y="0"/>
+          <a:chExt cx="0" cy="0"/>
+        </a:xfrm>
+      </p:grpSpPr>
+      <p:sp>
+        <p:nvSpPr>
+          <p:cNvPr id="2" name="Titre 1"/>
+          <p:cNvSpPr>
+            <a:spLocks noGrp="1"/>
+          </p:cNvSpPr>
+          <p:nvPr>
+            <p:ph type="title"/>
+          </p:nvPr>
+        </p:nvSpPr>
+        <p:spPr/>
+        <p:txBody>
+          <a:bodyPr/>
+          <a:lstStyle/>
+          <a:p>
+            <a:r>
+              <a:rPr lang="fr-CH" dirty="0" smtClean="0"/>
+              <a:t>Test</a:t>
+            </a:r>
+            <a:endParaRPr lang="fr-CH" dirty="0"/>
+          </a:p>
+        </p:txBody>
+      </p:sp>
+      <p:sp>
+        <p:nvSpPr>
+          <p:cNvPr id="3" name="Espace réservé du contenu 2"/>
+          <p:cNvSpPr>
+            <a:spLocks noGrp="1"/>
+          </p:cNvSpPr>
+          <p:nvPr>
+            <p:ph idx="1"/>
+          </p:nvPr>
+        </p:nvSpPr>
+        <p:spPr/>
+        <p:txBody>
+          <a:bodyPr/>
+          <a:lstStyle/>
+          <a:p>
+            <a:endParaRPr lang="fr-CH" dirty="0" smtClean="0"/>
+          </a:p>
+          <a:p>
+            <a:r>
+              <a:rPr lang="fr-CH" dirty="0" smtClean="0"/>
+              <a:t>Test </a:t>
+            </a:r>
+            <a:r>
+              <a:rPr lang="fr-CH" dirty="0"/>
+              <a:t>d’accès:</a:t>
+            </a:r>
+          </a:p>
+          <a:p>
+            <a:pPr lvl="1"/>
+            <a:r>
+              <a:rPr lang="fr-CH" dirty="0"/>
+              <a:t>Accès par url</a:t>
+            </a:r>
+          </a:p>
+          <a:p>
+            <a:pPr lvl="2"/>
+            <a:r>
+              <a:rPr lang="fr-CH" dirty="0"/>
+              <a:t>Solution</a:t>
+            </a:r>
+          </a:p>
+          <a:p>
+            <a:endParaRPr lang="fr-CH" dirty="0" smtClean="0"/>
+          </a:p>
+          <a:p>
+            <a:endParaRPr lang="fr-CH" dirty="0" smtClean="0"/>
+          </a:p>
+        </p:txBody>
+      </p:sp>
+      <p:pic>
+        <p:nvPicPr>
+          <p:cNvPr id="5" name="Image 4"/>
+          <p:cNvPicPr>
+            <a:picLocks noChangeAspect="1"/>
+          </p:cNvPicPr>
+          <p:nvPr/>
+        </p:nvPicPr>
+        <p:blipFill>
+          <a:blip r:embed="rId2"/>
+          <a:stretch>
+            <a:fillRect/>
+          </a:stretch>
+        </p:blipFill>
+        <p:spPr>
+          <a:xfrm>
+            <a:off x="3718740" y="2781972"/>
+            <a:ext cx="3057525" cy="285750"/>
+          </a:xfrm>
+          <a:prstGeom prst="rect">
+            <a:avLst/>
+          </a:prstGeom>
+        </p:spPr>
+      </p:pic>
+      <p:pic>
+        <p:nvPicPr>
+          <p:cNvPr id="6" name="Image 5"/>
+          <p:cNvPicPr>
+            <a:picLocks noChangeAspect="1"/>
+          </p:cNvPicPr>
+          <p:nvPr/>
+        </p:nvPicPr>
+        <p:blipFill>
+          <a:blip r:embed="rId3"/>
+          <a:stretch>
+            <a:fillRect/>
+          </a:stretch>
+        </p:blipFill>
+        <p:spPr>
+          <a:xfrm>
+            <a:off x="3718740" y="3193255"/>
+            <a:ext cx="3390900" cy="1343025"/>
+          </a:xfrm>
+          <a:prstGeom prst="rect">
+            <a:avLst/>
+          </a:prstGeom>
+        </p:spPr>
+      </p:pic>
+    </p:spTree>
+    <p:extLst>
+      <p:ext uri="{BB962C8B-B14F-4D97-AF65-F5344CB8AC3E}">
+        <p14:creationId xmlns:p14="http://schemas.microsoft.com/office/powerpoint/2010/main" val="4035783302"/>
+      </p:ext>
+    </p:extLst>
+  </p:cSld>
+  <p:clrMapOvr>
+    <a:masterClrMapping/>
+  </p:clrMapOvr>
+  <mc:AlternateContent xmlns:mc="http://schemas.openxmlformats.org/markup-compatibility/2006" xmlns:p14="http://schemas.microsoft.com/office/powerpoint/2010/main">
+    <mc:Choice Requires="p14">
+      <p:transition spd="med" p14:dur="700">
+        <p:fade/>
+      </p:transition>
+    </mc:Choice>
+    <mc:Fallback xmlns="">
+      <p:transition spd="med">
+        <p:fade/>
+      </p:transition>
+    </mc:Fallback>
+  </mc:AlternateContent>
+  <p:timing>
+    <p:tnLst>
+      <p:par>
+        <p:cTn id="1" dur="indefinite" restart="never" nodeType="tmRoot"/>
+      </p:par>
+    </p:tnLst>
+  </p:timing>
+</p:sld>
+</file>
+
+<file path=ppt/slides/slide12.xml><?xml version="1.0" encoding="utf-8"?>
+<p:sld xmlns:a="http://schemas.openxmlformats.org/drawingml/2006/main" xmlns:r="http://schemas.openxmlformats.org/officeDocument/2006/relationships" xmlns:p="http://schemas.openxmlformats.org/presentationml/2006/main">
+  <p:cSld>
+    <p:spTree>
+      <p:nvGrpSpPr>
+        <p:cNvPr id="1" name=""/>
+        <p:cNvGrpSpPr/>
+        <p:nvPr/>
+      </p:nvGrpSpPr>
+      <p:grpSpPr>
+        <a:xfrm>
+          <a:off x="0" y="0"/>
+          <a:ext cx="0" cy="0"/>
+          <a:chOff x="0" y="0"/>
+          <a:chExt cx="0" cy="0"/>
+        </a:xfrm>
+      </p:grpSpPr>
+      <p:sp>
+        <p:nvSpPr>
+          <p:cNvPr id="2" name="Titre 1"/>
+          <p:cNvSpPr>
+            <a:spLocks noGrp="1"/>
+          </p:cNvSpPr>
+          <p:nvPr>
+            <p:ph type="title"/>
+          </p:nvPr>
+        </p:nvSpPr>
+        <p:spPr/>
+        <p:txBody>
+          <a:bodyPr/>
+          <a:lstStyle/>
+          <a:p>
+            <a:r>
+              <a:rPr lang="fr-CH" dirty="0" smtClean="0"/>
+              <a:t>Test – Problèmes rencontrés</a:t>
+            </a:r>
+            <a:endParaRPr lang="fr-CH" dirty="0"/>
+          </a:p>
+        </p:txBody>
+      </p:sp>
+      <p:sp>
+        <p:nvSpPr>
+          <p:cNvPr id="3" name="Espace réservé du contenu 2"/>
+          <p:cNvSpPr>
+            <a:spLocks noGrp="1"/>
+          </p:cNvSpPr>
+          <p:nvPr>
+            <p:ph idx="1"/>
+          </p:nvPr>
+        </p:nvSpPr>
+        <p:spPr/>
+        <p:txBody>
+          <a:bodyPr/>
+          <a:lstStyle/>
+          <a:p>
+            <a:r>
+              <a:rPr lang="fr-CH" dirty="0" err="1"/>
+              <a:t>Hashage</a:t>
+            </a:r>
+            <a:r>
+              <a:rPr lang="fr-CH" dirty="0"/>
+              <a:t> </a:t>
+            </a:r>
+            <a:r>
+              <a:rPr lang="fr-CH" dirty="0" err="1"/>
+              <a:t>Bcrypt</a:t>
+            </a:r>
+            <a:r>
+              <a:rPr lang="fr-CH" dirty="0"/>
+              <a:t>: Version du serveur PHP incompatible</a:t>
+            </a:r>
+          </a:p>
+          <a:p>
+            <a:pPr lvl="1"/>
+            <a:r>
+              <a:rPr lang="fr-CH" dirty="0"/>
+              <a:t>Solution: Sha1</a:t>
+            </a:r>
+          </a:p>
+          <a:p>
+            <a:endParaRPr lang="fr-CH" dirty="0" smtClean="0"/>
+          </a:p>
+          <a:p>
+            <a:pPr lvl="1"/>
+            <a:endParaRPr lang="fr-CH" dirty="0" smtClean="0"/>
+          </a:p>
+          <a:p>
+            <a:endParaRPr lang="fr-CH" dirty="0" smtClean="0"/>
+          </a:p>
+        </p:txBody>
+      </p:sp>
+    </p:spTree>
+    <p:extLst>
+      <p:ext uri="{BB962C8B-B14F-4D97-AF65-F5344CB8AC3E}">
+        <p14:creationId xmlns:p14="http://schemas.microsoft.com/office/powerpoint/2010/main" val="2475980139"/>
+      </p:ext>
+    </p:extLst>
+  </p:cSld>
+  <p:clrMapOvr>
+    <a:masterClrMapping/>
+  </p:clrMapOvr>
+  <mc:AlternateContent xmlns:mc="http://schemas.openxmlformats.org/markup-compatibility/2006">
+    <mc:Choice xmlns:p14="http://schemas.microsoft.com/office/powerpoint/2010/main" Requires="p14">
+      <p:transition spd="med" p14:dur="700">
+        <p:fade/>
+      </p:transition>
+    </mc:Choice>
+    <mc:Fallback>
+      <p:transition spd="med">
+        <p:fade/>
+      </p:transition>
+    </mc:Fallback>
+  </mc:AlternateContent>
+  <p:timing>
+    <p:tnLst>
+      <p:par>
+        <p:cTn id="1" dur="indefinite" restart="never" nodeType="tmRoot"/>
+      </p:par>
+    </p:tnLst>
+  </p:timing>
+</p:sld>
+</file>
+
+<file path=ppt/slides/slide13.xml><?xml version="1.0" encoding="utf-8"?>
+<p:sld xmlns:a="http://schemas.openxmlformats.org/drawingml/2006/main" xmlns:r="http://schemas.openxmlformats.org/officeDocument/2006/relationships" xmlns:p="http://schemas.openxmlformats.org/presentationml/2006/main">
+  <p:cSld>
+    <p:spTree>
+      <p:nvGrpSpPr>
+        <p:cNvPr id="1" name=""/>
+        <p:cNvGrpSpPr/>
+        <p:nvPr/>
+      </p:nvGrpSpPr>
+      <p:grpSpPr>
+        <a:xfrm>
+          <a:off x="0" y="0"/>
+          <a:ext cx="0" cy="0"/>
+          <a:chOff x="0" y="0"/>
+          <a:chExt cx="0" cy="0"/>
+        </a:xfrm>
+      </p:grpSpPr>
+      <p:sp>
+        <p:nvSpPr>
+          <p:cNvPr id="2" name="Titre 1"/>
+          <p:cNvSpPr>
+            <a:spLocks noGrp="1"/>
+          </p:cNvSpPr>
+          <p:nvPr>
+            <p:ph type="title"/>
+          </p:nvPr>
+        </p:nvSpPr>
+        <p:spPr/>
+        <p:txBody>
+          <a:bodyPr/>
+          <a:lstStyle/>
+          <a:p>
+            <a:r>
+              <a:rPr lang="fr-CH" dirty="0" smtClean="0"/>
+              <a:t>Conclusion</a:t>
+            </a:r>
+            <a:endParaRPr lang="fr-CH" dirty="0"/>
+          </a:p>
+        </p:txBody>
+      </p:sp>
+      <p:sp>
+        <p:nvSpPr>
+          <p:cNvPr id="3" name="Espace réservé du contenu 2"/>
+          <p:cNvSpPr>
+            <a:spLocks noGrp="1"/>
+          </p:cNvSpPr>
+          <p:nvPr>
+            <p:ph idx="1"/>
+          </p:nvPr>
+        </p:nvSpPr>
+        <p:spPr/>
+        <p:txBody>
+          <a:bodyPr/>
+          <a:lstStyle/>
+          <a:p>
+            <a:r>
+              <a:rPr lang="fr-CH" dirty="0" smtClean="0"/>
+              <a:t>Mes commentaires</a:t>
+            </a:r>
+          </a:p>
+          <a:p>
+            <a:r>
+              <a:rPr lang="fr-CH" dirty="0" smtClean="0"/>
+              <a:t>Cahier des charges remplis</a:t>
+            </a:r>
+          </a:p>
+          <a:p>
+            <a:pPr>
+              <a:lnSpc>
+                <a:spcPct val="100000"/>
+              </a:lnSpc>
+            </a:pPr>
+            <a:r>
+              <a:rPr lang="fr-CH" dirty="0" smtClean="0"/>
+              <a:t>Améliorations possible</a:t>
+            </a:r>
+            <a:endParaRPr lang="fr-CH" dirty="0"/>
+          </a:p>
+        </p:txBody>
+      </p:sp>
+    </p:spTree>
+    <p:extLst>
+      <p:ext uri="{BB962C8B-B14F-4D97-AF65-F5344CB8AC3E}">
+        <p14:creationId xmlns:p14="http://schemas.microsoft.com/office/powerpoint/2010/main" val="3874676393"/>
+      </p:ext>
+    </p:extLst>
+  </p:cSld>
+  <p:clrMapOvr>
+    <a:masterClrMapping/>
+  </p:clrMapOvr>
+  <mc:AlternateContent xmlns:mc="http://schemas.openxmlformats.org/markup-compatibility/2006">
+    <mc:Choice xmlns:p14="http://schemas.microsoft.com/office/powerpoint/2010/main" Requires="p14">
+      <p:transition spd="med" p14:dur="700">
+        <p:fade/>
+      </p:transition>
+    </mc:Choice>
+    <mc:Fallback>
+      <p:transition spd="med">
+        <p:fade/>
+      </p:transition>
+    </mc:Fallback>
+  </mc:AlternateContent>
+  <p:timing>
+    <p:tnLst>
+      <p:par>
+        <p:cTn id="1" dur="indefinite" restart="never" nodeType="tmRoot"/>
+      </p:par>
+    </p:tnLst>
+  </p:timing>
+</p:sld>
+</file>
+
 <file path=ppt/slides/slide2.xml><?xml version="1.0" encoding="utf-8"?>
 <p:sld xmlns:a="http://schemas.openxmlformats.org/drawingml/2006/main" xmlns:r="http://schemas.openxmlformats.org/officeDocument/2006/relationships" xmlns:p="http://schemas.openxmlformats.org/presentationml/2006/main">
   <p:cSld>
@@ -5672,8 +6287,53 @@
             </a:pPr>
             <a:r>
               <a:rPr lang="fr-FR" noProof="1" smtClean="0"/>
-              <a:t>Mise en œuvre</a:t>
-            </a:r>
+              <a:t>Démonstration</a:t>
+            </a:r>
+            <a:endParaRPr lang="fr-FR" noProof="1" smtClean="0"/>
+          </a:p>
+          <a:p>
+            <a:pPr marL="457200" indent="-457200">
+              <a:buClr>
+                <a:srgbClr val="595959"/>
+              </a:buClr>
+              <a:buFont typeface="+mj-lt"/>
+              <a:buAutoNum type="arabicPeriod"/>
+            </a:pPr>
+            <a:r>
+              <a:rPr lang="fr-FR" noProof="1" smtClean="0"/>
+              <a:t>Mise en </a:t>
+            </a:r>
+            <a:r>
+              <a:rPr lang="fr-FR" noProof="1" smtClean="0"/>
+              <a:t>œuvre</a:t>
+            </a:r>
+          </a:p>
+          <a:p>
+            <a:pPr marL="457200" indent="-457200">
+              <a:buClr>
+                <a:srgbClr val="595959"/>
+              </a:buClr>
+              <a:buFont typeface="+mj-lt"/>
+              <a:buAutoNum type="arabicPeriod"/>
+            </a:pPr>
+            <a:r>
+              <a:rPr lang="fr-FR" noProof="1" smtClean="0"/>
+              <a:t>Tests</a:t>
+            </a:r>
+          </a:p>
+          <a:p>
+            <a:pPr marL="457200" indent="-457200">
+              <a:buClr>
+                <a:srgbClr val="595959"/>
+              </a:buClr>
+              <a:buFont typeface="+mj-lt"/>
+              <a:buAutoNum type="arabicPeriod"/>
+            </a:pPr>
+            <a:r>
+              <a:rPr lang="fr-FR" noProof="1" smtClean="0"/>
+              <a:t>Conclusion</a:t>
+            </a:r>
+            <a:endParaRPr lang="fr-FR" noProof="1" smtClean="0"/>
           </a:p>
           <a:p>
             <a:pPr marL="457200" indent="-457200">
@@ -5800,8 +6460,19 @@
           <a:p>
             <a:r>
               <a:rPr lang="fr-CH" dirty="0" smtClean="0"/>
-              <a:t>Comment?</a:t>
-            </a:r>
+              <a:t>Comment</a:t>
+            </a:r>
+            <a:r>
+              <a:rPr lang="fr-CH" dirty="0" smtClean="0"/>
+              <a:t>?</a:t>
+            </a:r>
+          </a:p>
+          <a:p>
+            <a:r>
+              <a:rPr lang="fr-CH" dirty="0" smtClean="0"/>
+              <a:t>Solution</a:t>
+            </a:r>
+            <a:endParaRPr lang="fr-CH" dirty="0" smtClean="0"/>
           </a:p>
           <a:p>
             <a:endParaRPr lang="fr-CH" dirty="0"/>
@@ -6556,6 +7227,97 @@
           <a:p>
             <a:r>
               <a:rPr lang="fr-CH" dirty="0" smtClean="0"/>
+              <a:t>Démonstration</a:t>
+            </a:r>
+            <a:endParaRPr lang="fr-CH" dirty="0"/>
+          </a:p>
+        </p:txBody>
+      </p:sp>
+      <p:sp>
+        <p:nvSpPr>
+          <p:cNvPr id="3" name="Espace réservé du contenu 2"/>
+          <p:cNvSpPr>
+            <a:spLocks noGrp="1"/>
+          </p:cNvSpPr>
+          <p:nvPr>
+            <p:ph idx="1"/>
+          </p:nvPr>
+        </p:nvSpPr>
+        <p:spPr/>
+        <p:txBody>
+          <a:bodyPr/>
+          <a:lstStyle/>
+          <a:p>
+            <a:endParaRPr lang="fr-CH"/>
+          </a:p>
+        </p:txBody>
+      </p:sp>
+    </p:spTree>
+    <p:extLst>
+      <p:ext uri="{BB962C8B-B14F-4D97-AF65-F5344CB8AC3E}">
+        <p14:creationId xmlns:p14="http://schemas.microsoft.com/office/powerpoint/2010/main" val="3440416896"/>
+      </p:ext>
+    </p:extLst>
+  </p:cSld>
+  <p:clrMapOvr>
+    <a:masterClrMapping/>
+  </p:clrMapOvr>
+  <mc:AlternateContent xmlns:mc="http://schemas.openxmlformats.org/markup-compatibility/2006">
+    <mc:Choice xmlns:p14="http://schemas.microsoft.com/office/powerpoint/2010/main" Requires="p14">
+      <p:transition spd="med" p14:dur="700">
+        <p:fade/>
+      </p:transition>
+    </mc:Choice>
+    <mc:Fallback>
+      <p:transition spd="med">
+        <p:fade/>
+      </p:transition>
+    </mc:Fallback>
+  </mc:AlternateContent>
+  <p:timing>
+    <p:tnLst>
+      <p:par>
+        <p:cTn id="1" dur="indefinite" restart="never" nodeType="tmRoot"/>
+      </p:par>
+    </p:tnLst>
+  </p:timing>
+</p:sld>
+</file>
+
+<file path=ppt/slides/slide9.xml><?xml version="1.0" encoding="utf-8"?>
+<p:sld xmlns:a="http://schemas.openxmlformats.org/drawingml/2006/main" xmlns:r="http://schemas.openxmlformats.org/officeDocument/2006/relationships" xmlns:p="http://schemas.openxmlformats.org/presentationml/2006/main">
+  <p:cSld>
+    <p:spTree>
+      <p:nvGrpSpPr>
+        <p:cNvPr id="1" name=""/>
+        <p:cNvGrpSpPr/>
+        <p:nvPr/>
+      </p:nvGrpSpPr>
+      <p:grpSpPr>
+        <a:xfrm>
+          <a:off x="0" y="0"/>
+          <a:ext cx="0" cy="0"/>
+          <a:chOff x="0" y="0"/>
+          <a:chExt cx="0" cy="0"/>
+        </a:xfrm>
+      </p:grpSpPr>
+      <p:sp>
+        <p:nvSpPr>
+          <p:cNvPr id="2" name="Titre 1"/>
+          <p:cNvSpPr>
+            <a:spLocks noGrp="1"/>
+          </p:cNvSpPr>
+          <p:nvPr>
+            <p:ph type="title"/>
+          </p:nvPr>
+        </p:nvSpPr>
+        <p:spPr/>
+        <p:txBody>
+          <a:bodyPr/>
+          <a:lstStyle/>
+          <a:p>
+            <a:r>
+              <a:rPr lang="fr-CH" dirty="0" smtClean="0"/>
               <a:t>Mise en œuvre - Calculateur</a:t>
             </a:r>
             <a:endParaRPr lang="fr-CH" dirty="0"/>
@@ -6618,23 +7380,40 @@
           <a:p>
             <a:r>
               <a:rPr lang="fr-CH" dirty="0" smtClean="0"/>
-              <a:t>Fonction principale</a:t>
+              <a:t>Fonction </a:t>
+            </a:r>
+            <a:r>
+              <a:rPr lang="fr-CH" dirty="0" smtClean="0"/>
+              <a:t>principale</a:t>
             </a:r>
           </a:p>
           <a:p>
             <a:pPr lvl="1"/>
             <a:r>
+              <a:rPr lang="fr-CH" dirty="0"/>
+              <a:t>Appel des fonctions de calcul</a:t>
+            </a:r>
+          </a:p>
+          <a:p>
+            <a:pPr lvl="1"/>
+            <a:r>
+              <a:rPr lang="fr-CH" dirty="0"/>
+              <a:t>Affiche dans la case de total la valeur totale</a:t>
+            </a:r>
+          </a:p>
+          <a:p>
+            <a:r>
               <a:rPr lang="fr-CH" dirty="0" smtClean="0"/>
-              <a:t>Appel des fonctions de calcul</a:t>
-            </a:r>
-          </a:p>
-          <a:p>
-            <a:pPr lvl="1"/>
-            <a:r>
-              <a:rPr lang="fr-CH" dirty="0" smtClean="0"/>
-              <a:t>Affiche dans la case de total la valeur totale</a:t>
-            </a:r>
-            <a:endParaRPr lang="fr-CH" dirty="0"/>
+              <a:t>Stockage des valeurs dans des inputs </a:t>
+            </a:r>
+            <a:r>
+              <a:rPr lang="fr-CH" dirty="0" err="1" smtClean="0"/>
+              <a:t>hidden</a:t>
+            </a:r>
+            <a:endParaRPr lang="fr-CH" dirty="0" smtClean="0"/>
+          </a:p>
+          <a:p>
+            <a:endParaRPr lang="fr-CH" dirty="0" smtClean="0"/>
           </a:p>
         </p:txBody>
       </p:sp>
@@ -6654,8 +7433,32 @@
         </p:blipFill>
         <p:spPr>
           <a:xfrm>
-            <a:off x="4581366" y="1943051"/>
+            <a:off x="5322772" y="1943051"/>
             <a:ext cx="5362575" cy="933450"/>
+          </a:xfrm>
+          <a:prstGeom prst="rect">
+            <a:avLst/>
+          </a:prstGeom>
+        </p:spPr>
+      </p:pic>
+      <p:pic>
+        <p:nvPicPr>
+          <p:cNvPr id="3" name="Image 2"/>
+          <p:cNvPicPr>
+            <a:picLocks noChangeAspect="1"/>
+          </p:cNvPicPr>
+          <p:nvPr/>
+        </p:nvPicPr>
+        <p:blipFill>
+          <a:blip r:embed="rId3"/>
+          <a:stretch>
+            <a:fillRect/>
+          </a:stretch>
+        </p:blipFill>
+        <p:spPr>
+          <a:xfrm>
+            <a:off x="3400425" y="4251468"/>
+            <a:ext cx="5391150" cy="419100"/>
           </a:xfrm>
           <a:prstGeom prst="rect">
             <a:avLst/>
@@ -6691,329 +7494,6 @@
       </p:par>
     </p:tnLst>
   </p:timing>
-</p:sld>
-</file>
-
-<file path=ppt/slides/slide9.xml><?xml version="1.0" encoding="utf-8"?>
-<p:sld xmlns:a="http://schemas.openxmlformats.org/drawingml/2006/main" xmlns:r="http://schemas.openxmlformats.org/officeDocument/2006/relationships" xmlns:p="http://schemas.openxmlformats.org/presentationml/2006/main">
-  <p:cSld>
-    <p:spTree>
-      <p:nvGrpSpPr>
-        <p:cNvPr id="1" name=""/>
-        <p:cNvGrpSpPr/>
-        <p:nvPr/>
-      </p:nvGrpSpPr>
-      <p:grpSpPr>
-        <a:xfrm>
-          <a:off x="0" y="0"/>
-          <a:ext cx="0" cy="0"/>
-          <a:chOff x="0" y="0"/>
-          <a:chExt cx="0" cy="0"/>
-        </a:xfrm>
-      </p:grpSpPr>
-      <p:sp>
-        <p:nvSpPr>
-          <p:cNvPr id="2" name="Titre 1"/>
-          <p:cNvSpPr>
-            <a:spLocks noGrp="1"/>
-          </p:cNvSpPr>
-          <p:nvPr>
-            <p:ph type="title"/>
-          </p:nvPr>
-        </p:nvSpPr>
-        <p:spPr/>
-        <p:txBody>
-          <a:bodyPr/>
-          <a:lstStyle/>
-          <a:p>
-            <a:r>
-              <a:rPr lang="fr-CH" dirty="0" smtClean="0"/>
-              <a:t>Test</a:t>
-            </a:r>
-            <a:endParaRPr lang="fr-CH" dirty="0"/>
-          </a:p>
-        </p:txBody>
-      </p:sp>
-      <p:graphicFrame>
-        <p:nvGraphicFramePr>
-          <p:cNvPr id="4" name="Espace réservé du contenu 3"/>
-          <p:cNvGraphicFramePr>
-            <a:graphicFrameLocks noGrp="1"/>
-          </p:cNvGraphicFramePr>
-          <p:nvPr>
-            <p:ph idx="1"/>
-            <p:extLst>
-              <p:ext uri="{D42A27DB-BD31-4B8C-83A1-F6EECF244321}">
-                <p14:modId xmlns:p14="http://schemas.microsoft.com/office/powerpoint/2010/main" val="1335831053"/>
-              </p:ext>
-            </p:extLst>
-          </p:nvPr>
-        </p:nvGraphicFramePr>
-        <p:xfrm>
-          <a:off x="1295400" y="1828800"/>
-          <a:ext cx="9601200" cy="2494280"/>
-        </p:xfrm>
-        <a:graphic>
-          <a:graphicData uri="http://schemas.openxmlformats.org/drawingml/2006/table">
-            <a:tbl>
-              <a:tblPr firstRow="1" bandRow="1">
-                <a:tableStyleId>{5C22544A-7EE6-4342-B048-85BDC9FD1C3A}</a:tableStyleId>
-              </a:tblPr>
-              <a:tblGrid>
-                <a:gridCol w="3200400"/>
-                <a:gridCol w="3200400"/>
-                <a:gridCol w="3200400"/>
-              </a:tblGrid>
-              <a:tr h="370840">
-                <a:tc>
-                  <a:txBody>
-                    <a:bodyPr/>
-                    <a:lstStyle/>
-                    <a:p>
-                      <a:r>
-                        <a:rPr lang="fr-CH" dirty="0" smtClean="0"/>
-                        <a:t>Description</a:t>
-                      </a:r>
-                      <a:endParaRPr lang="fr-CH" dirty="0"/>
-                    </a:p>
-                  </a:txBody>
-                  <a:tcPr/>
-                </a:tc>
-                <a:tc>
-                  <a:txBody>
-                    <a:bodyPr/>
-                    <a:lstStyle/>
-                    <a:p>
-                      <a:r>
-                        <a:rPr lang="fr-CH" dirty="0" smtClean="0"/>
-                        <a:t>Résultat</a:t>
-                      </a:r>
-                      <a:endParaRPr lang="fr-CH" dirty="0"/>
-                    </a:p>
-                  </a:txBody>
-                  <a:tcPr/>
-                </a:tc>
-                <a:tc>
-                  <a:txBody>
-                    <a:bodyPr/>
-                    <a:lstStyle/>
-                    <a:p>
-                      <a:r>
-                        <a:rPr lang="fr-CH" dirty="0" smtClean="0"/>
-                        <a:t>État</a:t>
-                      </a:r>
-                      <a:endParaRPr lang="fr-CH" dirty="0"/>
-                    </a:p>
-                  </a:txBody>
-                  <a:tcPr/>
-                </a:tc>
-              </a:tr>
-              <a:tr h="370840">
-                <a:tc>
-                  <a:txBody>
-                    <a:bodyPr/>
-                    <a:lstStyle/>
-                    <a:p>
-                      <a:r>
-                        <a:rPr lang="fr-CH" dirty="0" smtClean="0"/>
-                        <a:t>L’utilisateur créé</a:t>
-                      </a:r>
-                      <a:r>
-                        <a:rPr lang="fr-CH" baseline="0" dirty="0" smtClean="0"/>
-                        <a:t> un devis</a:t>
-                      </a:r>
-                      <a:endParaRPr lang="fr-CH" dirty="0"/>
-                    </a:p>
-                  </a:txBody>
-                  <a:tcPr/>
-                </a:tc>
-                <a:tc>
-                  <a:txBody>
-                    <a:bodyPr/>
-                    <a:lstStyle/>
-                    <a:p>
-                      <a:r>
-                        <a:rPr lang="fr-CH" dirty="0" smtClean="0"/>
-                        <a:t>Il est redirigé</a:t>
-                      </a:r>
-                      <a:r>
-                        <a:rPr lang="fr-CH" baseline="0" dirty="0" smtClean="0"/>
-                        <a:t> vers la page d’affichage des devis</a:t>
-                      </a:r>
-                      <a:endParaRPr lang="fr-CH" dirty="0"/>
-                    </a:p>
-                  </a:txBody>
-                  <a:tcPr/>
-                </a:tc>
-                <a:tc>
-                  <a:txBody>
-                    <a:bodyPr/>
-                    <a:lstStyle/>
-                    <a:p>
-                      <a:r>
-                        <a:rPr lang="fr-CH" smtClean="0"/>
-                        <a:t>OK</a:t>
-                      </a:r>
-                      <a:endParaRPr lang="fr-CH"/>
-                    </a:p>
-                  </a:txBody>
-                  <a:tcPr/>
-                </a:tc>
-              </a:tr>
-              <a:tr h="370840">
-                <a:tc>
-                  <a:txBody>
-                    <a:bodyPr/>
-                    <a:lstStyle/>
-                    <a:p>
-                      <a:endParaRPr lang="fr-CH"/>
-                    </a:p>
-                  </a:txBody>
-                  <a:tcPr/>
-                </a:tc>
-                <a:tc>
-                  <a:txBody>
-                    <a:bodyPr/>
-                    <a:lstStyle/>
-                    <a:p>
-                      <a:endParaRPr lang="fr-CH"/>
-                    </a:p>
-                  </a:txBody>
-                  <a:tcPr/>
-                </a:tc>
-                <a:tc>
-                  <a:txBody>
-                    <a:bodyPr/>
-                    <a:lstStyle/>
-                    <a:p>
-                      <a:endParaRPr lang="fr-CH"/>
-                    </a:p>
-                  </a:txBody>
-                  <a:tcPr/>
-                </a:tc>
-              </a:tr>
-              <a:tr h="370840">
-                <a:tc>
-                  <a:txBody>
-                    <a:bodyPr/>
-                    <a:lstStyle/>
-                    <a:p>
-                      <a:endParaRPr lang="fr-CH"/>
-                    </a:p>
-                  </a:txBody>
-                  <a:tcPr/>
-                </a:tc>
-                <a:tc>
-                  <a:txBody>
-                    <a:bodyPr/>
-                    <a:lstStyle/>
-                    <a:p>
-                      <a:endParaRPr lang="fr-CH"/>
-                    </a:p>
-                  </a:txBody>
-                  <a:tcPr/>
-                </a:tc>
-                <a:tc>
-                  <a:txBody>
-                    <a:bodyPr/>
-                    <a:lstStyle/>
-                    <a:p>
-                      <a:endParaRPr lang="fr-CH"/>
-                    </a:p>
-                  </a:txBody>
-                  <a:tcPr/>
-                </a:tc>
-              </a:tr>
-              <a:tr h="370840">
-                <a:tc>
-                  <a:txBody>
-                    <a:bodyPr/>
-                    <a:lstStyle/>
-                    <a:p>
-                      <a:endParaRPr lang="fr-CH"/>
-                    </a:p>
-                  </a:txBody>
-                  <a:tcPr/>
-                </a:tc>
-                <a:tc>
-                  <a:txBody>
-                    <a:bodyPr/>
-                    <a:lstStyle/>
-                    <a:p>
-                      <a:endParaRPr lang="fr-CH"/>
-                    </a:p>
-                  </a:txBody>
-                  <a:tcPr/>
-                </a:tc>
-                <a:tc>
-                  <a:txBody>
-                    <a:bodyPr/>
-                    <a:lstStyle/>
-                    <a:p>
-                      <a:endParaRPr lang="fr-CH"/>
-                    </a:p>
-                  </a:txBody>
-                  <a:tcPr/>
-                </a:tc>
-              </a:tr>
-              <a:tr h="370840">
-                <a:tc>
-                  <a:txBody>
-                    <a:bodyPr/>
-                    <a:lstStyle/>
-                    <a:p>
-                      <a:endParaRPr lang="fr-CH"/>
-                    </a:p>
-                  </a:txBody>
-                  <a:tcPr/>
-                </a:tc>
-                <a:tc>
-                  <a:txBody>
-                    <a:bodyPr/>
-                    <a:lstStyle/>
-                    <a:p>
-                      <a:endParaRPr lang="fr-CH"/>
-                    </a:p>
-                  </a:txBody>
-                  <a:tcPr/>
-                </a:tc>
-                <a:tc>
-                  <a:txBody>
-                    <a:bodyPr/>
-                    <a:lstStyle/>
-                    <a:p>
-                      <a:endParaRPr lang="fr-CH"/>
-                    </a:p>
-                  </a:txBody>
-                  <a:tcPr/>
-                </a:tc>
-              </a:tr>
-            </a:tbl>
-          </a:graphicData>
-        </a:graphic>
-      </p:graphicFrame>
-    </p:spTree>
-    <p:extLst>
-      <p:ext uri="{BB962C8B-B14F-4D97-AF65-F5344CB8AC3E}">
-        <p14:creationId xmlns:p14="http://schemas.microsoft.com/office/powerpoint/2010/main" val="4035783302"/>
-      </p:ext>
-    </p:extLst>
-  </p:cSld>
-  <p:clrMapOvr>
-    <a:masterClrMapping/>
-  </p:clrMapOvr>
-  <mc:AlternateContent xmlns:mc="http://schemas.openxmlformats.org/markup-compatibility/2006">
-    <mc:Choice xmlns:p14="http://schemas.microsoft.com/office/powerpoint/2010/main" Requires="p14">
-      <p:transition spd="med" p14:dur="700">
-        <p:fade/>
-      </p:transition>
-    </mc:Choice>
-    <mc:Fallback>
-      <p:transition spd="med">
-        <p:fade/>
-      </p:transition>
-    </mc:Fallback>
-  </mc:AlternateContent>
 </p:sld>
 </file>
 

--- a/Documentation/Orale/Présentation Furnigo.pptx
+++ b/Documentation/Orale/Présentation Furnigo.pptx
@@ -5754,13 +5754,13 @@
   <p:clrMapOvr>
     <a:masterClrMapping/>
   </p:clrMapOvr>
-  <mc:AlternateContent xmlns:mc="http://schemas.openxmlformats.org/markup-compatibility/2006">
-    <mc:Choice xmlns:p14="http://schemas.microsoft.com/office/powerpoint/2010/main" Requires="p14">
+  <mc:AlternateContent xmlns:mc="http://schemas.openxmlformats.org/markup-compatibility/2006" xmlns:p14="http://schemas.microsoft.com/office/powerpoint/2010/main">
+    <mc:Choice Requires="p14">
       <p:transition spd="med" p14:dur="700">
         <p:fade/>
       </p:transition>
     </mc:Choice>
-    <mc:Fallback>
+    <mc:Fallback xmlns="">
       <p:transition spd="med">
         <p:fade/>
       </p:transition>
@@ -5858,6 +5858,18 @@
             </a:r>
           </a:p>
           <a:p>
+            <a:pPr lvl="1"/>
+            <a:r>
+              <a:rPr lang="fr-CH" dirty="0" smtClean="0"/>
+              <a:t>Envois de données par $_GET</a:t>
+            </a:r>
+          </a:p>
+          <a:p>
+            <a:pPr lvl="2"/>
+            <a:r>
+              <a:rPr lang="fr-CH" dirty="0" smtClean="0"/>
+              <a:t>Solution </a:t>
+            </a:r>
             <a:endParaRPr lang="fr-CH" dirty="0" smtClean="0"/>
           </a:p>
           <a:p>
@@ -5891,7 +5903,7 @@
       </p:pic>
       <p:pic>
         <p:nvPicPr>
-          <p:cNvPr id="6" name="Image 5"/>
+          <p:cNvPr id="4" name="Image 3"/>
           <p:cNvPicPr>
             <a:picLocks noChangeAspect="1"/>
           </p:cNvPicPr>
@@ -5905,8 +5917,56 @@
         </p:blipFill>
         <p:spPr>
           <a:xfrm>
-            <a:off x="3718740" y="3193255"/>
-            <a:ext cx="3390900" cy="1343025"/>
+            <a:off x="3718740" y="3233063"/>
+            <a:ext cx="2447925" cy="371475"/>
+          </a:xfrm>
+          <a:prstGeom prst="rect">
+            <a:avLst/>
+          </a:prstGeom>
+        </p:spPr>
+      </p:pic>
+      <p:pic>
+        <p:nvPicPr>
+          <p:cNvPr id="7" name="Image 6"/>
+          <p:cNvPicPr>
+            <a:picLocks noChangeAspect="1"/>
+          </p:cNvPicPr>
+          <p:nvPr/>
+        </p:nvPicPr>
+        <p:blipFill>
+          <a:blip r:embed="rId4"/>
+          <a:stretch>
+            <a:fillRect/>
+          </a:stretch>
+        </p:blipFill>
+        <p:spPr>
+          <a:xfrm>
+            <a:off x="3718740" y="4055629"/>
+            <a:ext cx="2886075" cy="171450"/>
+          </a:xfrm>
+          <a:prstGeom prst="rect">
+            <a:avLst/>
+          </a:prstGeom>
+        </p:spPr>
+      </p:pic>
+      <p:pic>
+        <p:nvPicPr>
+          <p:cNvPr id="9" name="Image 8"/>
+          <p:cNvPicPr>
+            <a:picLocks noChangeAspect="1"/>
+          </p:cNvPicPr>
+          <p:nvPr/>
+        </p:nvPicPr>
+        <p:blipFill>
+          <a:blip r:embed="rId5"/>
+          <a:stretch>
+            <a:fillRect/>
+          </a:stretch>
+        </p:blipFill>
+        <p:spPr>
+          <a:xfrm>
+            <a:off x="5457003" y="3612716"/>
+            <a:ext cx="3190875" cy="314325"/>
           </a:xfrm>
           <a:prstGeom prst="rect">
             <a:avLst/>
@@ -6021,21 +6081,56 @@
             <a:pPr lvl="1"/>
             <a:r>
               <a:rPr lang="fr-CH" dirty="0"/>
-              <a:t>Solution: Sha1</a:t>
-            </a:r>
-          </a:p>
-          <a:p>
+              <a:t>Solution: </a:t>
+            </a:r>
+            <a:r>
+              <a:rPr lang="fr-CH" dirty="0" smtClean="0"/>
+              <a:t>Sha1</a:t>
+            </a:r>
             <a:endParaRPr lang="fr-CH" dirty="0" smtClean="0"/>
           </a:p>
           <a:p>
+            <a:r>
+              <a:rPr lang="fr-CH" dirty="0" smtClean="0"/>
+              <a:t>Encodage des données PHP</a:t>
+            </a:r>
+          </a:p>
+          <a:p>
             <a:pPr lvl="1"/>
+            <a:r>
+              <a:rPr lang="fr-CH" dirty="0" smtClean="0"/>
+              <a:t>Solution : </a:t>
+            </a:r>
+          </a:p>
+          <a:p>
             <a:endParaRPr lang="fr-CH" dirty="0" smtClean="0"/>
           </a:p>
-          <a:p>
-            <a:endParaRPr lang="fr-CH" dirty="0" smtClean="0"/>
-          </a:p>
-        </p:txBody>
-      </p:sp>
+        </p:txBody>
+      </p:sp>
+      <p:pic>
+        <p:nvPicPr>
+          <p:cNvPr id="4" name="Image 3"/>
+          <p:cNvPicPr>
+            <a:picLocks noChangeAspect="1"/>
+          </p:cNvPicPr>
+          <p:nvPr/>
+        </p:nvPicPr>
+        <p:blipFill>
+          <a:blip r:embed="rId2"/>
+          <a:stretch>
+            <a:fillRect/>
+          </a:stretch>
+        </p:blipFill>
+        <p:spPr>
+          <a:xfrm>
+            <a:off x="3110734" y="3303204"/>
+            <a:ext cx="8324850" cy="209550"/>
+          </a:xfrm>
+          <a:prstGeom prst="rect">
+            <a:avLst/>
+          </a:prstGeom>
+        </p:spPr>
+      </p:pic>
     </p:spTree>
     <p:extLst>
       <p:ext uri="{BB962C8B-B14F-4D97-AF65-F5344CB8AC3E}">
@@ -6046,13 +6141,13 @@
   <p:clrMapOvr>
     <a:masterClrMapping/>
   </p:clrMapOvr>
-  <mc:AlternateContent xmlns:mc="http://schemas.openxmlformats.org/markup-compatibility/2006">
-    <mc:Choice xmlns:p14="http://schemas.microsoft.com/office/powerpoint/2010/main" Requires="p14">
+  <mc:AlternateContent xmlns:mc="http://schemas.openxmlformats.org/markup-compatibility/2006" xmlns:p14="http://schemas.microsoft.com/office/powerpoint/2010/main">
+    <mc:Choice Requires="p14">
       <p:transition spd="med" p14:dur="700">
         <p:fade/>
       </p:transition>
     </mc:Choice>
-    <mc:Fallback>
+    <mc:Fallback xmlns="">
       <p:transition spd="med">
         <p:fade/>
       </p:transition>
@@ -6142,7 +6237,44 @@
             </a:pPr>
             <a:r>
               <a:rPr lang="fr-CH" dirty="0" smtClean="0"/>
-              <a:t>Améliorations possible</a:t>
+              <a:t>Améliorations </a:t>
+            </a:r>
+            <a:r>
+              <a:rPr lang="fr-CH" dirty="0" smtClean="0"/>
+              <a:t>possible</a:t>
+            </a:r>
+          </a:p>
+          <a:p>
+            <a:pPr lvl="1">
+              <a:lnSpc>
+                <a:spcPct val="100000"/>
+              </a:lnSpc>
+            </a:pPr>
+            <a:r>
+              <a:rPr lang="fr-CH" dirty="0" smtClean="0"/>
+              <a:t>Esthétique</a:t>
+            </a:r>
+          </a:p>
+          <a:p>
+            <a:pPr lvl="1">
+              <a:lnSpc>
+                <a:spcPct val="100000"/>
+              </a:lnSpc>
+            </a:pPr>
+            <a:r>
+              <a:rPr lang="fr-CH" dirty="0" smtClean="0"/>
+              <a:t>Motif d’architecture MVC</a:t>
+            </a:r>
+          </a:p>
+          <a:p>
+            <a:pPr lvl="1">
+              <a:lnSpc>
+                <a:spcPct val="100000"/>
+              </a:lnSpc>
+            </a:pPr>
+            <a:r>
+              <a:rPr lang="fr-CH" dirty="0" smtClean="0"/>
+              <a:t>Hash plus complexe</a:t>
             </a:r>
             <a:endParaRPr lang="fr-CH" dirty="0"/>
           </a:p>
@@ -6158,13 +6290,13 @@
   <p:clrMapOvr>
     <a:masterClrMapping/>
   </p:clrMapOvr>
-  <mc:AlternateContent xmlns:mc="http://schemas.openxmlformats.org/markup-compatibility/2006">
-    <mc:Choice xmlns:p14="http://schemas.microsoft.com/office/powerpoint/2010/main" Requires="p14">
+  <mc:AlternateContent xmlns:mc="http://schemas.openxmlformats.org/markup-compatibility/2006" xmlns:p14="http://schemas.microsoft.com/office/powerpoint/2010/main">
+    <mc:Choice Requires="p14">
       <p:transition spd="med" p14:dur="700">
         <p:fade/>
       </p:transition>
     </mc:Choice>
-    <mc:Fallback>
+    <mc:Fallback xmlns="">
       <p:transition spd="med">
         <p:fade/>
       </p:transition>
@@ -6173,7 +6305,213 @@
   <p:timing>
     <p:tnLst>
       <p:par>
-        <p:cTn id="1" dur="indefinite" restart="never" nodeType="tmRoot"/>
+        <p:cTn id="1" dur="indefinite" restart="never" nodeType="tmRoot">
+          <p:childTnLst>
+            <p:seq concurrent="1" nextAc="seek">
+              <p:cTn id="2" dur="indefinite" nodeType="mainSeq">
+                <p:childTnLst>
+                  <p:par>
+                    <p:cTn id="3" fill="hold">
+                      <p:stCondLst>
+                        <p:cond delay="indefinite"/>
+                      </p:stCondLst>
+                      <p:childTnLst>
+                        <p:par>
+                          <p:cTn id="4" fill="hold">
+                            <p:stCondLst>
+                              <p:cond delay="0"/>
+                            </p:stCondLst>
+                            <p:childTnLst>
+                              <p:par>
+                                <p:cTn id="5" presetID="10" presetClass="entr" presetSubtype="0" fill="hold" nodeType="clickEffect">
+                                  <p:stCondLst>
+                                    <p:cond delay="0"/>
+                                  </p:stCondLst>
+                                  <p:childTnLst>
+                                    <p:set>
+                                      <p:cBhvr>
+                                        <p:cTn id="6" dur="1" fill="hold">
+                                          <p:stCondLst>
+                                            <p:cond delay="0"/>
+                                          </p:stCondLst>
+                                        </p:cTn>
+                                        <p:tgtEl>
+                                          <p:spTgt spid="3">
+                                            <p:txEl>
+                                              <p:pRg st="3" end="3"/>
+                                            </p:txEl>
+                                          </p:spTgt>
+                                        </p:tgtEl>
+                                        <p:attrNameLst>
+                                          <p:attrName>style.visibility</p:attrName>
+                                        </p:attrNameLst>
+                                      </p:cBhvr>
+                                      <p:to>
+                                        <p:strVal val="visible"/>
+                                      </p:to>
+                                    </p:set>
+                                    <p:animEffect transition="in" filter="fade">
+                                      <p:cBhvr>
+                                        <p:cTn id="7" dur="500"/>
+                                        <p:tgtEl>
+                                          <p:spTgt spid="3">
+                                            <p:txEl>
+                                              <p:pRg st="3" end="3"/>
+                                            </p:txEl>
+                                          </p:spTgt>
+                                        </p:tgtEl>
+                                      </p:cBhvr>
+                                    </p:animEffect>
+                                  </p:childTnLst>
+                                </p:cTn>
+                              </p:par>
+                            </p:childTnLst>
+                          </p:cTn>
+                        </p:par>
+                      </p:childTnLst>
+                    </p:cTn>
+                  </p:par>
+                  <p:par>
+                    <p:cTn id="8" fill="hold">
+                      <p:stCondLst>
+                        <p:cond delay="indefinite"/>
+                      </p:stCondLst>
+                      <p:childTnLst>
+                        <p:par>
+                          <p:cTn id="9" fill="hold">
+                            <p:stCondLst>
+                              <p:cond delay="0"/>
+                            </p:stCondLst>
+                            <p:childTnLst>
+                              <p:par>
+                                <p:cTn id="10" presetID="10" presetClass="entr" presetSubtype="0" fill="hold" nodeType="clickEffect">
+                                  <p:stCondLst>
+                                    <p:cond delay="0"/>
+                                  </p:stCondLst>
+                                  <p:childTnLst>
+                                    <p:set>
+                                      <p:cBhvr>
+                                        <p:cTn id="11" dur="1" fill="hold">
+                                          <p:stCondLst>
+                                            <p:cond delay="0"/>
+                                          </p:stCondLst>
+                                        </p:cTn>
+                                        <p:tgtEl>
+                                          <p:spTgt spid="3">
+                                            <p:txEl>
+                                              <p:pRg st="4" end="4"/>
+                                            </p:txEl>
+                                          </p:spTgt>
+                                        </p:tgtEl>
+                                        <p:attrNameLst>
+                                          <p:attrName>style.visibility</p:attrName>
+                                        </p:attrNameLst>
+                                      </p:cBhvr>
+                                      <p:to>
+                                        <p:strVal val="visible"/>
+                                      </p:to>
+                                    </p:set>
+                                    <p:animEffect transition="in" filter="fade">
+                                      <p:cBhvr>
+                                        <p:cTn id="12" dur="500"/>
+                                        <p:tgtEl>
+                                          <p:spTgt spid="3">
+                                            <p:txEl>
+                                              <p:pRg st="4" end="4"/>
+                                            </p:txEl>
+                                          </p:spTgt>
+                                        </p:tgtEl>
+                                      </p:cBhvr>
+                                    </p:animEffect>
+                                  </p:childTnLst>
+                                </p:cTn>
+                              </p:par>
+                            </p:childTnLst>
+                          </p:cTn>
+                        </p:par>
+                      </p:childTnLst>
+                    </p:cTn>
+                  </p:par>
+                  <p:par>
+                    <p:cTn id="13" fill="hold">
+                      <p:stCondLst>
+                        <p:cond delay="indefinite"/>
+                      </p:stCondLst>
+                      <p:childTnLst>
+                        <p:par>
+                          <p:cTn id="14" fill="hold">
+                            <p:stCondLst>
+                              <p:cond delay="0"/>
+                            </p:stCondLst>
+                            <p:childTnLst>
+                              <p:par>
+                                <p:cTn id="15" presetID="10" presetClass="entr" presetSubtype="0" fill="hold" nodeType="clickEffect">
+                                  <p:stCondLst>
+                                    <p:cond delay="0"/>
+                                  </p:stCondLst>
+                                  <p:childTnLst>
+                                    <p:set>
+                                      <p:cBhvr>
+                                        <p:cTn id="16" dur="1" fill="hold">
+                                          <p:stCondLst>
+                                            <p:cond delay="0"/>
+                                          </p:stCondLst>
+                                        </p:cTn>
+                                        <p:tgtEl>
+                                          <p:spTgt spid="3">
+                                            <p:txEl>
+                                              <p:pRg st="5" end="5"/>
+                                            </p:txEl>
+                                          </p:spTgt>
+                                        </p:tgtEl>
+                                        <p:attrNameLst>
+                                          <p:attrName>style.visibility</p:attrName>
+                                        </p:attrNameLst>
+                                      </p:cBhvr>
+                                      <p:to>
+                                        <p:strVal val="visible"/>
+                                      </p:to>
+                                    </p:set>
+                                    <p:animEffect transition="in" filter="fade">
+                                      <p:cBhvr>
+                                        <p:cTn id="17" dur="500"/>
+                                        <p:tgtEl>
+                                          <p:spTgt spid="3">
+                                            <p:txEl>
+                                              <p:pRg st="5" end="5"/>
+                                            </p:txEl>
+                                          </p:spTgt>
+                                        </p:tgtEl>
+                                      </p:cBhvr>
+                                    </p:animEffect>
+                                  </p:childTnLst>
+                                </p:cTn>
+                              </p:par>
+                            </p:childTnLst>
+                          </p:cTn>
+                        </p:par>
+                      </p:childTnLst>
+                    </p:cTn>
+                  </p:par>
+                </p:childTnLst>
+              </p:cTn>
+              <p:prevCondLst>
+                <p:cond evt="onPrev" delay="0">
+                  <p:tgtEl>
+                    <p:sldTgt/>
+                  </p:tgtEl>
+                </p:cond>
+              </p:prevCondLst>
+              <p:nextCondLst>
+                <p:cond evt="onNext" delay="0">
+                  <p:tgtEl>
+                    <p:sldTgt/>
+                  </p:tgtEl>
+                </p:cond>
+              </p:nextCondLst>
+            </p:seq>
+          </p:childTnLst>
+        </p:cTn>
       </p:par>
     </p:tnLst>
   </p:timing>
@@ -6289,7 +6627,6 @@
               <a:rPr lang="fr-FR" noProof="1" smtClean="0"/>
               <a:t>Démonstration</a:t>
             </a:r>
-            <a:endParaRPr lang="fr-FR" noProof="1" smtClean="0"/>
           </a:p>
           <a:p>
             <a:pPr marL="457200" indent="-457200">
@@ -6301,11 +6638,7 @@
             </a:pPr>
             <a:r>
               <a:rPr lang="fr-FR" noProof="1" smtClean="0"/>
-              <a:t>Mise en </a:t>
-            </a:r>
-            <a:r>
-              <a:rPr lang="fr-FR" noProof="1" smtClean="0"/>
-              <a:t>œuvre</a:t>
+              <a:t>Mise en œuvre</a:t>
             </a:r>
           </a:p>
           <a:p>
@@ -6333,7 +6666,6 @@
               <a:rPr lang="fr-FR" noProof="1" smtClean="0"/>
               <a:t>Conclusion</a:t>
             </a:r>
-            <a:endParaRPr lang="fr-FR" noProof="1" smtClean="0"/>
           </a:p>
           <a:p>
             <a:pPr marL="457200" indent="-457200">
@@ -6460,11 +6792,7 @@
           <a:p>
             <a:r>
               <a:rPr lang="fr-CH" dirty="0" smtClean="0"/>
-              <a:t>Comment</a:t>
-            </a:r>
-            <a:r>
-              <a:rPr lang="fr-CH" dirty="0" smtClean="0"/>
-              <a:t>?</a:t>
+              <a:t>Comment?</a:t>
             </a:r>
           </a:p>
           <a:p>
@@ -6472,7 +6800,6 @@
               <a:rPr lang="fr-CH" dirty="0" smtClean="0"/>
               <a:t>Solution</a:t>
             </a:r>
-            <a:endParaRPr lang="fr-CH" dirty="0" smtClean="0"/>
           </a:p>
           <a:p>
             <a:endParaRPr lang="fr-CH" dirty="0"/>
@@ -7262,13 +7589,13 @@
   <p:clrMapOvr>
     <a:masterClrMapping/>
   </p:clrMapOvr>
-  <mc:AlternateContent xmlns:mc="http://schemas.openxmlformats.org/markup-compatibility/2006">
-    <mc:Choice xmlns:p14="http://schemas.microsoft.com/office/powerpoint/2010/main" Requires="p14">
+  <mc:AlternateContent xmlns:mc="http://schemas.openxmlformats.org/markup-compatibility/2006" xmlns:p14="http://schemas.microsoft.com/office/powerpoint/2010/main">
+    <mc:Choice Requires="p14">
       <p:transition spd="med" p14:dur="700">
         <p:fade/>
       </p:transition>
     </mc:Choice>
-    <mc:Fallback>
+    <mc:Fallback xmlns="">
       <p:transition spd="med">
         <p:fade/>
       </p:transition>
@@ -7380,11 +7707,7 @@
           <a:p>
             <a:r>
               <a:rPr lang="fr-CH" dirty="0" smtClean="0"/>
-              <a:t>Fonction </a:t>
-            </a:r>
-            <a:r>
-              <a:rPr lang="fr-CH" dirty="0" smtClean="0"/>
-              <a:t>principale</a:t>
+              <a:t>Fonction principale</a:t>
             </a:r>
           </a:p>
           <a:p>
@@ -7457,7 +7780,7 @@
         </p:blipFill>
         <p:spPr>
           <a:xfrm>
-            <a:off x="3400425" y="4251468"/>
+            <a:off x="1918466" y="4314800"/>
             <a:ext cx="5391150" cy="419100"/>
           </a:xfrm>
           <a:prstGeom prst="rect">
